--- a/src/doc/职级评审_商城技术部.pptx
+++ b/src/doc/职级评审_商城技术部.pptx
@@ -5,18 +5,20 @@
     <p:sldMasterId id="2147483648" r:id="rId1"/>
   </p:sldMasterIdLst>
   <p:notesMasterIdLst>
-    <p:notesMasterId r:id="rId11"/>
+    <p:notesMasterId r:id="rId14"/>
   </p:notesMasterIdLst>
   <p:sldIdLst>
-    <p:sldId id="273" r:id="rId2"/>
-    <p:sldId id="274" r:id="rId3"/>
-    <p:sldId id="282" r:id="rId4"/>
-    <p:sldId id="281" r:id="rId5"/>
-    <p:sldId id="283" r:id="rId6"/>
-    <p:sldId id="284" r:id="rId7"/>
-    <p:sldId id="286" r:id="rId8"/>
-    <p:sldId id="285" r:id="rId9"/>
-    <p:sldId id="277" r:id="rId10"/>
+    <p:sldId id="273" r:id="rId3"/>
+    <p:sldId id="274" r:id="rId4"/>
+    <p:sldId id="282" r:id="rId5"/>
+    <p:sldId id="281" r:id="rId6"/>
+    <p:sldId id="283" r:id="rId7"/>
+    <p:sldId id="284" r:id="rId8"/>
+    <p:sldId id="286" r:id="rId9"/>
+    <p:sldId id="290" r:id="rId10"/>
+    <p:sldId id="291" r:id="rId11"/>
+    <p:sldId id="285" r:id="rId12"/>
+    <p:sldId id="277" r:id="rId13"/>
   </p:sldIdLst>
   <p:sldSz cx="9144000" cy="5143500" type="screen16x9"/>
   <p:notesSz cx="6858000" cy="9144000"/>
@@ -115,6 +117,27 @@
       </a:defRPr>
     </a:lvl9pPr>
   </p:defaultTextStyle>
+  <p:extLst>
+    <p:ext uri="{521415D9-36F7-43E2-AB2F-B90AF26B5E84}">
+      <p14:sectionLst xmlns:p14="http://schemas.microsoft.com/office/powerpoint/2010/main">
+        <p14:section name="默认节" id="{fbe1f05c-cd5f-4461-a3b5-e2cd3048ea1e}">
+          <p14:sldIdLst>
+            <p14:sldId id="273"/>
+            <p14:sldId id="274"/>
+            <p14:sldId id="282"/>
+            <p14:sldId id="281"/>
+            <p14:sldId id="283"/>
+            <p14:sldId id="284"/>
+            <p14:sldId id="286"/>
+            <p14:sldId id="290"/>
+            <p14:sldId id="285"/>
+            <p14:sldId id="277"/>
+            <p14:sldId id="291"/>
+          </p14:sldIdLst>
+        </p14:section>
+      </p14:sectionLst>
+    </p:ext>
+  </p:extLst>
 </p:presentation>
 </file>
 
@@ -200,8 +223,6 @@
           <a:p>
             <a:fld id="{FB86081A-1E41-D34E-AC33-11FD77CCCD8D}" type="datetimeFigureOut">
               <a:rPr kumimoji="1" lang="zh-CN" altLang="en-US" smtClean="0"/>
-              <a:pPr/>
-              <a:t>2017/6/2</a:t>
             </a:fld>
             <a:endParaRPr kumimoji="1" lang="zh-CN" altLang="en-US"/>
           </a:p>
@@ -268,6 +289,7 @@
               <a:rPr kumimoji="1" lang="zh-CN" altLang="en-US" smtClean="0"/>
               <a:t>单击此处编辑母版文本样式</a:t>
             </a:r>
+            <a:endParaRPr kumimoji="1" lang="zh-CN" altLang="en-US" smtClean="0"/>
           </a:p>
           <a:p>
             <a:pPr lvl="1"/>
@@ -275,6 +297,7 @@
               <a:rPr kumimoji="1" lang="zh-CN" altLang="en-US" smtClean="0"/>
               <a:t>二级</a:t>
             </a:r>
+            <a:endParaRPr kumimoji="1" lang="zh-CN" altLang="en-US" smtClean="0"/>
           </a:p>
           <a:p>
             <a:pPr lvl="2"/>
@@ -282,6 +305,7 @@
               <a:rPr kumimoji="1" lang="zh-CN" altLang="en-US" smtClean="0"/>
               <a:t>三级</a:t>
             </a:r>
+            <a:endParaRPr kumimoji="1" lang="zh-CN" altLang="en-US" smtClean="0"/>
           </a:p>
           <a:p>
             <a:pPr lvl="3"/>
@@ -289,6 +313,7 @@
               <a:rPr kumimoji="1" lang="zh-CN" altLang="en-US" smtClean="0"/>
               <a:t>四级</a:t>
             </a:r>
+            <a:endParaRPr kumimoji="1" lang="zh-CN" altLang="en-US" smtClean="0"/>
           </a:p>
           <a:p>
             <a:pPr lvl="4"/>
@@ -360,19 +385,12 @@
           <a:p>
             <a:fld id="{8AF453D5-9B32-8F40-BF12-CF5772967439}" type="slidenum">
               <a:rPr kumimoji="1" lang="zh-CN" altLang="en-US" smtClean="0"/>
-              <a:pPr/>
-              <a:t>‹#›</a:t>
             </a:fld>
             <a:endParaRPr kumimoji="1" lang="zh-CN" altLang="en-US"/>
           </a:p>
         </p:txBody>
       </p:sp>
     </p:spTree>
-    <p:extLst>
-      <p:ext uri="{BB962C8B-B14F-4D97-AF65-F5344CB8AC3E}">
-        <p14:creationId xmlns:p14="http://schemas.microsoft.com/office/powerpoint/2010/main" xmlns="" val="3150554741"/>
-      </p:ext>
-    </p:extLst>
   </p:cSld>
   <p:clrMap bg1="lt1" tx1="dk1" bg2="lt2" tx2="dk2" accent1="accent1" accent2="accent2" accent3="accent3" accent4="accent4" accent5="accent5" accent6="accent6" hlink="hlink" folHlink="folHlink"/>
   <p:notesStyle>
@@ -858,8 +876,6 @@
           <a:p>
             <a:fld id="{0C913308-F349-4B6D-A68A-DD1791B4A57B}" type="slidenum">
               <a:rPr lang="zh-CN" altLang="en-US" smtClean="0"/>
-              <a:pPr/>
-              <a:t>‹#›</a:t>
             </a:fld>
             <a:endParaRPr lang="zh-CN" altLang="en-US"/>
           </a:p>
@@ -1195,6 +1211,7 @@
               <a:rPr lang="zh-CN" altLang="en-US" smtClean="0"/>
               <a:t>单击此处编辑母版文本样式</a:t>
             </a:r>
+            <a:endParaRPr lang="zh-CN" altLang="en-US" smtClean="0"/>
           </a:p>
           <a:p>
             <a:pPr lvl="1"/>
@@ -1202,6 +1219,7 @@
               <a:rPr lang="zh-CN" altLang="en-US" smtClean="0"/>
               <a:t>第二级</a:t>
             </a:r>
+            <a:endParaRPr lang="zh-CN" altLang="en-US" smtClean="0"/>
           </a:p>
           <a:p>
             <a:pPr lvl="2"/>
@@ -1209,6 +1227,7 @@
               <a:rPr lang="zh-CN" altLang="en-US" smtClean="0"/>
               <a:t>第三级</a:t>
             </a:r>
+            <a:endParaRPr lang="zh-CN" altLang="en-US" smtClean="0"/>
           </a:p>
           <a:p>
             <a:pPr lvl="3"/>
@@ -1216,6 +1235,7 @@
               <a:rPr lang="zh-CN" altLang="en-US" smtClean="0"/>
               <a:t>第四级</a:t>
             </a:r>
+            <a:endParaRPr lang="zh-CN" altLang="en-US" smtClean="0"/>
           </a:p>
           <a:p>
             <a:pPr lvl="4"/>
@@ -1244,8 +1264,6 @@
           <a:p>
             <a:fld id="{530820CF-B880-4189-942D-D702A7CBA730}" type="datetimeFigureOut">
               <a:rPr lang="zh-CN" altLang="en-US" smtClean="0"/>
-              <a:pPr/>
-              <a:t>2017/6/2</a:t>
             </a:fld>
             <a:endParaRPr lang="zh-CN" altLang="en-US"/>
           </a:p>
@@ -1287,8 +1305,6 @@
           <a:p>
             <a:fld id="{0C913308-F349-4B6D-A68A-DD1791B4A57B}" type="slidenum">
               <a:rPr lang="zh-CN" altLang="en-US" smtClean="0"/>
-              <a:pPr/>
-              <a:t>‹#›</a:t>
             </a:fld>
             <a:endParaRPr lang="zh-CN" altLang="en-US"/>
           </a:p>
@@ -1522,6 +1538,7 @@
               <a:rPr lang="zh-CN" altLang="en-US" smtClean="0"/>
               <a:t>单击此处编辑母版文本样式</a:t>
             </a:r>
+            <a:endParaRPr lang="zh-CN" altLang="en-US" smtClean="0"/>
           </a:p>
           <a:p>
             <a:pPr lvl="1"/>
@@ -1529,6 +1546,7 @@
               <a:rPr lang="zh-CN" altLang="en-US" smtClean="0"/>
               <a:t>第二级</a:t>
             </a:r>
+            <a:endParaRPr lang="zh-CN" altLang="en-US" smtClean="0"/>
           </a:p>
           <a:p>
             <a:pPr lvl="2"/>
@@ -1536,6 +1554,7 @@
               <a:rPr lang="zh-CN" altLang="en-US" smtClean="0"/>
               <a:t>第三级</a:t>
             </a:r>
+            <a:endParaRPr lang="zh-CN" altLang="en-US" smtClean="0"/>
           </a:p>
           <a:p>
             <a:pPr lvl="3"/>
@@ -1543,6 +1562,7 @@
               <a:rPr lang="zh-CN" altLang="en-US" smtClean="0"/>
               <a:t>第四级</a:t>
             </a:r>
+            <a:endParaRPr lang="zh-CN" altLang="en-US" smtClean="0"/>
           </a:p>
           <a:p>
             <a:pPr lvl="4"/>
@@ -1605,8 +1625,6 @@
           <a:p>
             <a:fld id="{530820CF-B880-4189-942D-D702A7CBA730}" type="datetimeFigureOut">
               <a:rPr lang="zh-CN" altLang="en-US" smtClean="0"/>
-              <a:pPr/>
-              <a:t>2017/6/2</a:t>
             </a:fld>
             <a:endParaRPr lang="zh-CN" altLang="en-US"/>
           </a:p>
@@ -1648,8 +1666,6 @@
           <a:p>
             <a:fld id="{0C913308-F349-4B6D-A68A-DD1791B4A57B}" type="slidenum">
               <a:rPr lang="zh-CN" altLang="en-US" smtClean="0"/>
-              <a:pPr/>
-              <a:t>‹#›</a:t>
             </a:fld>
             <a:endParaRPr lang="zh-CN" altLang="en-US"/>
           </a:p>
@@ -1860,6 +1876,7 @@
               <a:rPr lang="zh-CN" altLang="en-US" smtClean="0"/>
               <a:t>单击此处编辑母版文本样式</a:t>
             </a:r>
+            <a:endParaRPr lang="zh-CN" altLang="en-US" smtClean="0"/>
           </a:p>
           <a:p>
             <a:pPr lvl="1"/>
@@ -1867,6 +1884,7 @@
               <a:rPr lang="zh-CN" altLang="en-US" smtClean="0"/>
               <a:t>第二级</a:t>
             </a:r>
+            <a:endParaRPr lang="zh-CN" altLang="en-US" smtClean="0"/>
           </a:p>
           <a:p>
             <a:pPr lvl="2"/>
@@ -1874,6 +1892,7 @@
               <a:rPr lang="zh-CN" altLang="en-US" smtClean="0"/>
               <a:t>第三级</a:t>
             </a:r>
+            <a:endParaRPr lang="zh-CN" altLang="en-US" smtClean="0"/>
           </a:p>
           <a:p>
             <a:pPr lvl="3"/>
@@ -1881,6 +1900,7 @@
               <a:rPr lang="zh-CN" altLang="en-US" smtClean="0"/>
               <a:t>第四级</a:t>
             </a:r>
+            <a:endParaRPr lang="zh-CN" altLang="en-US" smtClean="0"/>
           </a:p>
           <a:p>
             <a:pPr lvl="4"/>
@@ -1947,6 +1967,7 @@
               <a:rPr lang="zh-CN" altLang="en-US" smtClean="0"/>
               <a:t>单击此处编辑母版文本样式</a:t>
             </a:r>
+            <a:endParaRPr lang="zh-CN" altLang="en-US" smtClean="0"/>
           </a:p>
           <a:p>
             <a:pPr lvl="1"/>
@@ -1954,6 +1975,7 @@
               <a:rPr lang="zh-CN" altLang="en-US" smtClean="0"/>
               <a:t>第二级</a:t>
             </a:r>
+            <a:endParaRPr lang="zh-CN" altLang="en-US" smtClean="0"/>
           </a:p>
           <a:p>
             <a:pPr lvl="2"/>
@@ -1961,6 +1983,7 @@
               <a:rPr lang="zh-CN" altLang="en-US" smtClean="0"/>
               <a:t>第三级</a:t>
             </a:r>
+            <a:endParaRPr lang="zh-CN" altLang="en-US" smtClean="0"/>
           </a:p>
           <a:p>
             <a:pPr lvl="3"/>
@@ -1968,6 +1991,7 @@
               <a:rPr lang="zh-CN" altLang="en-US" smtClean="0"/>
               <a:t>第四级</a:t>
             </a:r>
+            <a:endParaRPr lang="zh-CN" altLang="en-US" smtClean="0"/>
           </a:p>
           <a:p>
             <a:pPr lvl="4"/>
@@ -1996,8 +2020,6 @@
           <a:p>
             <a:fld id="{530820CF-B880-4189-942D-D702A7CBA730}" type="datetimeFigureOut">
               <a:rPr lang="zh-CN" altLang="en-US" smtClean="0"/>
-              <a:pPr/>
-              <a:t>2017/6/2</a:t>
             </a:fld>
             <a:endParaRPr lang="zh-CN" altLang="en-US"/>
           </a:p>
@@ -2039,8 +2061,6 @@
           <a:p>
             <a:fld id="{0C913308-F349-4B6D-A68A-DD1791B4A57B}" type="slidenum">
               <a:rPr lang="zh-CN" altLang="en-US" smtClean="0"/>
-              <a:pPr/>
-              <a:t>‹#›</a:t>
             </a:fld>
             <a:endParaRPr lang="zh-CN" altLang="en-US"/>
           </a:p>
@@ -2349,6 +2369,7 @@
               <a:rPr lang="zh-CN" altLang="en-US" smtClean="0"/>
               <a:t>单击此处编辑母版文本样式</a:t>
             </a:r>
+            <a:endParaRPr lang="zh-CN" altLang="en-US" smtClean="0"/>
           </a:p>
           <a:p>
             <a:pPr lvl="1"/>
@@ -2356,6 +2377,7 @@
               <a:rPr lang="zh-CN" altLang="en-US" smtClean="0"/>
               <a:t>第二级</a:t>
             </a:r>
+            <a:endParaRPr lang="zh-CN" altLang="en-US" smtClean="0"/>
           </a:p>
           <a:p>
             <a:pPr lvl="2"/>
@@ -2363,6 +2385,7 @@
               <a:rPr lang="zh-CN" altLang="en-US" smtClean="0"/>
               <a:t>第三级</a:t>
             </a:r>
+            <a:endParaRPr lang="zh-CN" altLang="en-US" smtClean="0"/>
           </a:p>
           <a:p>
             <a:pPr lvl="3"/>
@@ -2370,6 +2393,7 @@
               <a:rPr lang="zh-CN" altLang="en-US" smtClean="0"/>
               <a:t>第四级</a:t>
             </a:r>
+            <a:endParaRPr lang="zh-CN" altLang="en-US" smtClean="0"/>
           </a:p>
           <a:p>
             <a:pPr lvl="4"/>
@@ -2398,8 +2422,6 @@
           <a:p>
             <a:fld id="{530820CF-B880-4189-942D-D702A7CBA730}" type="datetimeFigureOut">
               <a:rPr lang="zh-CN" altLang="en-US" smtClean="0"/>
-              <a:pPr/>
-              <a:t>2017/6/2</a:t>
             </a:fld>
             <a:endParaRPr lang="zh-CN" altLang="en-US"/>
           </a:p>
@@ -2441,8 +2463,6 @@
           <a:p>
             <a:fld id="{0C913308-F349-4B6D-A68A-DD1791B4A57B}" type="slidenum">
               <a:rPr lang="zh-CN" altLang="en-US" smtClean="0"/>
-              <a:pPr/>
-              <a:t>‹#›</a:t>
             </a:fld>
             <a:endParaRPr lang="zh-CN" altLang="en-US"/>
           </a:p>
@@ -2684,6 +2704,7 @@
               <a:rPr lang="zh-CN" altLang="en-US" smtClean="0"/>
               <a:t>单击此处编辑母版文本样式</a:t>
             </a:r>
+            <a:endParaRPr lang="zh-CN" altLang="en-US" smtClean="0"/>
           </a:p>
         </p:txBody>
       </p:sp>
@@ -2704,8 +2725,6 @@
           <a:p>
             <a:fld id="{530820CF-B880-4189-942D-D702A7CBA730}" type="datetimeFigureOut">
               <a:rPr lang="zh-CN" altLang="en-US" smtClean="0"/>
-              <a:pPr/>
-              <a:t>2017/6/2</a:t>
             </a:fld>
             <a:endParaRPr lang="zh-CN" altLang="en-US"/>
           </a:p>
@@ -2747,8 +2766,6 @@
           <a:p>
             <a:fld id="{0C913308-F349-4B6D-A68A-DD1791B4A57B}" type="slidenum">
               <a:rPr lang="zh-CN" altLang="en-US" smtClean="0"/>
-              <a:pPr/>
-              <a:t>‹#›</a:t>
             </a:fld>
             <a:endParaRPr lang="zh-CN" altLang="en-US"/>
           </a:p>
@@ -2900,6 +2917,7 @@
               <a:rPr lang="zh-CN" altLang="en-US" dirty="0"/>
               <a:t>谢谢</a:t>
             </a:r>
+            <a:endParaRPr lang="zh-CN" altLang="en-US" dirty="0"/>
           </a:p>
         </p:txBody>
       </p:sp>
@@ -3001,6 +3019,94 @@
 </p:sldLayout>
 </file>
 
+<file path=ppt/slideLayouts/slideLayout7.xml><?xml version="1.0" encoding="utf-8"?>
+<p:sldLayout xmlns:a="http://schemas.openxmlformats.org/drawingml/2006/main" xmlns:r="http://schemas.openxmlformats.org/officeDocument/2006/relationships" xmlns:p="http://schemas.openxmlformats.org/presentationml/2006/main" type="blank" preserve="1">
+  <p:cSld name="空白">
+    <p:spTree>
+      <p:nvGrpSpPr>
+        <p:cNvPr id="1" name=""/>
+        <p:cNvGrpSpPr/>
+        <p:nvPr/>
+      </p:nvGrpSpPr>
+      <p:grpSpPr>
+        <a:xfrm>
+          <a:off x="0" y="0"/>
+          <a:ext cx="0" cy="0"/>
+          <a:chOff x="0" y="0"/>
+          <a:chExt cx="0" cy="0"/>
+        </a:xfrm>
+      </p:grpSpPr>
+      <p:sp>
+        <p:nvSpPr>
+          <p:cNvPr id="2" name="日期占位符 1"/>
+          <p:cNvSpPr>
+            <a:spLocks noGrp="1"/>
+          </p:cNvSpPr>
+          <p:nvPr>
+            <p:ph type="dt" sz="half" idx="10"/>
+          </p:nvPr>
+        </p:nvSpPr>
+        <p:spPr/>
+        <p:txBody>
+          <a:bodyPr/>
+          <a:lstStyle/>
+          <a:p>
+            <a:fld id="{530820CF-B880-4189-942D-D702A7CBA730}" type="datetimeFigureOut">
+              <a:rPr lang="zh-CN" altLang="en-US" smtClean="0"/>
+            </a:fld>
+            <a:endParaRPr lang="zh-CN" altLang="en-US"/>
+          </a:p>
+        </p:txBody>
+      </p:sp>
+      <p:sp>
+        <p:nvSpPr>
+          <p:cNvPr id="3" name="页脚占位符 2"/>
+          <p:cNvSpPr>
+            <a:spLocks noGrp="1"/>
+          </p:cNvSpPr>
+          <p:nvPr>
+            <p:ph type="ftr" sz="quarter" idx="11"/>
+          </p:nvPr>
+        </p:nvSpPr>
+        <p:spPr/>
+        <p:txBody>
+          <a:bodyPr/>
+          <a:lstStyle/>
+          <a:p>
+            <a:endParaRPr lang="zh-CN" altLang="en-US"/>
+          </a:p>
+        </p:txBody>
+      </p:sp>
+      <p:sp>
+        <p:nvSpPr>
+          <p:cNvPr id="4" name="灯片编号占位符 3"/>
+          <p:cNvSpPr>
+            <a:spLocks noGrp="1"/>
+          </p:cNvSpPr>
+          <p:nvPr>
+            <p:ph type="sldNum" sz="quarter" idx="12"/>
+          </p:nvPr>
+        </p:nvSpPr>
+        <p:spPr/>
+        <p:txBody>
+          <a:bodyPr/>
+          <a:lstStyle/>
+          <a:p>
+            <a:fld id="{0C913308-F349-4B6D-A68A-DD1791B4A57B}" type="slidenum">
+              <a:rPr lang="zh-CN" altLang="en-US" smtClean="0"/>
+            </a:fld>
+            <a:endParaRPr lang="zh-CN" altLang="en-US"/>
+          </a:p>
+        </p:txBody>
+      </p:sp>
+    </p:spTree>
+  </p:cSld>
+  <p:clrMapOvr>
+    <a:masterClrMapping/>
+  </p:clrMapOvr>
+</p:sldLayout>
+</file>
+
 <file path=ppt/slideMasters/slideMaster1.xml><?xml version="1.0" encoding="utf-8"?>
 <p:sldMaster xmlns:a="http://schemas.openxmlformats.org/drawingml/2006/main" xmlns:r="http://schemas.openxmlformats.org/officeDocument/2006/relationships" xmlns:p="http://schemas.openxmlformats.org/presentationml/2006/main" preserve="1">
   <p:cSld>
@@ -3086,6 +3192,7 @@
               <a:rPr lang="zh-CN" altLang="en-US" dirty="0" smtClean="0"/>
               <a:t>单击此处编辑母版文本样式</a:t>
             </a:r>
+            <a:endParaRPr lang="zh-CN" altLang="en-US" dirty="0" smtClean="0"/>
           </a:p>
           <a:p>
             <a:pPr lvl="1"/>
@@ -3093,6 +3200,7 @@
               <a:rPr lang="zh-CN" altLang="en-US" dirty="0" smtClean="0"/>
               <a:t>第二级</a:t>
             </a:r>
+            <a:endParaRPr lang="zh-CN" altLang="en-US" dirty="0" smtClean="0"/>
           </a:p>
           <a:p>
             <a:pPr lvl="2"/>
@@ -3100,6 +3208,7 @@
               <a:rPr lang="zh-CN" altLang="en-US" dirty="0" smtClean="0"/>
               <a:t>第三级</a:t>
             </a:r>
+            <a:endParaRPr lang="zh-CN" altLang="en-US" dirty="0" smtClean="0"/>
           </a:p>
           <a:p>
             <a:pPr lvl="3"/>
@@ -3107,6 +3216,7 @@
               <a:rPr lang="zh-CN" altLang="en-US" dirty="0" smtClean="0"/>
               <a:t>第四级</a:t>
             </a:r>
+            <a:endParaRPr lang="zh-CN" altLang="en-US" dirty="0" smtClean="0"/>
           </a:p>
           <a:p>
             <a:pPr lvl="4"/>
@@ -3153,8 +3263,6 @@
           <a:p>
             <a:fld id="{530820CF-B880-4189-942D-D702A7CBA730}" type="datetimeFigureOut">
               <a:rPr lang="zh-CN" altLang="en-US" smtClean="0"/>
-              <a:pPr/>
-              <a:t>2017/6/2</a:t>
             </a:fld>
             <a:endParaRPr lang="zh-CN" altLang="en-US"/>
           </a:p>
@@ -3232,8 +3340,6 @@
           <a:p>
             <a:fld id="{0C913308-F349-4B6D-A68A-DD1791B4A57B}" type="slidenum">
               <a:rPr lang="zh-CN" altLang="en-US" smtClean="0"/>
-              <a:pPr/>
-              <a:t>‹#›</a:t>
             </a:fld>
             <a:endParaRPr lang="zh-CN" altLang="en-US"/>
           </a:p>
@@ -3249,6 +3355,7 @@
     <p:sldLayoutId id="2147483652" r:id="rId4"/>
     <p:sldLayoutId id="2147483653" r:id="rId5"/>
     <p:sldLayoutId id="2147483654" r:id="rId6"/>
+    <p:sldLayoutId id="2147483655" r:id="rId7"/>
   </p:sldLayoutIdLst>
   <p:timing>
     <p:tnLst>
@@ -3675,6 +3782,195 @@
 </p:sld>
 </file>
 
+<file path=ppt/slides/slide10.xml><?xml version="1.0" encoding="utf-8"?>
+<p:sld xmlns:a="http://schemas.openxmlformats.org/drawingml/2006/main" xmlns:r="http://schemas.openxmlformats.org/officeDocument/2006/relationships" xmlns:p="http://schemas.openxmlformats.org/presentationml/2006/main">
+  <p:cSld>
+    <p:spTree>
+      <p:nvGrpSpPr>
+        <p:cNvPr id="1" name=""/>
+        <p:cNvGrpSpPr/>
+        <p:nvPr/>
+      </p:nvGrpSpPr>
+      <p:grpSpPr>
+        <a:xfrm>
+          <a:off x="0" y="0"/>
+          <a:ext cx="0" cy="0"/>
+          <a:chOff x="0" y="0"/>
+          <a:chExt cx="0" cy="0"/>
+        </a:xfrm>
+      </p:grpSpPr>
+      <p:sp>
+        <p:nvSpPr>
+          <p:cNvPr id="2" name="标题 1"/>
+          <p:cNvSpPr>
+            <a:spLocks noGrp="1"/>
+          </p:cNvSpPr>
+          <p:nvPr>
+            <p:ph type="title"/>
+          </p:nvPr>
+        </p:nvSpPr>
+        <p:spPr/>
+        <p:txBody>
+          <a:bodyPr>
+            <a:normAutofit/>
+          </a:bodyPr>
+          <a:lstStyle/>
+          <a:p>
+            <a:r>
+              <a:rPr lang="en-US" altLang="zh-CN" dirty="0"/>
+              <a:t>5</a:t>
+            </a:r>
+            <a:r>
+              <a:rPr lang="zh-CN" altLang="en-US" dirty="0" smtClean="0"/>
+              <a:t>、后期规划</a:t>
+            </a:r>
+            <a:endParaRPr lang="en-US" altLang="zh-CN" dirty="0"/>
+          </a:p>
+        </p:txBody>
+      </p:sp>
+      <p:sp>
+        <p:nvSpPr>
+          <p:cNvPr id="3" name="文本框 2"/>
+          <p:cNvSpPr txBox="1"/>
+          <p:nvPr/>
+        </p:nvSpPr>
+        <p:spPr>
+          <a:xfrm>
+            <a:off x="1257300" y="1822450"/>
+            <a:ext cx="5979160" cy="922020"/>
+          </a:xfrm>
+          <a:prstGeom prst="rect">
+            <a:avLst/>
+          </a:prstGeom>
+          <a:noFill/>
+        </p:spPr>
+        <p:txBody>
+          <a:bodyPr wrap="square" rtlCol="0">
+            <a:spAutoFit/>
+          </a:bodyPr>
+          <a:p>
+            <a:r>
+              <a:rPr lang="en-US" altLang="zh-CN">
+                <a:latin typeface="仿宋" panose="02010609060101010101" charset="-122"/>
+                <a:ea typeface="仿宋" panose="02010609060101010101" charset="-122"/>
+              </a:rPr>
+              <a:t>1 </a:t>
+            </a:r>
+            <a:r>
+              <a:rPr lang="zh-CN" altLang="en-US">
+                <a:latin typeface="仿宋" panose="02010609060101010101" charset="-122"/>
+                <a:ea typeface="仿宋" panose="02010609060101010101" charset="-122"/>
+              </a:rPr>
+              <a:t>分布式方面</a:t>
+            </a:r>
+            <a:r>
+              <a:rPr lang="en-US" altLang="zh-CN">
+                <a:latin typeface="仿宋" panose="02010609060101010101" charset="-122"/>
+                <a:ea typeface="仿宋" panose="02010609060101010101" charset="-122"/>
+              </a:rPr>
+              <a:t>dubbo</a:t>
+            </a:r>
+            <a:r>
+              <a:rPr lang="zh-CN" altLang="en-US">
+                <a:latin typeface="仿宋" panose="02010609060101010101" charset="-122"/>
+                <a:ea typeface="仿宋" panose="02010609060101010101" charset="-122"/>
+              </a:rPr>
+              <a:t>和</a:t>
+            </a:r>
+            <a:r>
+              <a:rPr lang="en-US" altLang="zh-CN">
+                <a:latin typeface="仿宋" panose="02010609060101010101" charset="-122"/>
+                <a:ea typeface="仿宋" panose="02010609060101010101" charset="-122"/>
+              </a:rPr>
+              <a:t>zookeeper</a:t>
+            </a:r>
+            <a:endParaRPr lang="en-US" altLang="zh-CN">
+              <a:latin typeface="仿宋" panose="02010609060101010101" charset="-122"/>
+              <a:ea typeface="仿宋" panose="02010609060101010101" charset="-122"/>
+            </a:endParaRPr>
+          </a:p>
+          <a:p>
+            <a:r>
+              <a:rPr lang="en-US" altLang="zh-CN">
+                <a:latin typeface="仿宋" panose="02010609060101010101" charset="-122"/>
+                <a:ea typeface="仿宋" panose="02010609060101010101" charset="-122"/>
+              </a:rPr>
+              <a:t>2 docker</a:t>
+            </a:r>
+            <a:endParaRPr lang="en-US" altLang="zh-CN">
+              <a:latin typeface="仿宋" panose="02010609060101010101" charset="-122"/>
+              <a:ea typeface="仿宋" panose="02010609060101010101" charset="-122"/>
+            </a:endParaRPr>
+          </a:p>
+          <a:p>
+            <a:r>
+              <a:rPr lang="en-US" altLang="zh-CN">
+                <a:latin typeface="仿宋" panose="02010609060101010101" charset="-122"/>
+                <a:ea typeface="仿宋" panose="02010609060101010101" charset="-122"/>
+              </a:rPr>
+              <a:t>3 python </a:t>
+            </a:r>
+            <a:r>
+              <a:rPr lang="zh-CN" altLang="en-US">
+                <a:latin typeface="仿宋" panose="02010609060101010101" charset="-122"/>
+                <a:ea typeface="仿宋" panose="02010609060101010101" charset="-122"/>
+              </a:rPr>
+              <a:t>大数据 机器学习</a:t>
+            </a:r>
+            <a:endParaRPr lang="zh-CN" altLang="en-US">
+              <a:latin typeface="仿宋" panose="02010609060101010101" charset="-122"/>
+              <a:ea typeface="仿宋" panose="02010609060101010101" charset="-122"/>
+            </a:endParaRPr>
+          </a:p>
+        </p:txBody>
+      </p:sp>
+    </p:spTree>
+  </p:cSld>
+  <p:clrMapOvr>
+    <a:masterClrMapping/>
+  </p:clrMapOvr>
+  <p:timing>
+    <p:tnLst>
+      <p:par>
+        <p:cTn id="1" dur="indefinite" restart="never" nodeType="tmRoot"/>
+      </p:par>
+    </p:tnLst>
+  </p:timing>
+</p:sld>
+</file>
+
+<file path=ppt/slides/slide11.xml><?xml version="1.0" encoding="utf-8"?>
+<p:sld xmlns:a="http://schemas.openxmlformats.org/drawingml/2006/main" xmlns:r="http://schemas.openxmlformats.org/officeDocument/2006/relationships" xmlns:p="http://schemas.openxmlformats.org/presentationml/2006/main">
+  <p:cSld>
+    <p:spTree>
+      <p:nvGrpSpPr>
+        <p:cNvPr id="1" name=""/>
+        <p:cNvGrpSpPr/>
+        <p:nvPr/>
+      </p:nvGrpSpPr>
+      <p:grpSpPr>
+        <a:xfrm>
+          <a:off x="0" y="0"/>
+          <a:ext cx="0" cy="0"/>
+          <a:chOff x="0" y="0"/>
+          <a:chExt cx="0" cy="0"/>
+        </a:xfrm>
+      </p:grpSpPr>
+    </p:spTree>
+  </p:cSld>
+  <p:clrMapOvr>
+    <a:masterClrMapping/>
+  </p:clrMapOvr>
+  <p:timing>
+    <p:tnLst>
+      <p:par>
+        <p:cTn id="1" dur="indefinite" restart="never" nodeType="tmRoot"/>
+      </p:par>
+    </p:tnLst>
+  </p:timing>
+</p:sld>
+</file>
+
 <file path=ppt/slides/slide2.xml><?xml version="1.0" encoding="utf-8"?>
 <p:sld xmlns:a="http://schemas.openxmlformats.org/drawingml/2006/main" xmlns:r="http://schemas.openxmlformats.org/officeDocument/2006/relationships" xmlns:p="http://schemas.openxmlformats.org/presentationml/2006/main">
   <p:cSld>
@@ -3917,12 +4213,81 @@
           </a:p>
         </p:txBody>
       </p:sp>
+      <p:sp>
+        <p:nvSpPr>
+          <p:cNvPr id="2" name="文本框 1"/>
+          <p:cNvSpPr txBox="1"/>
+          <p:nvPr/>
+        </p:nvSpPr>
+        <p:spPr>
+          <a:xfrm>
+            <a:off x="1511935" y="1696720"/>
+            <a:ext cx="5796280" cy="1198880"/>
+          </a:xfrm>
+          <a:prstGeom prst="rect">
+            <a:avLst/>
+          </a:prstGeom>
+          <a:noFill/>
+        </p:spPr>
+        <p:txBody>
+          <a:bodyPr wrap="square" rtlCol="0">
+            <a:spAutoFit/>
+          </a:bodyPr>
+          <a:p>
+            <a:r>
+              <a:rPr lang="en-US" altLang="zh-CN"/>
+              <a:t>2017</a:t>
+            </a:r>
+            <a:r>
+              <a:rPr lang="zh-CN" altLang="en-US"/>
+              <a:t>年</a:t>
+            </a:r>
+            <a:r>
+              <a:rPr lang="en-US" altLang="zh-CN"/>
+              <a:t>4</a:t>
+            </a:r>
+            <a:r>
+              <a:rPr lang="zh-CN" altLang="en-US"/>
+              <a:t>月入职国美</a:t>
+            </a:r>
+            <a:endParaRPr lang="zh-CN" altLang="en-US"/>
+          </a:p>
+          <a:p>
+            <a:r>
+              <a:rPr lang="zh-CN" altLang="en-US"/>
+              <a:t>商城技术部 会员系统组</a:t>
+            </a:r>
+            <a:endParaRPr lang="zh-CN" altLang="en-US"/>
+          </a:p>
+          <a:p>
+            <a:r>
+              <a:rPr lang="en-US" altLang="zh-CN"/>
+              <a:t>java</a:t>
+            </a:r>
+            <a:r>
+              <a:rPr lang="zh-CN" altLang="en-US"/>
+              <a:t>研发</a:t>
+            </a:r>
+            <a:endParaRPr lang="zh-CN" altLang="en-US"/>
+          </a:p>
+          <a:p>
+            <a:r>
+              <a:rPr lang="zh-CN" altLang="en-US"/>
+              <a:t>工作</a:t>
+            </a:r>
+            <a:r>
+              <a:rPr lang="en-US" altLang="zh-CN"/>
+              <a:t>4</a:t>
+            </a:r>
+            <a:r>
+              <a:rPr lang="zh-CN" altLang="en-US"/>
+              <a:t>年</a:t>
+            </a:r>
+            <a:endParaRPr lang="zh-CN" altLang="en-US"/>
+          </a:p>
+        </p:txBody>
+      </p:sp>
     </p:spTree>
-    <p:extLst>
-      <p:ext uri="{BB962C8B-B14F-4D97-AF65-F5344CB8AC3E}">
-        <p14:creationId xmlns:p14="http://schemas.microsoft.com/office/powerpoint/2010/main" xmlns="" val="3013674373"/>
-      </p:ext>
-    </p:extLst>
   </p:cSld>
   <p:clrMapOvr>
     <a:masterClrMapping/>
@@ -3985,12 +4350,115 @@
           </a:p>
         </p:txBody>
       </p:sp>
+      <p:sp>
+        <p:nvSpPr>
+          <p:cNvPr id="3" name="文本框 2"/>
+          <p:cNvSpPr txBox="1"/>
+          <p:nvPr/>
+        </p:nvSpPr>
+        <p:spPr>
+          <a:xfrm>
+            <a:off x="1603375" y="1742440"/>
+            <a:ext cx="6100445" cy="1753235"/>
+          </a:xfrm>
+          <a:prstGeom prst="rect">
+            <a:avLst/>
+          </a:prstGeom>
+          <a:noFill/>
+        </p:spPr>
+        <p:txBody>
+          <a:bodyPr wrap="square" rtlCol="0">
+            <a:spAutoFit/>
+          </a:bodyPr>
+          <a:p>
+            <a:r>
+              <a:rPr lang="en-US" altLang="zh-CN"/>
+              <a:t>2013.7-2014.10  </a:t>
+            </a:r>
+            <a:r>
+              <a:rPr lang="zh-CN" altLang="en-US"/>
+              <a:t>百博时代 </a:t>
+            </a:r>
+            <a:r>
+              <a:rPr lang="en-US" altLang="zh-CN"/>
+              <a:t>java</a:t>
+            </a:r>
+            <a:r>
+              <a:rPr lang="zh-CN" altLang="en-US"/>
+              <a:t>研发</a:t>
+            </a:r>
+            <a:endParaRPr lang="zh-CN" altLang="en-US"/>
+          </a:p>
+          <a:p>
+            <a:r>
+              <a:rPr lang="en-US" altLang="zh-CN"/>
+              <a:t>2014.10-2016.3  </a:t>
+            </a:r>
+            <a:r>
+              <a:rPr lang="zh-CN" altLang="en-US"/>
+              <a:t>风扬科技 </a:t>
+            </a:r>
+            <a:r>
+              <a:rPr lang="en-US" altLang="zh-CN"/>
+              <a:t>java</a:t>
+            </a:r>
+            <a:r>
+              <a:rPr lang="zh-CN" altLang="en-US"/>
+              <a:t>研发</a:t>
+            </a:r>
+            <a:endParaRPr lang="zh-CN" altLang="en-US"/>
+          </a:p>
+          <a:p>
+            <a:r>
+              <a:rPr lang="en-US" altLang="zh-CN"/>
+              <a:t>2016.3-2017.4   </a:t>
+            </a:r>
+            <a:r>
+              <a:rPr lang="zh-CN" altLang="en-US"/>
+              <a:t>万达飞凡 </a:t>
+            </a:r>
+            <a:r>
+              <a:rPr lang="en-US" altLang="zh-CN"/>
+              <a:t>java</a:t>
+            </a:r>
+            <a:r>
+              <a:rPr lang="zh-CN" altLang="en-US"/>
+              <a:t>研发</a:t>
+            </a:r>
+            <a:endParaRPr lang="zh-CN" altLang="en-US"/>
+          </a:p>
+          <a:p>
+            <a:r>
+              <a:rPr lang="en-US" altLang="zh-CN"/>
+              <a:t>2017.4-</a:t>
+            </a:r>
+            <a:r>
+              <a:rPr lang="zh-CN" altLang="en-US"/>
+              <a:t>至今     国美在线 </a:t>
+            </a:r>
+            <a:r>
+              <a:rPr lang="en-US" altLang="zh-CN"/>
+              <a:t>java</a:t>
+            </a:r>
+            <a:r>
+              <a:rPr lang="zh-CN" altLang="en-US"/>
+              <a:t>研发</a:t>
+            </a:r>
+            <a:r>
+              <a:rPr lang="en-US" altLang="zh-CN"/>
+              <a:t> </a:t>
+            </a:r>
+            <a:endParaRPr lang="en-US" altLang="zh-CN"/>
+          </a:p>
+          <a:p>
+            <a:endParaRPr lang="zh-CN" altLang="en-US"/>
+          </a:p>
+          <a:p>
+            <a:endParaRPr lang="zh-CN" altLang="en-US"/>
+          </a:p>
+        </p:txBody>
+      </p:sp>
     </p:spTree>
-    <p:extLst>
-      <p:ext uri="{BB962C8B-B14F-4D97-AF65-F5344CB8AC3E}">
-        <p14:creationId xmlns:p14="http://schemas.microsoft.com/office/powerpoint/2010/main" xmlns="" val="398251340"/>
-      </p:ext>
-    </p:extLst>
   </p:cSld>
   <p:clrMapOvr>
     <a:masterClrMapping/>
@@ -4060,7 +4528,7 @@
         <p:spPr>
           <a:xfrm>
             <a:off x="467544" y="1275606"/>
-            <a:ext cx="4801314" cy="1477328"/>
+            <a:ext cx="6126480" cy="645160"/>
           </a:xfrm>
           <a:prstGeom prst="rect">
             <a:avLst/>
@@ -4075,37 +4543,16 @@
           <a:p>
             <a:r>
               <a:rPr lang="zh-CN" altLang="en-US" dirty="0" smtClean="0"/>
-              <a:t>在岗期间主导了哪些项目？项目有哪些贡献？</a:t>
-            </a:r>
-            <a:endParaRPr lang="en-US" altLang="zh-CN" dirty="0" smtClean="0"/>
+              <a:t>负责结算系统的订单拆成结算单，结算单生成付款单的生成</a:t>
+            </a:r>
+            <a:endParaRPr lang="zh-CN" altLang="en-US" dirty="0" smtClean="0"/>
           </a:p>
           <a:p>
             <a:r>
               <a:rPr lang="zh-CN" altLang="en-US" dirty="0" smtClean="0"/>
-              <a:t>比如：提升了哪些方面的用户体验？</a:t>
-            </a:r>
-            <a:endParaRPr lang="en-US" altLang="zh-CN" dirty="0" smtClean="0"/>
-          </a:p>
-          <a:p>
-            <a:r>
-              <a:rPr lang="zh-CN" altLang="en-US" dirty="0" smtClean="0"/>
-              <a:t>系统性能的提升，工作效率的提升？</a:t>
-            </a:r>
-            <a:endParaRPr lang="en-US" altLang="zh-CN" dirty="0" smtClean="0"/>
-          </a:p>
-          <a:p>
-            <a:r>
-              <a:rPr lang="zh-CN" altLang="en-US" dirty="0" smtClean="0"/>
-              <a:t>转化率的提升，销售业绩的提升？</a:t>
-            </a:r>
-            <a:endParaRPr lang="en-US" altLang="zh-CN" dirty="0" smtClean="0"/>
-          </a:p>
-          <a:p>
-            <a:r>
-              <a:rPr lang="zh-CN" altLang="en-US" dirty="0" smtClean="0"/>
-              <a:t>企业运营成本的提升。</a:t>
-            </a:r>
-            <a:endParaRPr lang="en-US" altLang="zh-CN" dirty="0" smtClean="0"/>
+              <a:t>对账单系统的开发</a:t>
+            </a:r>
+            <a:endParaRPr lang="zh-CN" altLang="en-US" dirty="0" smtClean="0"/>
           </a:p>
         </p:txBody>
       </p:sp>
@@ -4115,13 +4562,7 @@
           <p:cNvGraphicFramePr>
             <a:graphicFrameLocks noGrp="1"/>
           </p:cNvGraphicFramePr>
-          <p:nvPr>
-            <p:extLst>
-              <p:ext uri="{D42A27DB-BD31-4B8C-83A1-F6EECF244321}">
-                <p14:modId xmlns:p14="http://schemas.microsoft.com/office/powerpoint/2010/main" xmlns="" val="1483106899"/>
-              </p:ext>
-            </p:extLst>
-          </p:nvPr>
+          <p:nvPr/>
         </p:nvGraphicFramePr>
         <p:xfrm>
           <a:off x="475167" y="2815831"/>
@@ -4247,7 +4688,7 @@
                   <a:tcPr/>
                 </a:tc>
               </a:tr>
-              <a:tr h="216024">
+              <a:tr h="259080">
                 <a:tc>
                   <a:txBody>
                     <a:bodyPr/>
@@ -4260,6 +4701,26 @@
                           <a:ea typeface="+mj-ea"/>
                         </a:rPr>
                         <a:t>1</a:t>
+                      </a:r>
+                      <a:endParaRPr lang="zh-CN" altLang="en-US" sz="1100" dirty="0">
+                        <a:latin typeface="+mj-ea"/>
+                        <a:ea typeface="+mj-ea"/>
+                      </a:endParaRPr>
+                    </a:p>
+                  </a:txBody>
+                  <a:tcPr/>
+                </a:tc>
+                <a:tc>
+                  <a:txBody>
+                    <a:bodyPr/>
+                    <a:lstStyle/>
+                    <a:p>
+                      <a:r>
+                        <a:rPr lang="zh-CN" altLang="en-US" sz="1100" dirty="0">
+                          <a:latin typeface="+mj-ea"/>
+                          <a:ea typeface="+mj-ea"/>
+                        </a:rPr>
+                        <a:t>结算系统</a:t>
                       </a:r>
                       <a:endParaRPr lang="zh-CN" altLang="en-US" sz="1100" dirty="0">
                         <a:latin typeface="+mj-ea"/>
@@ -4287,7 +4748,14 @@
                     <a:bodyPr/>
                     <a:lstStyle/>
                     <a:p>
-                      <a:endParaRPr lang="zh-CN" altLang="en-US" sz="1100" dirty="0">
+                      <a:r>
+                        <a:rPr lang="en-US" altLang="zh-CN" sz="1100">
+                          <a:latin typeface="+mj-ea"/>
+                          <a:ea typeface="+mj-ea"/>
+                        </a:rPr>
+                        <a:t>2016.7</a:t>
+                      </a:r>
+                      <a:endParaRPr lang="en-US" altLang="zh-CN" sz="1100">
                         <a:latin typeface="+mj-ea"/>
                         <a:ea typeface="+mj-ea"/>
                       </a:endParaRPr>
@@ -4300,19 +4768,13 @@
                     <a:bodyPr/>
                     <a:lstStyle/>
                     <a:p>
-                      <a:endParaRPr lang="zh-CN" altLang="en-US" sz="1100">
-                        <a:latin typeface="+mj-ea"/>
-                        <a:ea typeface="+mj-ea"/>
-                      </a:endParaRPr>
-                    </a:p>
-                  </a:txBody>
-                  <a:tcPr/>
-                </a:tc>
-                <a:tc>
-                  <a:txBody>
-                    <a:bodyPr/>
-                    <a:lstStyle/>
-                    <a:p>
+                      <a:r>
+                        <a:rPr lang="zh-CN" altLang="en-US" sz="1100" dirty="0">
+                          <a:latin typeface="+mj-ea"/>
+                          <a:ea typeface="+mj-ea"/>
+                        </a:rPr>
+                        <a:t>结算系统的拆单</a:t>
+                      </a:r>
                       <a:endParaRPr lang="zh-CN" altLang="en-US" sz="1100" dirty="0">
                         <a:latin typeface="+mj-ea"/>
                         <a:ea typeface="+mj-ea"/>
@@ -4349,6 +4811,13 @@
                     <a:bodyPr/>
                     <a:lstStyle/>
                     <a:p>
+                      <a:r>
+                        <a:rPr lang="zh-CN" altLang="en-US" sz="1100">
+                          <a:latin typeface="+mj-ea"/>
+                          <a:ea typeface="+mj-ea"/>
+                        </a:rPr>
+                        <a:t>对账系统</a:t>
+                      </a:r>
                       <a:endParaRPr lang="zh-CN" altLang="en-US" sz="1100">
                         <a:latin typeface="+mj-ea"/>
                         <a:ea typeface="+mj-ea"/>
@@ -4375,7 +4844,14 @@
                     <a:bodyPr/>
                     <a:lstStyle/>
                     <a:p>
-                      <a:endParaRPr lang="zh-CN" altLang="en-US" sz="1100">
+                      <a:r>
+                        <a:rPr lang="en-US" altLang="zh-CN" sz="1100">
+                          <a:latin typeface="+mj-ea"/>
+                          <a:ea typeface="+mj-ea"/>
+                        </a:rPr>
+                        <a:t>2016.11</a:t>
+                      </a:r>
+                      <a:endParaRPr lang="en-US" altLang="zh-CN" sz="1100">
                         <a:latin typeface="+mj-ea"/>
                         <a:ea typeface="+mj-ea"/>
                       </a:endParaRPr>
@@ -4388,82 +4864,14 @@
                     <a:bodyPr/>
                     <a:lstStyle/>
                     <a:p>
-                      <a:endParaRPr lang="zh-CN" altLang="en-US" sz="1100">
-                        <a:latin typeface="+mj-ea"/>
-                        <a:ea typeface="+mj-ea"/>
-                      </a:endParaRPr>
-                    </a:p>
-                  </a:txBody>
-                  <a:tcPr/>
-                </a:tc>
-              </a:tr>
-              <a:tr h="201920">
-                <a:tc>
-                  <a:txBody>
-                    <a:bodyPr/>
-                    <a:lstStyle/>
-                    <a:p>
-                      <a:pPr algn="ctr"/>
                       <a:r>
-                        <a:rPr lang="en-US" altLang="zh-CN" sz="1100" dirty="0" smtClean="0">
+                        <a:rPr lang="zh-CN" altLang="en-US" sz="1100">
                           <a:latin typeface="+mj-ea"/>
                           <a:ea typeface="+mj-ea"/>
                         </a:rPr>
-                        <a:t>3</a:t>
+                        <a:t>对账系统付款单的生成，付款单</a:t>
                       </a:r>
-                      <a:endParaRPr lang="zh-CN" altLang="en-US" sz="1100" dirty="0">
-                        <a:latin typeface="+mj-ea"/>
-                        <a:ea typeface="+mj-ea"/>
-                      </a:endParaRPr>
-                    </a:p>
-                  </a:txBody>
-                  <a:tcPr/>
-                </a:tc>
-                <a:tc>
-                  <a:txBody>
-                    <a:bodyPr/>
-                    <a:lstStyle/>
-                    <a:p>
                       <a:endParaRPr lang="zh-CN" altLang="en-US" sz="1100">
-                        <a:latin typeface="+mj-ea"/>
-                        <a:ea typeface="+mj-ea"/>
-                      </a:endParaRPr>
-                    </a:p>
-                  </a:txBody>
-                  <a:tcPr/>
-                </a:tc>
-                <a:tc>
-                  <a:txBody>
-                    <a:bodyPr/>
-                    <a:lstStyle/>
-                    <a:p>
-                      <a:endParaRPr lang="zh-CN" altLang="en-US" sz="1100">
-                        <a:latin typeface="+mj-ea"/>
-                        <a:ea typeface="+mj-ea"/>
-                      </a:endParaRPr>
-                    </a:p>
-                  </a:txBody>
-                  <a:tcPr/>
-                </a:tc>
-                <a:tc>
-                  <a:txBody>
-                    <a:bodyPr/>
-                    <a:lstStyle/>
-                    <a:p>
-                      <a:endParaRPr lang="zh-CN" altLang="en-US" sz="1100">
-                        <a:latin typeface="+mj-ea"/>
-                        <a:ea typeface="+mj-ea"/>
-                      </a:endParaRPr>
-                    </a:p>
-                  </a:txBody>
-                  <a:tcPr/>
-                </a:tc>
-                <a:tc>
-                  <a:txBody>
-                    <a:bodyPr/>
-                    <a:lstStyle/>
-                    <a:p>
-                      <a:endParaRPr lang="zh-CN" altLang="en-US" sz="1100" dirty="0">
                         <a:latin typeface="+mj-ea"/>
                         <a:ea typeface="+mj-ea"/>
                       </a:endParaRPr>
@@ -4477,11 +4885,6 @@
         </a:graphic>
       </p:graphicFrame>
     </p:spTree>
-    <p:extLst>
-      <p:ext uri="{BB962C8B-B14F-4D97-AF65-F5344CB8AC3E}">
-        <p14:creationId xmlns:p14="http://schemas.microsoft.com/office/powerpoint/2010/main" xmlns="" val="227071649"/>
-      </p:ext>
-    </p:extLst>
   </p:cSld>
   <p:clrMapOvr>
     <a:masterClrMapping/>
@@ -4542,12 +4945,31 @@
           </a:p>
         </p:txBody>
       </p:sp>
+      <p:pic>
+        <p:nvPicPr>
+          <p:cNvPr id="3" name="图片 2" descr="统一结算单流程图"/>
+          <p:cNvPicPr>
+            <a:picLocks noChangeAspect="1"/>
+          </p:cNvPicPr>
+          <p:nvPr/>
+        </p:nvPicPr>
+        <p:blipFill>
+          <a:blip r:embed="rId1"/>
+          <a:stretch>
+            <a:fillRect/>
+          </a:stretch>
+        </p:blipFill>
+        <p:spPr>
+          <a:xfrm>
+            <a:off x="213360" y="1163955"/>
+            <a:ext cx="8638540" cy="3338195"/>
+          </a:xfrm>
+          <a:prstGeom prst="rect">
+            <a:avLst/>
+          </a:prstGeom>
+        </p:spPr>
+      </p:pic>
     </p:spTree>
-    <p:extLst>
-      <p:ext uri="{BB962C8B-B14F-4D97-AF65-F5344CB8AC3E}">
-        <p14:creationId xmlns:p14="http://schemas.microsoft.com/office/powerpoint/2010/main" xmlns="" val="3980131725"/>
-      </p:ext>
-    </p:extLst>
   </p:cSld>
   <p:clrMapOvr>
     <a:masterClrMapping/>
@@ -4616,71 +5038,94 @@
         </p:nvSpPr>
         <p:spPr>
           <a:xfrm>
-            <a:off x="539552" y="1779662"/>
-            <a:ext cx="4711546" cy="1200329"/>
+            <a:off x="539750" y="1449070"/>
+            <a:ext cx="6962140" cy="1753235"/>
           </a:xfrm>
           <a:prstGeom prst="rect">
             <a:avLst/>
           </a:prstGeom>
           <a:noFill/>
+          <a:ln>
+            <a:noFill/>
+          </a:ln>
         </p:spPr>
-        <p:txBody>
-          <a:bodyPr wrap="none" rtlCol="0">
+        <p:style>
+          <a:lnRef idx="2">
+            <a:schemeClr val="dk1"/>
+          </a:lnRef>
+          <a:fillRef idx="1">
+            <a:schemeClr val="lt1"/>
+          </a:fillRef>
+          <a:effectRef idx="0">
+            <a:schemeClr val="dk1"/>
+          </a:effectRef>
+          <a:fontRef idx="minor">
+            <a:schemeClr val="dk1"/>
+          </a:fontRef>
+        </p:style>
+        <p:txBody>
+          <a:bodyPr wrap="square" rtlCol="0">
             <a:spAutoFit/>
           </a:bodyPr>
           <a:lstStyle/>
           <a:p>
             <a:r>
-              <a:rPr lang="zh-CN" altLang="en-US" dirty="0"/>
-              <a:t>两页</a:t>
-            </a:r>
-            <a:r>
-              <a:rPr lang="en-US" altLang="zh-CN" dirty="0" smtClean="0"/>
-              <a:t>PPT</a:t>
-            </a:r>
-            <a:r>
-              <a:rPr lang="zh-CN" altLang="en-US" dirty="0" smtClean="0"/>
-              <a:t>举例一个主导的重点最突出的项目：</a:t>
-            </a:r>
-            <a:endParaRPr lang="en-US" altLang="zh-CN" dirty="0" smtClean="0"/>
-          </a:p>
-          <a:p>
-            <a:r>
-              <a:rPr lang="zh-CN" altLang="en-US" dirty="0" smtClean="0"/>
-              <a:t>项目规划实施的思路，</a:t>
-            </a:r>
-            <a:r>
-              <a:rPr lang="zh-CN" altLang="en-US" dirty="0"/>
-              <a:t>包含业务蓝图</a:t>
-            </a:r>
-            <a:r>
-              <a:rPr lang="zh-CN" altLang="en-US" dirty="0" smtClean="0"/>
-              <a:t>，</a:t>
-            </a:r>
-            <a:endParaRPr lang="en-US" altLang="zh-CN" dirty="0" smtClean="0"/>
-          </a:p>
-          <a:p>
-            <a:r>
-              <a:rPr lang="zh-CN" altLang="en-US" dirty="0" smtClean="0"/>
-              <a:t>项目管理，遇到问题的处理。</a:t>
-            </a:r>
-            <a:endParaRPr lang="en-US" altLang="zh-CN" dirty="0" smtClean="0"/>
-          </a:p>
-          <a:p>
-            <a:r>
-              <a:rPr lang="zh-CN" altLang="en-US" dirty="0" smtClean="0"/>
-              <a:t>项目完成的时间，质量，及上线后的成果。</a:t>
-            </a:r>
-            <a:endParaRPr lang="en-US" altLang="zh-CN" dirty="0" smtClean="0"/>
+              <a:rPr lang="zh-CN" altLang="en-US" dirty="0" smtClean="0">
+                <a:latin typeface="仿宋" panose="02010609060101010101" charset="-122"/>
+                <a:ea typeface="仿宋" panose="02010609060101010101" charset="-122"/>
+              </a:rPr>
+              <a:t>上述架构的问题，就是结算，清算，对账，调账，付款各系统都对解耦账系统，</a:t>
+            </a:r>
+            <a:endParaRPr lang="zh-CN" altLang="en-US" dirty="0" smtClean="0">
+              <a:latin typeface="仿宋" panose="02010609060101010101" charset="-122"/>
+              <a:ea typeface="仿宋" panose="02010609060101010101" charset="-122"/>
+            </a:endParaRPr>
+          </a:p>
+          <a:p>
+            <a:r>
+              <a:rPr lang="zh-CN" altLang="en-US" dirty="0" smtClean="0">
+                <a:latin typeface="仿宋" panose="02010609060101010101" charset="-122"/>
+                <a:ea typeface="仿宋" panose="02010609060101010101" charset="-122"/>
+              </a:rPr>
+              <a:t>调账系统就成了瓶颈所在，各项目边界不清楚，</a:t>
+            </a:r>
+            <a:endParaRPr lang="zh-CN" altLang="en-US" dirty="0" smtClean="0">
+              <a:latin typeface="仿宋" panose="02010609060101010101" charset="-122"/>
+              <a:ea typeface="仿宋" panose="02010609060101010101" charset="-122"/>
+            </a:endParaRPr>
+          </a:p>
+          <a:p>
+            <a:r>
+              <a:rPr lang="zh-CN" altLang="en-US" dirty="0" smtClean="0">
+                <a:latin typeface="仿宋" panose="02010609060101010101" charset="-122"/>
+                <a:ea typeface="仿宋" panose="02010609060101010101" charset="-122"/>
+              </a:rPr>
+              <a:t>一个系统有修改解耦系统会影响其他系统，</a:t>
+            </a:r>
+            <a:endParaRPr lang="zh-CN" altLang="en-US" dirty="0" smtClean="0">
+              <a:latin typeface="仿宋" panose="02010609060101010101" charset="-122"/>
+              <a:ea typeface="仿宋" panose="02010609060101010101" charset="-122"/>
+            </a:endParaRPr>
+          </a:p>
+          <a:p>
+            <a:r>
+              <a:rPr lang="zh-CN" altLang="en-US" dirty="0" smtClean="0">
+                <a:latin typeface="仿宋" panose="02010609060101010101" charset="-122"/>
+                <a:ea typeface="仿宋" panose="02010609060101010101" charset="-122"/>
+              </a:rPr>
+              <a:t>每个系统功能太多，改一点整个系统要上线，瓶颈需要更多资源</a:t>
+            </a:r>
+            <a:endParaRPr lang="zh-CN" altLang="en-US" dirty="0" smtClean="0">
+              <a:latin typeface="仿宋" panose="02010609060101010101" charset="-122"/>
+              <a:ea typeface="仿宋" panose="02010609060101010101" charset="-122"/>
+            </a:endParaRPr>
+          </a:p>
+          <a:p>
+            <a:endParaRPr lang="zh-CN" altLang="en-US" dirty="0" smtClean="0"/>
           </a:p>
         </p:txBody>
       </p:sp>
     </p:spTree>
-    <p:extLst>
-      <p:ext uri="{BB962C8B-B14F-4D97-AF65-F5344CB8AC3E}">
-        <p14:creationId xmlns:p14="http://schemas.microsoft.com/office/powerpoint/2010/main" xmlns="" val="1767371430"/>
-      </p:ext>
-    </p:extLst>
   </p:cSld>
   <p:clrMapOvr>
     <a:masterClrMapping/>
@@ -4704,17 +5149,31 @@
         <p:cNvGrpSpPr/>
         <p:nvPr/>
       </p:nvGrpSpPr>
-      <p:grpSpPr>
-        <a:xfrm>
-          <a:off x="0" y="0"/>
-          <a:ext cx="0" cy="0"/>
-          <a:chOff x="0" y="0"/>
-          <a:chExt cx="0" cy="0"/>
-        </a:xfrm>
-      </p:grpSpPr>
-      <p:sp>
-        <p:nvSpPr>
-          <p:cNvPr id="2" name="标题 1"/>
+      <p:grpSpPr/>
+      <p:sp>
+        <p:nvSpPr>
+          <p:cNvPr id="2" name="内容占位符 1"/>
+          <p:cNvSpPr>
+            <a:spLocks noGrp="1"/>
+          </p:cNvSpPr>
+          <p:nvPr>
+            <p:ph idx="1"/>
+          </p:nvPr>
+        </p:nvSpPr>
+        <p:spPr/>
+        <p:txBody>
+          <a:bodyPr/>
+          <a:p>
+            <a:endParaRPr lang="zh-CN" altLang="en-US"/>
+          </a:p>
+          <a:p>
+            <a:endParaRPr lang="zh-CN" altLang="en-US"/>
+          </a:p>
+        </p:txBody>
+      </p:sp>
+      <p:sp>
+        <p:nvSpPr>
+          <p:cNvPr id="3" name="标题 2"/>
           <p:cNvSpPr>
             <a:spLocks noGrp="1"/>
           </p:cNvSpPr>
@@ -4727,37 +5186,52 @@
           <a:bodyPr>
             <a:normAutofit/>
           </a:bodyPr>
-          <a:lstStyle/>
-          <a:p>
-            <a:r>
-              <a:rPr lang="en-US" altLang="zh-CN" dirty="0"/>
-              <a:t>5</a:t>
-            </a:r>
-            <a:r>
-              <a:rPr lang="zh-CN" altLang="en-US" dirty="0" smtClean="0"/>
-              <a:t>、后期规划</a:t>
-            </a:r>
-            <a:endParaRPr lang="en-US" altLang="zh-CN" dirty="0"/>
-          </a:p>
-        </p:txBody>
-      </p:sp>
+          <a:p>
+            <a:r>
+              <a:rPr lang="en-US" altLang="zh-CN" dirty="0">
+                <a:sym typeface="+mn-ea"/>
+              </a:rPr>
+              <a:t>4</a:t>
+            </a:r>
+            <a:r>
+              <a:rPr lang="zh-CN" altLang="en-US" dirty="0" smtClean="0">
+                <a:sym typeface="+mn-ea"/>
+              </a:rPr>
+              <a:t>、重点项目</a:t>
+            </a:r>
+            <a:endParaRPr lang="zh-CN" altLang="en-US"/>
+          </a:p>
+        </p:txBody>
+      </p:sp>
+      <p:pic>
+        <p:nvPicPr>
+          <p:cNvPr id="4" name="图片 3" descr="QQ截图20170604223625"/>
+          <p:cNvPicPr>
+            <a:picLocks noChangeAspect="1"/>
+          </p:cNvPicPr>
+          <p:nvPr/>
+        </p:nvPicPr>
+        <p:blipFill>
+          <a:blip r:embed="rId1"/>
+          <a:stretch>
+            <a:fillRect/>
+          </a:stretch>
+        </p:blipFill>
+        <p:spPr>
+          <a:xfrm>
+            <a:off x="285750" y="934085"/>
+            <a:ext cx="8571865" cy="3639185"/>
+          </a:xfrm>
+          <a:prstGeom prst="rect">
+            <a:avLst/>
+          </a:prstGeom>
+        </p:spPr>
+      </p:pic>
     </p:spTree>
-    <p:extLst>
-      <p:ext uri="{BB962C8B-B14F-4D97-AF65-F5344CB8AC3E}">
-        <p14:creationId xmlns:p14="http://schemas.microsoft.com/office/powerpoint/2010/main" xmlns="" val="3331950448"/>
-      </p:ext>
-    </p:extLst>
   </p:cSld>
   <p:clrMapOvr>
     <a:masterClrMapping/>
   </p:clrMapOvr>
-  <p:timing>
-    <p:tnLst>
-      <p:par>
-        <p:cTn id="1" dur="indefinite" restart="never" nodeType="tmRoot"/>
-      </p:par>
-    </p:tnLst>
-  </p:timing>
 </p:sld>
 </file>
 
@@ -4770,26 +5244,523 @@
         <p:cNvGrpSpPr/>
         <p:nvPr/>
       </p:nvGrpSpPr>
-      <p:grpSpPr>
-        <a:xfrm>
-          <a:off x="0" y="0"/>
-          <a:ext cx="0" cy="0"/>
-          <a:chOff x="0" y="0"/>
-          <a:chExt cx="0" cy="0"/>
-        </a:xfrm>
-      </p:grpSpPr>
+      <p:grpSpPr/>
+      <p:sp>
+        <p:nvSpPr>
+          <p:cNvPr id="2" name="内容占位符 1"/>
+          <p:cNvSpPr>
+            <a:spLocks noGrp="1"/>
+          </p:cNvSpPr>
+          <p:nvPr>
+            <p:ph idx="1"/>
+          </p:nvPr>
+        </p:nvSpPr>
+        <p:spPr/>
+        <p:txBody>
+          <a:bodyPr/>
+          <a:p>
+            <a:endParaRPr lang="zh-CN" altLang="en-US"/>
+          </a:p>
+          <a:p>
+            <a:pPr marL="0" indent="0">
+              <a:buNone/>
+            </a:pPr>
+            <a:r>
+              <a:rPr>
+                <a:solidFill>
+                  <a:schemeClr val="tx1"/>
+                </a:solidFill>
+                <a:uFillTx/>
+                <a:latin typeface="仿宋" panose="02010609060101010101" charset="-122"/>
+                <a:ea typeface="仿宋" panose="02010609060101010101" charset="-122"/>
+                <a:sym typeface="+mn-ea"/>
+              </a:rPr>
+              <a:t>删除解耦系统，</a:t>
+            </a:r>
+            <a:r>
+              <a:rPr lang="en-US" altLang="zh-CN">
+                <a:solidFill>
+                  <a:schemeClr val="tx1"/>
+                </a:solidFill>
+                <a:uFillTx/>
+                <a:latin typeface="仿宋" panose="02010609060101010101" charset="-122"/>
+                <a:ea typeface="仿宋" panose="02010609060101010101" charset="-122"/>
+                <a:sym typeface="+mn-ea"/>
+              </a:rPr>
+              <a:t>kafka</a:t>
+            </a:r>
+            <a:r>
+              <a:rPr>
+                <a:solidFill>
+                  <a:schemeClr val="tx1"/>
+                </a:solidFill>
+                <a:uFillTx/>
+                <a:latin typeface="仿宋" panose="02010609060101010101" charset="-122"/>
+                <a:ea typeface="仿宋" panose="02010609060101010101" charset="-122"/>
+                <a:sym typeface="+mn-ea"/>
+              </a:rPr>
+              <a:t>解耦系统，</a:t>
+            </a:r>
+            <a:endParaRPr lang="zh-CN" altLang="en-US" dirty="0" smtClean="0">
+              <a:solidFill>
+                <a:schemeClr val="tx1"/>
+              </a:solidFill>
+              <a:uFillTx/>
+              <a:latin typeface="仿宋" panose="02010609060101010101" charset="-122"/>
+              <a:ea typeface="仿宋" panose="02010609060101010101" charset="-122"/>
+              <a:sym typeface="+mn-ea"/>
+            </a:endParaRPr>
+          </a:p>
+          <a:p>
+            <a:pPr marL="0" indent="0">
+              <a:buNone/>
+            </a:pPr>
+            <a:r>
+              <a:rPr>
+                <a:solidFill>
+                  <a:schemeClr val="tx1"/>
+                </a:solidFill>
+                <a:uFillTx/>
+                <a:latin typeface="仿宋" panose="02010609060101010101" charset="-122"/>
+                <a:ea typeface="仿宋" panose="02010609060101010101" charset="-122"/>
+                <a:sym typeface="+mn-ea"/>
+              </a:rPr>
+              <a:t>定时生成付款单，财务要审核，没有用服务器推的</a:t>
+            </a:r>
+            <a:endParaRPr lang="zh-CN" altLang="en-US" dirty="0" smtClean="0">
+              <a:solidFill>
+                <a:schemeClr val="tx1"/>
+              </a:solidFill>
+              <a:uFillTx/>
+              <a:latin typeface="仿宋" panose="02010609060101010101" charset="-122"/>
+              <a:ea typeface="仿宋" panose="02010609060101010101" charset="-122"/>
+              <a:sym typeface="+mn-ea"/>
+            </a:endParaRPr>
+          </a:p>
+          <a:p>
+            <a:pPr marL="0" indent="0">
+              <a:buNone/>
+            </a:pPr>
+            <a:r>
+              <a:rPr>
+                <a:solidFill>
+                  <a:schemeClr val="tx1"/>
+                </a:solidFill>
+                <a:uFillTx/>
+                <a:latin typeface="仿宋" panose="02010609060101010101" charset="-122"/>
+                <a:ea typeface="仿宋" panose="02010609060101010101" charset="-122"/>
+                <a:sym typeface="+mn-ea"/>
+              </a:rPr>
+              <a:t>结算系统拆分成了三个服务，接单系统，拆单系统，对账系统，用</a:t>
+            </a:r>
+            <a:r>
+              <a:rPr lang="en-US" altLang="zh-CN">
+                <a:solidFill>
+                  <a:schemeClr val="tx1"/>
+                </a:solidFill>
+                <a:uFillTx/>
+                <a:latin typeface="仿宋" panose="02010609060101010101" charset="-122"/>
+                <a:ea typeface="仿宋" panose="02010609060101010101" charset="-122"/>
+                <a:sym typeface="+mn-ea"/>
+              </a:rPr>
+              <a:t>springboot</a:t>
+            </a:r>
+            <a:r>
+              <a:rPr>
+                <a:solidFill>
+                  <a:schemeClr val="tx1"/>
+                </a:solidFill>
+                <a:uFillTx/>
+                <a:latin typeface="仿宋" panose="02010609060101010101" charset="-122"/>
+                <a:ea typeface="仿宋" panose="02010609060101010101" charset="-122"/>
+                <a:sym typeface="+mn-ea"/>
+              </a:rPr>
+              <a:t>开发</a:t>
+            </a:r>
+            <a:r>
+              <a:rPr lang="en-US" altLang="zh-CN">
+                <a:solidFill>
+                  <a:schemeClr val="tx1"/>
+                </a:solidFill>
+                <a:uFillTx/>
+                <a:latin typeface="仿宋" panose="02010609060101010101" charset="-122"/>
+                <a:ea typeface="仿宋" panose="02010609060101010101" charset="-122"/>
+                <a:sym typeface="+mn-ea"/>
+              </a:rPr>
+              <a:t>restfulapi</a:t>
+            </a:r>
+            <a:r>
+              <a:rPr>
+                <a:solidFill>
+                  <a:schemeClr val="tx1"/>
+                </a:solidFill>
+                <a:uFillTx/>
+                <a:latin typeface="仿宋" panose="02010609060101010101" charset="-122"/>
+                <a:ea typeface="仿宋" panose="02010609060101010101" charset="-122"/>
+                <a:sym typeface="+mn-ea"/>
+              </a:rPr>
+              <a:t>，</a:t>
+            </a:r>
+            <a:r>
+              <a:rPr lang="en-US" altLang="zh-CN">
+                <a:solidFill>
+                  <a:schemeClr val="tx1"/>
+                </a:solidFill>
+                <a:uFillTx/>
+                <a:latin typeface="仿宋" panose="02010609060101010101" charset="-122"/>
+                <a:ea typeface="仿宋" panose="02010609060101010101" charset="-122"/>
+                <a:sym typeface="+mn-ea"/>
+              </a:rPr>
+              <a:t>docker</a:t>
+            </a:r>
+            <a:r>
+              <a:rPr>
+                <a:solidFill>
+                  <a:schemeClr val="tx1"/>
+                </a:solidFill>
+                <a:uFillTx/>
+                <a:latin typeface="仿宋" panose="02010609060101010101" charset="-122"/>
+                <a:ea typeface="仿宋" panose="02010609060101010101" charset="-122"/>
+                <a:sym typeface="+mn-ea"/>
+              </a:rPr>
+              <a:t>代替虚拟机，</a:t>
+            </a:r>
+            <a:r>
+              <a:rPr lang="en-US" altLang="zh-CN">
+                <a:solidFill>
+                  <a:schemeClr val="tx1"/>
+                </a:solidFill>
+                <a:uFillTx/>
+                <a:latin typeface="仿宋" panose="02010609060101010101" charset="-122"/>
+                <a:ea typeface="仿宋" panose="02010609060101010101" charset="-122"/>
+                <a:sym typeface="+mn-ea"/>
+              </a:rPr>
+              <a:t>docker</a:t>
+            </a:r>
+            <a:r>
+              <a:rPr>
+                <a:solidFill>
+                  <a:schemeClr val="tx1"/>
+                </a:solidFill>
+                <a:uFillTx/>
+                <a:latin typeface="仿宋" panose="02010609060101010101" charset="-122"/>
+                <a:ea typeface="仿宋" panose="02010609060101010101" charset="-122"/>
+                <a:sym typeface="+mn-ea"/>
+              </a:rPr>
+              <a:t>前面</a:t>
+            </a:r>
+            <a:r>
+              <a:rPr lang="en-US" altLang="zh-CN">
+                <a:solidFill>
+                  <a:schemeClr val="tx1"/>
+                </a:solidFill>
+                <a:uFillTx/>
+                <a:latin typeface="仿宋" panose="02010609060101010101" charset="-122"/>
+                <a:ea typeface="仿宋" panose="02010609060101010101" charset="-122"/>
+                <a:sym typeface="+mn-ea"/>
+              </a:rPr>
+              <a:t>nginx</a:t>
+            </a:r>
+            <a:endParaRPr lang="en-US" altLang="zh-CN" dirty="0" smtClean="0">
+              <a:solidFill>
+                <a:schemeClr val="tx1"/>
+              </a:solidFill>
+              <a:uFillTx/>
+              <a:latin typeface="仿宋" panose="02010609060101010101" charset="-122"/>
+              <a:ea typeface="仿宋" panose="02010609060101010101" charset="-122"/>
+              <a:sym typeface="+mn-ea"/>
+            </a:endParaRPr>
+          </a:p>
+          <a:p>
+            <a:pPr marL="0" indent="0">
+              <a:buNone/>
+            </a:pPr>
+            <a:r>
+              <a:rPr>
+                <a:solidFill>
+                  <a:schemeClr val="tx1"/>
+                </a:solidFill>
+                <a:uFillTx/>
+                <a:latin typeface="仿宋" panose="02010609060101010101" charset="-122"/>
+                <a:ea typeface="仿宋" panose="02010609060101010101" charset="-122"/>
+                <a:sym typeface="+mn-ea"/>
+              </a:rPr>
+              <a:t>生成付款单串行改并发，改写</a:t>
+            </a:r>
+            <a:r>
+              <a:rPr lang="en-US" altLang="zh-CN">
+                <a:solidFill>
+                  <a:schemeClr val="tx1"/>
+                </a:solidFill>
+                <a:uFillTx/>
+                <a:latin typeface="仿宋" panose="02010609060101010101" charset="-122"/>
+                <a:ea typeface="仿宋" panose="02010609060101010101" charset="-122"/>
+                <a:sym typeface="+mn-ea"/>
+              </a:rPr>
+              <a:t>threadpool</a:t>
+            </a:r>
+            <a:r>
+              <a:rPr>
+                <a:solidFill>
+                  <a:schemeClr val="tx1"/>
+                </a:solidFill>
+                <a:uFillTx/>
+                <a:latin typeface="仿宋" panose="02010609060101010101" charset="-122"/>
+                <a:ea typeface="仿宋" panose="02010609060101010101" charset="-122"/>
+                <a:sym typeface="+mn-ea"/>
+              </a:rPr>
+              <a:t>指定任务队列长度</a:t>
+            </a:r>
+            <a:r>
+              <a:rPr lang="en-US" altLang="zh-CN">
+                <a:solidFill>
+                  <a:schemeClr val="tx1"/>
+                </a:solidFill>
+                <a:uFillTx/>
+                <a:latin typeface="仿宋" panose="02010609060101010101" charset="-122"/>
+                <a:ea typeface="仿宋" panose="02010609060101010101" charset="-122"/>
+                <a:sym typeface="+mn-ea"/>
+              </a:rPr>
+              <a:t>,</a:t>
+            </a:r>
+            <a:endParaRPr lang="en-US" altLang="zh-CN" dirty="0" smtClean="0">
+              <a:solidFill>
+                <a:schemeClr val="tx1"/>
+              </a:solidFill>
+              <a:uFillTx/>
+              <a:latin typeface="仿宋" panose="02010609060101010101" charset="-122"/>
+              <a:ea typeface="仿宋" panose="02010609060101010101" charset="-122"/>
+              <a:sym typeface="+mn-ea"/>
+            </a:endParaRPr>
+          </a:p>
+          <a:p>
+            <a:pPr marL="0" indent="0">
+              <a:buNone/>
+            </a:pPr>
+            <a:r>
+              <a:rPr>
+                <a:solidFill>
+                  <a:schemeClr val="tx1"/>
+                </a:solidFill>
+                <a:uFillTx/>
+                <a:latin typeface="仿宋" panose="02010609060101010101" charset="-122"/>
+                <a:ea typeface="仿宋" panose="02010609060101010101" charset="-122"/>
+                <a:sym typeface="+mn-ea"/>
+              </a:rPr>
+              <a:t>查询生成</a:t>
+            </a:r>
+            <a:r>
+              <a:rPr lang="en-US" altLang="zh-CN">
+                <a:solidFill>
+                  <a:schemeClr val="tx1"/>
+                </a:solidFill>
+                <a:uFillTx/>
+                <a:latin typeface="仿宋" panose="02010609060101010101" charset="-122"/>
+                <a:ea typeface="仿宋" panose="02010609060101010101" charset="-122"/>
+                <a:sym typeface="+mn-ea"/>
+              </a:rPr>
+              <a:t>excel</a:t>
+            </a:r>
+            <a:r>
+              <a:rPr>
+                <a:solidFill>
+                  <a:schemeClr val="tx1"/>
+                </a:solidFill>
+                <a:uFillTx/>
+                <a:latin typeface="仿宋" panose="02010609060101010101" charset="-122"/>
+                <a:ea typeface="仿宋" panose="02010609060101010101" charset="-122"/>
+                <a:sym typeface="+mn-ea"/>
+              </a:rPr>
+              <a:t>改多线程，</a:t>
+            </a:r>
+            <a:r>
+              <a:rPr lang="en-US" altLang="zh-CN">
+                <a:solidFill>
+                  <a:schemeClr val="tx1"/>
+                </a:solidFill>
+                <a:uFillTx/>
+                <a:latin typeface="仿宋" panose="02010609060101010101" charset="-122"/>
+                <a:ea typeface="仿宋" panose="02010609060101010101" charset="-122"/>
+                <a:sym typeface="+mn-ea"/>
+              </a:rPr>
+              <a:t>threadlocal</a:t>
+            </a:r>
+            <a:r>
+              <a:rPr>
+                <a:solidFill>
+                  <a:schemeClr val="tx1"/>
+                </a:solidFill>
+                <a:uFillTx/>
+                <a:latin typeface="仿宋" panose="02010609060101010101" charset="-122"/>
+                <a:ea typeface="仿宋" panose="02010609060101010101" charset="-122"/>
+                <a:sym typeface="+mn-ea"/>
+              </a:rPr>
+              <a:t>记录每页</a:t>
+            </a:r>
+            <a:r>
+              <a:rPr lang="en-US" altLang="zh-CN">
+                <a:solidFill>
+                  <a:schemeClr val="tx1"/>
+                </a:solidFill>
+                <a:uFillTx/>
+                <a:latin typeface="仿宋" panose="02010609060101010101" charset="-122"/>
+                <a:ea typeface="仿宋" panose="02010609060101010101" charset="-122"/>
+                <a:sym typeface="+mn-ea"/>
+              </a:rPr>
+              <a:t>index</a:t>
+            </a:r>
+            <a:endParaRPr lang="en-US" altLang="zh-CN">
+              <a:solidFill>
+                <a:schemeClr val="tx1"/>
+              </a:solidFill>
+              <a:uFillTx/>
+              <a:latin typeface="仿宋" panose="02010609060101010101" charset="-122"/>
+              <a:ea typeface="仿宋" panose="02010609060101010101" charset="-122"/>
+              <a:sym typeface="+mn-ea"/>
+            </a:endParaRPr>
+          </a:p>
+          <a:p>
+            <a:pPr marL="0" indent="0">
+              <a:buNone/>
+            </a:pPr>
+            <a:r>
+              <a:rPr>
+                <a:solidFill>
+                  <a:schemeClr val="tx1"/>
+                </a:solidFill>
+                <a:uFillTx/>
+                <a:latin typeface="仿宋" panose="02010609060101010101" charset="-122"/>
+                <a:ea typeface="仿宋" panose="02010609060101010101" charset="-122"/>
+                <a:sym typeface="+mn-ea"/>
+              </a:rPr>
+              <a:t>对账单后期数据量变大，分库分表查询分月，时间限制数据同步到</a:t>
+            </a:r>
+            <a:r>
+              <a:rPr lang="en-US" altLang="zh-CN">
+                <a:solidFill>
+                  <a:schemeClr val="tx1"/>
+                </a:solidFill>
+                <a:uFillTx/>
+                <a:latin typeface="仿宋" panose="02010609060101010101" charset="-122"/>
+                <a:ea typeface="仿宋" panose="02010609060101010101" charset="-122"/>
+                <a:sym typeface="+mn-ea"/>
+              </a:rPr>
+              <a:t>es</a:t>
+            </a:r>
+            <a:r>
+              <a:rPr>
+                <a:solidFill>
+                  <a:schemeClr val="tx1"/>
+                </a:solidFill>
+                <a:uFillTx/>
+                <a:latin typeface="仿宋" panose="02010609060101010101" charset="-122"/>
+                <a:ea typeface="仿宋" panose="02010609060101010101" charset="-122"/>
+                <a:sym typeface="+mn-ea"/>
+              </a:rPr>
+              <a:t>，查询大量数据快</a:t>
+            </a:r>
+            <a:endParaRPr>
+              <a:solidFill>
+                <a:schemeClr val="tx1"/>
+              </a:solidFill>
+              <a:uFillTx/>
+              <a:latin typeface="仿宋" panose="02010609060101010101" charset="-122"/>
+              <a:ea typeface="仿宋" panose="02010609060101010101" charset="-122"/>
+              <a:sym typeface="+mn-ea"/>
+            </a:endParaRPr>
+          </a:p>
+          <a:p>
+            <a:pPr marL="0" indent="0">
+              <a:buNone/>
+            </a:pPr>
+            <a:r>
+              <a:rPr>
+                <a:solidFill>
+                  <a:schemeClr val="tx1"/>
+                </a:solidFill>
+                <a:uFillTx/>
+                <a:latin typeface="仿宋" panose="02010609060101010101" charset="-122"/>
+                <a:ea typeface="仿宋" panose="02010609060101010101" charset="-122"/>
+                <a:sym typeface="+mn-ea"/>
+              </a:rPr>
+              <a:t>结算单的数据放到</a:t>
+            </a:r>
+            <a:r>
+              <a:rPr lang="en-US" altLang="zh-CN">
+                <a:solidFill>
+                  <a:schemeClr val="tx1"/>
+                </a:solidFill>
+                <a:uFillTx/>
+                <a:latin typeface="仿宋" panose="02010609060101010101" charset="-122"/>
+                <a:ea typeface="仿宋" panose="02010609060101010101" charset="-122"/>
+                <a:sym typeface="+mn-ea"/>
+              </a:rPr>
+              <a:t>redis</a:t>
+            </a:r>
+            <a:r>
+              <a:rPr>
+                <a:solidFill>
+                  <a:schemeClr val="tx1"/>
+                </a:solidFill>
+                <a:uFillTx/>
+                <a:latin typeface="仿宋" panose="02010609060101010101" charset="-122"/>
+                <a:ea typeface="仿宋" panose="02010609060101010101" charset="-122"/>
+                <a:sym typeface="+mn-ea"/>
+              </a:rPr>
+              <a:t>不存到数据库</a:t>
+            </a:r>
+            <a:endParaRPr>
+              <a:solidFill>
+                <a:schemeClr val="tx1"/>
+              </a:solidFill>
+              <a:uFillTx/>
+              <a:latin typeface="仿宋" panose="02010609060101010101" charset="-122"/>
+              <a:ea typeface="仿宋" panose="02010609060101010101" charset="-122"/>
+              <a:sym typeface="+mn-ea"/>
+            </a:endParaRPr>
+          </a:p>
+        </p:txBody>
+      </p:sp>
+      <p:sp>
+        <p:nvSpPr>
+          <p:cNvPr id="3" name="标题 2"/>
+          <p:cNvSpPr>
+            <a:spLocks noGrp="1"/>
+          </p:cNvSpPr>
+          <p:nvPr>
+            <p:ph type="title"/>
+          </p:nvPr>
+        </p:nvSpPr>
+        <p:spPr/>
+        <p:txBody>
+          <a:bodyPr>
+            <a:normAutofit fontScale="90000"/>
+          </a:bodyPr>
+          <a:p>
+            <a:r>
+              <a:rPr lang="en-US" altLang="zh-CN" dirty="0">
+                <a:sym typeface="+mn-ea"/>
+              </a:rPr>
+              <a:t>4</a:t>
+            </a:r>
+            <a:r>
+              <a:rPr lang="zh-CN" altLang="en-US" dirty="0" smtClean="0">
+                <a:sym typeface="+mn-ea"/>
+              </a:rPr>
+              <a:t>、重点项目</a:t>
+            </a:r>
+            <a:br>
+              <a:rPr lang="zh-CN" altLang="en-US"/>
+            </a:br>
+            <a:endParaRPr lang="zh-CN" altLang="en-US"/>
+          </a:p>
+        </p:txBody>
+      </p:sp>
     </p:spTree>
   </p:cSld>
   <p:clrMapOvr>
     <a:masterClrMapping/>
   </p:clrMapOvr>
-  <p:timing>
-    <p:tnLst>
-      <p:par>
-        <p:cTn id="1" dur="indefinite" restart="never" nodeType="tmRoot"/>
-      </p:par>
-    </p:tnLst>
-  </p:timing>
 </p:sld>
 </file>
 
@@ -5125,7 +6096,7 @@
   <a:extraClrSchemeLst/>
   <a:extLst>
     <a:ext uri="{05A4C25C-085E-4340-85A3-A5531E510DB2}">
-      <thm15:themeFamily xmlns="" xmlns:thm15="http://schemas.microsoft.com/office/thememl/2012/main" name="Office Theme" id="{62F939B6-93AF-4DB8-9C6B-D6C7DFDC589F}" vid="{4A3C46E8-61CC-4603-A589-7422A47A8E4A}"/>
+      <thm15:themeFamily xmlns:thm15="http://schemas.microsoft.com/office/thememl/2012/main" name="Office Theme" id="{62F939B6-93AF-4DB8-9C6B-D6C7DFDC589F}" vid="{4A3C46E8-61CC-4603-A589-7422A47A8E4A}"/>
     </a:ext>
   </a:extLst>
 </a:theme>
@@ -5386,7 +6357,7 @@
   <a:extraClrSchemeLst/>
   <a:extLst>
     <a:ext uri="{05A4C25C-085E-4340-85A3-A5531E510DB2}">
-      <thm15:themeFamily xmlns="" xmlns:thm15="http://schemas.microsoft.com/office/thememl/2012/main" name="Office Theme" id="{62F939B6-93AF-4DB8-9C6B-D6C7DFDC589F}" vid="{4A3C46E8-61CC-4603-A589-7422A47A8E4A}"/>
+      <thm15:themeFamily xmlns:thm15="http://schemas.microsoft.com/office/thememl/2012/main" name="Office Theme" id="{62F939B6-93AF-4DB8-9C6B-D6C7DFDC589F}" vid="{4A3C46E8-61CC-4603-A589-7422A47A8E4A}"/>
     </a:ext>
   </a:extLst>
 </a:theme>

--- a/src/doc/职级评审_商城技术部.pptx
+++ b/src/doc/职级评审_商城技术部.pptx
@@ -130,9 +130,9 @@
             <p14:sldId id="284"/>
             <p14:sldId id="286"/>
             <p14:sldId id="290"/>
+            <p14:sldId id="291"/>
             <p14:sldId id="285"/>
             <p14:sldId id="277"/>
-            <p14:sldId id="291"/>
           </p14:sldIdLst>
         </p14:section>
       </p14:sectionLst>
@@ -4222,7 +4222,7 @@
         <p:spPr>
           <a:xfrm>
             <a:off x="1511935" y="1696720"/>
-            <a:ext cx="5796280" cy="1198880"/>
+            <a:ext cx="5796280" cy="1476375"/>
           </a:xfrm>
           <a:prstGeom prst="rect">
             <a:avLst/>
@@ -4282,6 +4282,13 @@
             <a:r>
               <a:rPr lang="zh-CN" altLang="en-US"/>
               <a:t>年</a:t>
+            </a:r>
+            <a:endParaRPr lang="zh-CN" altLang="en-US"/>
+          </a:p>
+          <a:p>
+            <a:r>
+              <a:rPr lang="zh-CN" altLang="en-US"/>
+              <a:t>需求分析，功能开发，优化</a:t>
             </a:r>
             <a:endParaRPr lang="zh-CN" altLang="en-US"/>
           </a:p>
@@ -4358,8 +4365,8 @@
         </p:nvSpPr>
         <p:spPr>
           <a:xfrm>
-            <a:off x="1603375" y="1742440"/>
-            <a:ext cx="6100445" cy="1753235"/>
+            <a:off x="1080135" y="1695450"/>
+            <a:ext cx="6100445" cy="2584450"/>
           </a:xfrm>
           <a:prstGeom prst="rect">
             <a:avLst/>
@@ -4372,83 +4379,116 @@
           </a:bodyPr>
           <a:p>
             <a:r>
-              <a:rPr lang="en-US" altLang="zh-CN"/>
-              <a:t>2013.7-2014.10  </a:t>
-            </a:r>
-            <a:r>
-              <a:rPr lang="zh-CN" altLang="en-US"/>
+              <a:rPr lang="en-US" altLang="zh-CN">
+                <a:latin typeface="+mj-ea"/>
+              </a:rPr>
+              <a:t>  </a:t>
+            </a:r>
+            <a:r>
+              <a:rPr lang="zh-CN" altLang="en-US">
+                <a:latin typeface="+mj-ea"/>
+              </a:rPr>
               <a:t>百博时代 </a:t>
             </a:r>
             <a:r>
-              <a:rPr lang="en-US" altLang="zh-CN"/>
-              <a:t>java</a:t>
-            </a:r>
-            <a:r>
-              <a:rPr lang="zh-CN" altLang="en-US"/>
-              <a:t>研发</a:t>
-            </a:r>
-            <a:endParaRPr lang="zh-CN" altLang="en-US"/>
-          </a:p>
-          <a:p>
-            <a:r>
-              <a:rPr lang="en-US" altLang="zh-CN"/>
-              <a:t>2014.10-2016.3  </a:t>
-            </a:r>
-            <a:r>
-              <a:rPr lang="zh-CN" altLang="en-US"/>
+              <a:rPr lang="en-US" altLang="zh-CN">
+                <a:latin typeface="+mj-ea"/>
+              </a:rPr>
+              <a:t>2013.7-2014.10</a:t>
+            </a:r>
+            <a:endParaRPr lang="en-US" altLang="zh-CN">
+              <a:latin typeface="+mj-ea"/>
+            </a:endParaRPr>
+          </a:p>
+          <a:p>
+            <a:endParaRPr lang="zh-CN" altLang="en-US">
+              <a:latin typeface="+mj-ea"/>
+            </a:endParaRPr>
+          </a:p>
+          <a:p>
+            <a:r>
+              <a:rPr lang="en-US" altLang="zh-CN">
+                <a:latin typeface="+mj-ea"/>
+              </a:rPr>
+              <a:t>  </a:t>
+            </a:r>
+            <a:r>
+              <a:rPr lang="zh-CN" altLang="en-US">
+                <a:latin typeface="+mj-ea"/>
+              </a:rPr>
               <a:t>风扬科技 </a:t>
             </a:r>
             <a:r>
-              <a:rPr lang="en-US" altLang="zh-CN"/>
-              <a:t>java</a:t>
-            </a:r>
-            <a:r>
-              <a:rPr lang="zh-CN" altLang="en-US"/>
-              <a:t>研发</a:t>
-            </a:r>
-            <a:endParaRPr lang="zh-CN" altLang="en-US"/>
-          </a:p>
-          <a:p>
-            <a:r>
-              <a:rPr lang="en-US" altLang="zh-CN"/>
-              <a:t>2016.3-2017.4   </a:t>
-            </a:r>
-            <a:r>
-              <a:rPr lang="zh-CN" altLang="en-US"/>
+              <a:rPr lang="en-US" altLang="zh-CN">
+                <a:latin typeface="+mj-ea"/>
+              </a:rPr>
+              <a:t>2014.10-2016.3</a:t>
+            </a:r>
+            <a:endParaRPr lang="en-US" altLang="zh-CN">
+              <a:latin typeface="+mj-ea"/>
+            </a:endParaRPr>
+          </a:p>
+          <a:p>
+            <a:endParaRPr lang="zh-CN" altLang="en-US">
+              <a:latin typeface="+mj-ea"/>
+            </a:endParaRPr>
+          </a:p>
+          <a:p>
+            <a:r>
+              <a:rPr lang="en-US" altLang="zh-CN">
+                <a:latin typeface="+mj-ea"/>
+              </a:rPr>
+              <a:t>  </a:t>
+            </a:r>
+            <a:r>
+              <a:rPr lang="zh-CN" altLang="en-US">
+                <a:latin typeface="+mj-ea"/>
+              </a:rPr>
               <a:t>万达飞凡 </a:t>
             </a:r>
             <a:r>
-              <a:rPr lang="en-US" altLang="zh-CN"/>
-              <a:t>java</a:t>
-            </a:r>
-            <a:r>
-              <a:rPr lang="zh-CN" altLang="en-US"/>
-              <a:t>研发</a:t>
-            </a:r>
-            <a:endParaRPr lang="zh-CN" altLang="en-US"/>
-          </a:p>
-          <a:p>
-            <a:r>
-              <a:rPr lang="en-US" altLang="zh-CN"/>
+              <a:rPr lang="en-US" altLang="zh-CN">
+                <a:latin typeface="+mj-ea"/>
+              </a:rPr>
+              <a:t>2016.3-2017.4</a:t>
+            </a:r>
+            <a:endParaRPr lang="en-US" altLang="zh-CN">
+              <a:latin typeface="+mj-ea"/>
+            </a:endParaRPr>
+          </a:p>
+          <a:p>
+            <a:endParaRPr lang="zh-CN" altLang="en-US">
+              <a:latin typeface="+mj-ea"/>
+            </a:endParaRPr>
+          </a:p>
+          <a:p>
+            <a:r>
+              <a:rPr lang="zh-CN" altLang="en-US">
+                <a:latin typeface="+mj-ea"/>
+              </a:rPr>
+              <a:t>  国美在线 </a:t>
+            </a:r>
+            <a:r>
+              <a:rPr lang="en-US" altLang="zh-CN">
+                <a:latin typeface="+mj-ea"/>
+              </a:rPr>
               <a:t>2017.4-</a:t>
             </a:r>
             <a:r>
-              <a:rPr lang="zh-CN" altLang="en-US"/>
-              <a:t>至今     国美在线 </a:t>
-            </a:r>
-            <a:r>
-              <a:rPr lang="en-US" altLang="zh-CN"/>
-              <a:t>java</a:t>
-            </a:r>
-            <a:r>
-              <a:rPr lang="zh-CN" altLang="en-US"/>
-              <a:t>研发</a:t>
-            </a:r>
-            <a:r>
-              <a:rPr lang="en-US" altLang="zh-CN"/>
+              <a:rPr lang="zh-CN" altLang="en-US">
+                <a:latin typeface="+mj-ea"/>
+              </a:rPr>
+              <a:t>至今</a:t>
+            </a:r>
+            <a:r>
+              <a:rPr lang="en-US" altLang="zh-CN">
+                <a:latin typeface="+mj-ea"/>
+              </a:rPr>
               <a:t> </a:t>
             </a:r>
-            <a:endParaRPr lang="en-US" altLang="zh-CN"/>
+            <a:endParaRPr lang="en-US" altLang="zh-CN">
+              <a:latin typeface="+mj-ea"/>
+            </a:endParaRPr>
           </a:p>
           <a:p>
             <a:endParaRPr lang="zh-CN" altLang="en-US"/>
@@ -4519,43 +4559,6 @@
           </a:p>
         </p:txBody>
       </p:sp>
-      <p:sp>
-        <p:nvSpPr>
-          <p:cNvPr id="3" name="TextBox 2"/>
-          <p:cNvSpPr txBox="1"/>
-          <p:nvPr/>
-        </p:nvSpPr>
-        <p:spPr>
-          <a:xfrm>
-            <a:off x="467544" y="1275606"/>
-            <a:ext cx="6126480" cy="645160"/>
-          </a:xfrm>
-          <a:prstGeom prst="rect">
-            <a:avLst/>
-          </a:prstGeom>
-          <a:noFill/>
-        </p:spPr>
-        <p:txBody>
-          <a:bodyPr wrap="none" rtlCol="0">
-            <a:spAutoFit/>
-          </a:bodyPr>
-          <a:lstStyle/>
-          <a:p>
-            <a:r>
-              <a:rPr lang="zh-CN" altLang="en-US" dirty="0" smtClean="0"/>
-              <a:t>负责结算系统的订单拆成结算单，结算单生成付款单的生成</a:t>
-            </a:r>
-            <a:endParaRPr lang="zh-CN" altLang="en-US" dirty="0" smtClean="0"/>
-          </a:p>
-          <a:p>
-            <a:r>
-              <a:rPr lang="zh-CN" altLang="en-US" dirty="0" smtClean="0"/>
-              <a:t>对账单系统的开发</a:t>
-            </a:r>
-            <a:endParaRPr lang="zh-CN" altLang="en-US" dirty="0" smtClean="0"/>
-          </a:p>
-        </p:txBody>
-      </p:sp>
       <p:graphicFrame>
         <p:nvGraphicFramePr>
           <p:cNvPr id="4" name="表格 3"/>
@@ -4565,8 +4568,8 @@
           <p:nvPr/>
         </p:nvGraphicFramePr>
         <p:xfrm>
-          <a:off x="475167" y="2815831"/>
-          <a:ext cx="8345304" cy="1095059"/>
+          <a:off x="417830" y="1769110"/>
+          <a:ext cx="8402320" cy="2599055"/>
         </p:xfrm>
         <a:graphic>
           <a:graphicData uri="http://schemas.openxmlformats.org/drawingml/2006/table">
@@ -4575,13 +4578,12 @@
                 <a:tableStyleId>{5C22544A-7EE6-4342-B048-85BDC9FD1C3A}</a:tableStyleId>
               </a:tblPr>
               <a:tblGrid>
-                <a:gridCol w="526280"/>
-                <a:gridCol w="1802642"/>
-                <a:gridCol w="582230"/>
-                <a:gridCol w="1041665"/>
-                <a:gridCol w="4392487"/>
+                <a:gridCol w="530225"/>
+                <a:gridCol w="1814830"/>
+                <a:gridCol w="1049655"/>
+                <a:gridCol w="4422140"/>
               </a:tblGrid>
-              <a:tr h="317819">
+              <a:tr h="716280">
                 <a:tc>
                   <a:txBody>
                     <a:bodyPr/>
@@ -4635,27 +4637,6 @@
                           <a:latin typeface="+mj-ea"/>
                           <a:ea typeface="+mj-ea"/>
                         </a:rPr>
-                        <a:t>工期</a:t>
-                      </a:r>
-                      <a:endParaRPr lang="zh-CN" altLang="en-US" sz="1200" dirty="0">
-                        <a:latin typeface="+mj-ea"/>
-                        <a:ea typeface="+mj-ea"/>
-                      </a:endParaRPr>
-                    </a:p>
-                  </a:txBody>
-                  <a:tcPr/>
-                </a:tc>
-                <a:tc>
-                  <a:txBody>
-                    <a:bodyPr/>
-                    <a:lstStyle/>
-                    <a:p>
-                      <a:pPr algn="ctr"/>
-                      <a:r>
-                        <a:rPr lang="zh-CN" altLang="en-US" sz="1200" dirty="0" smtClean="0">
-                          <a:latin typeface="+mj-ea"/>
-                          <a:ea typeface="+mj-ea"/>
-                        </a:rPr>
                         <a:t>上线时间</a:t>
                       </a:r>
                       <a:endParaRPr lang="zh-CN" altLang="en-US" sz="1200" dirty="0">
@@ -4677,7 +4658,7 @@
                           <a:latin typeface="+mj-ea"/>
                           <a:ea typeface="+mj-ea"/>
                         </a:rPr>
-                        <a:t>项目成果（重点写）</a:t>
+                        <a:t>项目成果</a:t>
                       </a:r>
                       <a:endParaRPr lang="zh-CN" altLang="en-US" sz="1200" dirty="0">
                         <a:latin typeface="+mj-ea"/>
@@ -4688,11 +4669,10 @@
                   <a:tcPr/>
                 </a:tc>
               </a:tr>
-              <a:tr h="259080">
+              <a:tr h="716280">
                 <a:tc>
                   <a:txBody>
                     <a:bodyPr/>
-                    <a:lstStyle/>
                     <a:p>
                       <a:pPr algn="ctr"/>
                       <a:r>
@@ -4713,14 +4693,13 @@
                 <a:tc>
                   <a:txBody>
                     <a:bodyPr/>
-                    <a:lstStyle/>
                     <a:p>
                       <a:r>
                         <a:rPr lang="zh-CN" altLang="en-US" sz="1100" dirty="0">
                           <a:latin typeface="+mj-ea"/>
                           <a:ea typeface="+mj-ea"/>
                         </a:rPr>
-                        <a:t>结算系统</a:t>
+                        <a:t>结算系统二期</a:t>
                       </a:r>
                       <a:endParaRPr lang="zh-CN" altLang="en-US" sz="1100" dirty="0">
                         <a:latin typeface="+mj-ea"/>
@@ -4733,27 +4712,13 @@
                 <a:tc>
                   <a:txBody>
                     <a:bodyPr/>
-                    <a:lstStyle/>
-                    <a:p>
-                      <a:endParaRPr lang="zh-CN" altLang="en-US" sz="1100" dirty="0">
-                        <a:latin typeface="+mj-ea"/>
-                        <a:ea typeface="+mj-ea"/>
-                      </a:endParaRPr>
-                    </a:p>
-                  </a:txBody>
-                  <a:tcPr/>
-                </a:tc>
-                <a:tc>
-                  <a:txBody>
-                    <a:bodyPr/>
-                    <a:lstStyle/>
                     <a:p>
                       <a:r>
                         <a:rPr lang="en-US" altLang="zh-CN" sz="1100">
                           <a:latin typeface="+mj-ea"/>
                           <a:ea typeface="+mj-ea"/>
                         </a:rPr>
-                        <a:t>2016.7</a:t>
+                        <a:t>2016.11</a:t>
                       </a:r>
                       <a:endParaRPr lang="en-US" altLang="zh-CN" sz="1100">
                         <a:latin typeface="+mj-ea"/>
@@ -4766,14 +4731,13 @@
                 <a:tc>
                   <a:txBody>
                     <a:bodyPr/>
-                    <a:lstStyle/>
                     <a:p>
                       <a:r>
                         <a:rPr lang="zh-CN" altLang="en-US" sz="1100" dirty="0">
                           <a:latin typeface="+mj-ea"/>
                           <a:ea typeface="+mj-ea"/>
                         </a:rPr>
-                        <a:t>结算系统的拆单</a:t>
+                        <a:t>结算系统的拆分成小服务，功能更明确</a:t>
                       </a:r>
                       <a:endParaRPr lang="zh-CN" altLang="en-US" sz="1100" dirty="0">
                         <a:latin typeface="+mj-ea"/>
@@ -4784,7 +4748,7 @@
                   <a:tcPr/>
                 </a:tc>
               </a:tr>
-              <a:tr h="230127">
+              <a:tr h="582930">
                 <a:tc>
                   <a:txBody>
                     <a:bodyPr/>
@@ -4816,21 +4780,8 @@
                           <a:latin typeface="+mj-ea"/>
                           <a:ea typeface="+mj-ea"/>
                         </a:rPr>
-                        <a:t>对账系统</a:t>
+                        <a:t>结算系统一期</a:t>
                       </a:r>
-                      <a:endParaRPr lang="zh-CN" altLang="en-US" sz="1100">
-                        <a:latin typeface="+mj-ea"/>
-                        <a:ea typeface="+mj-ea"/>
-                      </a:endParaRPr>
-                    </a:p>
-                  </a:txBody>
-                  <a:tcPr/>
-                </a:tc>
-                <a:tc>
-                  <a:txBody>
-                    <a:bodyPr/>
-                    <a:lstStyle/>
-                    <a:p>
                       <a:endParaRPr lang="zh-CN" altLang="en-US" sz="1100">
                         <a:latin typeface="+mj-ea"/>
                         <a:ea typeface="+mj-ea"/>
@@ -4849,7 +4800,118 @@
                           <a:latin typeface="+mj-ea"/>
                           <a:ea typeface="+mj-ea"/>
                         </a:rPr>
-                        <a:t>2016.11</a:t>
+                        <a:t>2016.6</a:t>
+                      </a:r>
+                      <a:endParaRPr lang="en-US" altLang="zh-CN" sz="1100">
+                        <a:latin typeface="+mj-ea"/>
+                        <a:ea typeface="+mj-ea"/>
+                      </a:endParaRPr>
+                    </a:p>
+                  </a:txBody>
+                  <a:tcPr/>
+                </a:tc>
+                <a:tc>
+                  <a:txBody>
+                    <a:bodyPr/>
+                    <a:lstStyle/>
+                    <a:p>
+                      <a:r>
+                        <a:rPr lang="en-US" altLang="zh-CN" sz="1100">
+                          <a:latin typeface="+mj-ea"/>
+                          <a:ea typeface="+mj-ea"/>
+                        </a:rPr>
+                        <a:t>T+1 </a:t>
+                      </a:r>
+                      <a:r>
+                        <a:rPr lang="zh-CN" altLang="en-US" sz="1100">
+                          <a:latin typeface="+mj-ea"/>
+                          <a:ea typeface="+mj-ea"/>
+                        </a:rPr>
+                        <a:t>完成</a:t>
+                      </a:r>
+                      <a:r>
+                        <a:rPr lang="zh-CN" altLang="en-US" sz="1100">
+                          <a:latin typeface="+mj-ea"/>
+                          <a:ea typeface="+mj-ea"/>
+                        </a:rPr>
+                        <a:t>结算对账付款</a:t>
+                      </a:r>
+                      <a:endParaRPr lang="zh-CN" altLang="en-US" sz="1100">
+                        <a:latin typeface="+mj-ea"/>
+                        <a:ea typeface="+mj-ea"/>
+                      </a:endParaRPr>
+                    </a:p>
+                  </a:txBody>
+                  <a:tcPr/>
+                </a:tc>
+              </a:tr>
+              <a:tr h="583565">
+                <a:tc>
+                  <a:txBody>
+                    <a:bodyPr/>
+                    <a:lstStyle/>
+                    <a:p>
+                      <a:pPr algn="ctr"/>
+                      <a:r>
+                        <a:rPr lang="en-US" sz="1100" dirty="0" smtClean="0">
+                          <a:latin typeface="+mj-ea"/>
+                          <a:ea typeface="+mj-ea"/>
+                        </a:rPr>
+                        <a:t>3</a:t>
+                      </a:r>
+                      <a:endParaRPr lang="en-US" sz="1100" dirty="0">
+                        <a:latin typeface="+mj-ea"/>
+                        <a:ea typeface="+mj-ea"/>
+                      </a:endParaRPr>
+                    </a:p>
+                  </a:txBody>
+                  <a:tcPr/>
+                </a:tc>
+                <a:tc>
+                  <a:txBody>
+                    <a:bodyPr/>
+                    <a:lstStyle/>
+                    <a:p>
+                      <a:r>
+                        <a:rPr lang="zh-CN" altLang="en-US" sz="1100">
+                          <a:latin typeface="+mj-ea"/>
+                          <a:ea typeface="+mj-ea"/>
+                        </a:rPr>
+                        <a:t>养车</a:t>
+                      </a:r>
+                      <a:r>
+                        <a:rPr lang="en-US" altLang="zh-CN" sz="1100">
+                          <a:latin typeface="+mj-ea"/>
+                          <a:ea typeface="+mj-ea"/>
+                        </a:rPr>
+                        <a:t>o2o</a:t>
+                      </a:r>
+                      <a:r>
+                        <a:rPr lang="zh-CN" altLang="en-US" sz="1100">
+                          <a:latin typeface="+mj-ea"/>
+                          <a:ea typeface="+mj-ea"/>
+                        </a:rPr>
+                        <a:t>技师端</a:t>
+                      </a:r>
+                      <a:endParaRPr lang="zh-CN" altLang="en-US" sz="1100">
+                        <a:latin typeface="+mj-ea"/>
+                        <a:ea typeface="+mj-ea"/>
+                      </a:endParaRPr>
+                    </a:p>
+                  </a:txBody>
+                  <a:tcPr/>
+                </a:tc>
+                <a:tc>
+                  <a:txBody>
+                    <a:bodyPr/>
+                    <a:lstStyle/>
+                    <a:p>
+                      <a:r>
+                        <a:rPr lang="en-US" altLang="zh-CN" sz="1100">
+                          <a:latin typeface="+mj-ea"/>
+                          <a:ea typeface="+mj-ea"/>
+                        </a:rPr>
+                        <a:t>2015.6</a:t>
                       </a:r>
                       <a:endParaRPr lang="en-US" altLang="zh-CN" sz="1100">
                         <a:latin typeface="+mj-ea"/>
@@ -4869,7 +4931,7 @@
                           <a:latin typeface="+mj-ea"/>
                           <a:ea typeface="+mj-ea"/>
                         </a:rPr>
-                        <a:t>对账系统付款单的生成，付款单</a:t>
+                        <a:t>养车技师端开发，集成聊天功能，论坛功能</a:t>
                       </a:r>
                       <a:endParaRPr lang="zh-CN" altLang="en-US" sz="1100">
                         <a:latin typeface="+mj-ea"/>
@@ -4945,30 +5007,1571 @@
           </a:p>
         </p:txBody>
       </p:sp>
-      <p:pic>
-        <p:nvPicPr>
-          <p:cNvPr id="3" name="图片 2" descr="统一结算单流程图"/>
-          <p:cNvPicPr>
-            <a:picLocks noChangeAspect="1"/>
-          </p:cNvPicPr>
+      <p:grpSp>
+        <p:nvGrpSpPr>
+          <p:cNvPr id="13" name="组合 12"/>
+          <p:cNvGrpSpPr/>
           <p:nvPr/>
-        </p:nvPicPr>
-        <p:blipFill>
-          <a:blip r:embed="rId1"/>
-          <a:stretch>
-            <a:fillRect/>
-          </a:stretch>
-        </p:blipFill>
+        </p:nvGrpSpPr>
+        <p:grpSpPr>
+          <a:xfrm rot="0">
+            <a:off x="551180" y="1483147"/>
+            <a:ext cx="3592924" cy="2878033"/>
+            <a:chOff x="875" y="2366"/>
+            <a:chExt cx="6700" cy="4373"/>
+          </a:xfrm>
+        </p:grpSpPr>
+        <p:sp>
+          <p:nvSpPr>
+            <p:cNvPr id="5" name="流程图: 过程 4"/>
+            <p:cNvSpPr/>
+            <p:nvPr/>
+          </p:nvSpPr>
+          <p:spPr>
+            <a:xfrm>
+              <a:off x="2579" y="4800"/>
+              <a:ext cx="1839" cy="741"/>
+            </a:xfrm>
+            <a:prstGeom prst="flowChartProcess">
+              <a:avLst/>
+            </a:prstGeom>
+            <a:solidFill>
+              <a:schemeClr val="accent5">
+                <a:lumMod val="20000"/>
+                <a:lumOff val="80000"/>
+              </a:schemeClr>
+            </a:solidFill>
+            <a:ln>
+              <a:noFill/>
+            </a:ln>
+          </p:spPr>
+          <p:style>
+            <a:lnRef idx="2">
+              <a:schemeClr val="accent1">
+                <a:shade val="50000"/>
+              </a:schemeClr>
+            </a:lnRef>
+            <a:fillRef idx="1">
+              <a:schemeClr val="accent1"/>
+            </a:fillRef>
+            <a:effectRef idx="0">
+              <a:schemeClr val="accent1"/>
+            </a:effectRef>
+            <a:fontRef idx="minor">
+              <a:schemeClr val="lt1"/>
+            </a:fontRef>
+          </p:style>
+          <p:txBody>
+            <a:bodyPr rtlCol="0" anchor="ctr"/>
+            <a:p>
+              <a:pPr algn="ctr" defTabSz="914400"/>
+              <a:r>
+                <a:rPr kumimoji="0" lang="zh-CN" altLang="en-US" sz="1200" b="0" i="0" u="none" strike="noStrike" kern="0" cap="none" spc="0" normalizeH="0" baseline="0" noProof="0" dirty="0">
+                  <a:ln>
+                    <a:noFill/>
+                  </a:ln>
+                  <a:solidFill>
+                    <a:sysClr val="windowText" lastClr="000000"/>
+                  </a:solidFill>
+                  <a:effectLst/>
+                  <a:uLnTx/>
+                  <a:uFillTx/>
+                  <a:latin typeface="仿宋" panose="02010609060101010101" charset="-122"/>
+                  <a:ea typeface="仿宋" panose="02010609060101010101" charset="-122"/>
+                  <a:cs typeface="+mn-ea"/>
+                  <a:sym typeface="+mn-lt"/>
+                </a:rPr>
+                <a:t>券结算</a:t>
+              </a:r>
+              <a:endParaRPr kumimoji="0" lang="zh-CN" altLang="en-US" sz="1200" b="0" i="0" u="none" strike="noStrike" kern="0" cap="none" spc="0" normalizeH="0" baseline="0" noProof="0" dirty="0">
+                <a:ln>
+                  <a:noFill/>
+                </a:ln>
+                <a:solidFill>
+                  <a:sysClr val="windowText" lastClr="000000"/>
+                </a:solidFill>
+                <a:effectLst/>
+                <a:uLnTx/>
+                <a:uFillTx/>
+                <a:latin typeface="仿宋" panose="02010609060101010101" charset="-122"/>
+                <a:ea typeface="仿宋" panose="02010609060101010101" charset="-122"/>
+                <a:cs typeface="+mn-ea"/>
+                <a:sym typeface="+mn-lt"/>
+              </a:endParaRPr>
+            </a:p>
+          </p:txBody>
+        </p:sp>
+        <p:sp>
+          <p:nvSpPr>
+            <p:cNvPr id="6" name="流程图: 过程 5"/>
+            <p:cNvSpPr/>
+            <p:nvPr/>
+          </p:nvSpPr>
+          <p:spPr>
+            <a:xfrm>
+              <a:off x="2579" y="5771"/>
+              <a:ext cx="4908" cy="968"/>
+            </a:xfrm>
+            <a:prstGeom prst="flowChartProcess">
+              <a:avLst/>
+            </a:prstGeom>
+            <a:solidFill>
+              <a:schemeClr val="accent5">
+                <a:lumMod val="20000"/>
+                <a:lumOff val="80000"/>
+              </a:schemeClr>
+            </a:solidFill>
+            <a:ln>
+              <a:noFill/>
+            </a:ln>
+          </p:spPr>
+          <p:style>
+            <a:lnRef idx="2">
+              <a:schemeClr val="accent1">
+                <a:shade val="50000"/>
+              </a:schemeClr>
+            </a:lnRef>
+            <a:fillRef idx="1">
+              <a:schemeClr val="accent1"/>
+            </a:fillRef>
+            <a:effectRef idx="0">
+              <a:schemeClr val="accent1"/>
+            </a:effectRef>
+            <a:fontRef idx="minor">
+              <a:schemeClr val="lt1"/>
+            </a:fontRef>
+          </p:style>
+          <p:txBody>
+            <a:bodyPr rtlCol="0" anchor="ctr"/>
+            <a:p>
+              <a:pPr algn="ctr" defTabSz="914400"/>
+              <a:r>
+                <a:rPr kumimoji="0" lang="zh-CN" altLang="en-US" sz="1200" b="0" i="0" u="none" strike="noStrike" kern="0" cap="none" spc="0" normalizeH="0" baseline="0" noProof="0" dirty="0">
+                  <a:ln>
+                    <a:noFill/>
+                  </a:ln>
+                  <a:solidFill>
+                    <a:sysClr val="windowText" lastClr="000000"/>
+                  </a:solidFill>
+                  <a:effectLst/>
+                  <a:uLnTx/>
+                  <a:uFillTx/>
+                  <a:latin typeface="仿宋" panose="02010609060101010101" charset="-122"/>
+                  <a:ea typeface="仿宋" panose="02010609060101010101" charset="-122"/>
+                  <a:cs typeface="+mn-ea"/>
+                  <a:sym typeface="+mn-lt"/>
+                </a:rPr>
+                <a:t>基础数据</a:t>
+              </a:r>
+              <a:endParaRPr kumimoji="0" lang="zh-CN" altLang="en-US" sz="1200" b="0" i="0" u="none" strike="noStrike" kern="0" cap="none" spc="0" normalizeH="0" baseline="0" noProof="0" dirty="0">
+                <a:ln>
+                  <a:noFill/>
+                </a:ln>
+                <a:solidFill>
+                  <a:sysClr val="windowText" lastClr="000000"/>
+                </a:solidFill>
+                <a:effectLst/>
+                <a:uLnTx/>
+                <a:uFillTx/>
+                <a:latin typeface="仿宋" panose="02010609060101010101" charset="-122"/>
+                <a:ea typeface="仿宋" panose="02010609060101010101" charset="-122"/>
+                <a:cs typeface="+mn-ea"/>
+                <a:sym typeface="+mn-lt"/>
+              </a:endParaRPr>
+            </a:p>
+          </p:txBody>
+        </p:sp>
+        <p:sp>
+          <p:nvSpPr>
+            <p:cNvPr id="7" name="流程图: 过程 6"/>
+            <p:cNvSpPr/>
+            <p:nvPr/>
+          </p:nvSpPr>
+          <p:spPr>
+            <a:xfrm>
+              <a:off x="2571" y="3566"/>
+              <a:ext cx="1905" cy="779"/>
+            </a:xfrm>
+            <a:prstGeom prst="flowChartProcess">
+              <a:avLst/>
+            </a:prstGeom>
+            <a:solidFill>
+              <a:schemeClr val="accent5">
+                <a:lumMod val="20000"/>
+                <a:lumOff val="80000"/>
+              </a:schemeClr>
+            </a:solidFill>
+            <a:ln>
+              <a:noFill/>
+            </a:ln>
+          </p:spPr>
+          <p:style>
+            <a:lnRef idx="2">
+              <a:schemeClr val="accent1">
+                <a:shade val="50000"/>
+              </a:schemeClr>
+            </a:lnRef>
+            <a:fillRef idx="1">
+              <a:schemeClr val="accent1"/>
+            </a:fillRef>
+            <a:effectRef idx="0">
+              <a:schemeClr val="accent1"/>
+            </a:effectRef>
+            <a:fontRef idx="minor">
+              <a:schemeClr val="lt1"/>
+            </a:fontRef>
+          </p:style>
+          <p:txBody>
+            <a:bodyPr rtlCol="0" anchor="ctr"/>
+            <a:p>
+              <a:pPr algn="ctr" defTabSz="914400"/>
+              <a:r>
+                <a:rPr kumimoji="0" lang="zh-CN" altLang="en-US" sz="1200" b="0" i="0" u="none" strike="noStrike" kern="0" cap="none" spc="0" normalizeH="0" baseline="0" noProof="0" dirty="0">
+                  <a:ln>
+                    <a:noFill/>
+                  </a:ln>
+                  <a:solidFill>
+                    <a:sysClr val="windowText" lastClr="000000"/>
+                  </a:solidFill>
+                  <a:effectLst/>
+                  <a:uLnTx/>
+                  <a:uFillTx/>
+                  <a:latin typeface="仿宋" panose="02010609060101010101" charset="-122"/>
+                  <a:ea typeface="仿宋" panose="02010609060101010101" charset="-122"/>
+                  <a:cs typeface="+mn-ea"/>
+                  <a:sym typeface="+mn-lt"/>
+                </a:rPr>
+                <a:t>订单结算 </a:t>
+              </a:r>
+              <a:endParaRPr kumimoji="0" lang="en-US" altLang="zh-CN" sz="1200" b="0" i="0" u="none" strike="noStrike" kern="0" cap="none" spc="0" normalizeH="0" baseline="0" noProof="0" dirty="0">
+                <a:ln>
+                  <a:noFill/>
+                </a:ln>
+                <a:solidFill>
+                  <a:sysClr val="windowText" lastClr="000000"/>
+                </a:solidFill>
+                <a:effectLst/>
+                <a:uLnTx/>
+                <a:uFillTx/>
+                <a:latin typeface="仿宋" panose="02010609060101010101" charset="-122"/>
+                <a:ea typeface="仿宋" panose="02010609060101010101" charset="-122"/>
+                <a:cs typeface="+mn-ea"/>
+                <a:sym typeface="+mn-lt"/>
+              </a:endParaRPr>
+            </a:p>
+          </p:txBody>
+        </p:sp>
+        <p:sp>
+          <p:nvSpPr>
+            <p:cNvPr id="10" name="流程图: 过程 9"/>
+            <p:cNvSpPr/>
+            <p:nvPr/>
+          </p:nvSpPr>
+          <p:spPr>
+            <a:xfrm>
+              <a:off x="6212" y="3567"/>
+              <a:ext cx="1363" cy="1973"/>
+            </a:xfrm>
+            <a:prstGeom prst="flowChartProcess">
+              <a:avLst/>
+            </a:prstGeom>
+            <a:solidFill>
+              <a:schemeClr val="accent5">
+                <a:lumMod val="20000"/>
+                <a:lumOff val="80000"/>
+              </a:schemeClr>
+            </a:solidFill>
+            <a:ln>
+              <a:noFill/>
+            </a:ln>
+          </p:spPr>
+          <p:style>
+            <a:lnRef idx="2">
+              <a:schemeClr val="accent1">
+                <a:shade val="50000"/>
+              </a:schemeClr>
+            </a:lnRef>
+            <a:fillRef idx="1">
+              <a:schemeClr val="accent1"/>
+            </a:fillRef>
+            <a:effectRef idx="0">
+              <a:schemeClr val="accent1"/>
+            </a:effectRef>
+            <a:fontRef idx="minor">
+              <a:schemeClr val="lt1"/>
+            </a:fontRef>
+          </p:style>
+          <p:txBody>
+            <a:bodyPr rtlCol="0" anchor="ctr"/>
+            <a:p>
+              <a:pPr algn="ctr" defTabSz="914400"/>
+              <a:r>
+                <a:rPr kumimoji="0" lang="zh-CN" altLang="en-US" sz="1200" b="0" i="0" u="none" strike="noStrike" kern="0" cap="none" spc="0" normalizeH="0" baseline="0" noProof="0" dirty="0">
+                  <a:ln>
+                    <a:noFill/>
+                  </a:ln>
+                  <a:solidFill>
+                    <a:sysClr val="windowText" lastClr="000000"/>
+                  </a:solidFill>
+                  <a:effectLst/>
+                  <a:uLnTx/>
+                  <a:uFillTx/>
+                  <a:latin typeface="仿宋" panose="02010609060101010101" charset="-122"/>
+                  <a:ea typeface="仿宋" panose="02010609060101010101" charset="-122"/>
+                  <a:cs typeface="+mn-ea"/>
+                  <a:sym typeface="+mn-lt"/>
+                </a:rPr>
+                <a:t>付款系统</a:t>
+              </a:r>
+              <a:endParaRPr kumimoji="0" lang="zh-CN" altLang="en-US" sz="1200" b="0" i="0" u="none" strike="noStrike" kern="0" cap="none" spc="0" normalizeH="0" baseline="0" noProof="0" dirty="0">
+                <a:ln>
+                  <a:noFill/>
+                </a:ln>
+                <a:solidFill>
+                  <a:sysClr val="windowText" lastClr="000000"/>
+                </a:solidFill>
+                <a:effectLst/>
+                <a:uLnTx/>
+                <a:uFillTx/>
+                <a:latin typeface="仿宋" panose="02010609060101010101" charset="-122"/>
+                <a:ea typeface="仿宋" panose="02010609060101010101" charset="-122"/>
+                <a:cs typeface="+mn-ea"/>
+                <a:sym typeface="+mn-lt"/>
+              </a:endParaRPr>
+            </a:p>
+          </p:txBody>
+        </p:sp>
+        <p:sp>
+          <p:nvSpPr>
+            <p:cNvPr id="11" name="流程图: 过程 10"/>
+            <p:cNvSpPr/>
+            <p:nvPr/>
+          </p:nvSpPr>
+          <p:spPr>
+            <a:xfrm>
+              <a:off x="875" y="2366"/>
+              <a:ext cx="1403" cy="4373"/>
+            </a:xfrm>
+            <a:prstGeom prst="flowChartProcess">
+              <a:avLst/>
+            </a:prstGeom>
+            <a:solidFill>
+              <a:schemeClr val="accent5">
+                <a:lumMod val="20000"/>
+                <a:lumOff val="80000"/>
+              </a:schemeClr>
+            </a:solidFill>
+            <a:ln>
+              <a:noFill/>
+            </a:ln>
+          </p:spPr>
+          <p:style>
+            <a:lnRef idx="2">
+              <a:schemeClr val="accent1">
+                <a:shade val="50000"/>
+              </a:schemeClr>
+            </a:lnRef>
+            <a:fillRef idx="1">
+              <a:schemeClr val="accent1"/>
+            </a:fillRef>
+            <a:effectRef idx="0">
+              <a:schemeClr val="accent1"/>
+            </a:effectRef>
+            <a:fontRef idx="minor">
+              <a:schemeClr val="lt1"/>
+            </a:fontRef>
+          </p:style>
+          <p:txBody>
+            <a:bodyPr rtlCol="0" anchor="ctr"/>
+            <a:p>
+              <a:pPr algn="ctr" defTabSz="914400"/>
+              <a:r>
+                <a:rPr kumimoji="0" lang="zh-CN" altLang="en-US" sz="1200" b="0" i="0" u="none" strike="noStrike" kern="0" cap="none" spc="0" normalizeH="0" baseline="0" noProof="0" dirty="0">
+                  <a:ln>
+                    <a:noFill/>
+                  </a:ln>
+                  <a:solidFill>
+                    <a:sysClr val="windowText" lastClr="000000"/>
+                  </a:solidFill>
+                  <a:effectLst/>
+                  <a:uLnTx/>
+                  <a:uFillTx/>
+                  <a:latin typeface="仿宋" panose="02010609060101010101" charset="-122"/>
+                  <a:ea typeface="仿宋" panose="02010609060101010101" charset="-122"/>
+                  <a:cs typeface="+mn-ea"/>
+                  <a:sym typeface="+mn-lt"/>
+                </a:rPr>
+                <a:t>交易系统</a:t>
+              </a:r>
+              <a:endParaRPr kumimoji="0" lang="zh-CN" altLang="en-US" sz="1200" b="0" i="0" u="none" strike="noStrike" kern="0" cap="none" spc="0" normalizeH="0" baseline="0" noProof="0" dirty="0">
+                <a:ln>
+                  <a:noFill/>
+                </a:ln>
+                <a:solidFill>
+                  <a:sysClr val="windowText" lastClr="000000"/>
+                </a:solidFill>
+                <a:effectLst/>
+                <a:uLnTx/>
+                <a:uFillTx/>
+                <a:latin typeface="仿宋" panose="02010609060101010101" charset="-122"/>
+                <a:ea typeface="仿宋" panose="02010609060101010101" charset="-122"/>
+                <a:cs typeface="+mn-ea"/>
+                <a:sym typeface="+mn-lt"/>
+              </a:endParaRPr>
+            </a:p>
+          </p:txBody>
+        </p:sp>
+      </p:grpSp>
+      <p:grpSp>
+        <p:nvGrpSpPr>
+          <p:cNvPr id="20" name="组合 19"/>
+          <p:cNvGrpSpPr/>
+          <p:nvPr/>
+        </p:nvGrpSpPr>
+        <p:grpSpPr>
+          <a:xfrm>
+            <a:off x="4688205" y="1441450"/>
+            <a:ext cx="3959225" cy="2962910"/>
+            <a:chOff x="940" y="2280"/>
+            <a:chExt cx="6850" cy="4502"/>
+          </a:xfrm>
+        </p:grpSpPr>
+        <p:grpSp>
+          <p:nvGrpSpPr>
+            <p:cNvPr id="21" name="组合 20"/>
+            <p:cNvGrpSpPr/>
+            <p:nvPr/>
+          </p:nvGrpSpPr>
+          <p:grpSpPr>
+            <a:xfrm>
+              <a:off x="940" y="2281"/>
+              <a:ext cx="6835" cy="4501"/>
+              <a:chOff x="875" y="2238"/>
+              <a:chExt cx="6835" cy="4501"/>
+            </a:xfrm>
+          </p:grpSpPr>
+          <p:sp>
+            <p:nvSpPr>
+              <p:cNvPr id="22" name="流程图: 过程 21"/>
+              <p:cNvSpPr/>
+              <p:nvPr/>
+            </p:nvSpPr>
+            <p:spPr>
+              <a:xfrm>
+                <a:off x="3697" y="4602"/>
+                <a:ext cx="1431" cy="968"/>
+              </a:xfrm>
+              <a:prstGeom prst="flowChartProcess">
+                <a:avLst/>
+              </a:prstGeom>
+              <a:solidFill>
+                <a:schemeClr val="accent5">
+                  <a:lumMod val="20000"/>
+                  <a:lumOff val="80000"/>
+                </a:schemeClr>
+              </a:solidFill>
+              <a:ln>
+                <a:noFill/>
+              </a:ln>
+            </p:spPr>
+            <p:style>
+              <a:lnRef idx="2">
+                <a:schemeClr val="accent1">
+                  <a:shade val="50000"/>
+                </a:schemeClr>
+              </a:lnRef>
+              <a:fillRef idx="1">
+                <a:schemeClr val="accent1"/>
+              </a:fillRef>
+              <a:effectRef idx="0">
+                <a:schemeClr val="accent1"/>
+              </a:effectRef>
+              <a:fontRef idx="minor">
+                <a:schemeClr val="lt1"/>
+              </a:fontRef>
+            </p:style>
+            <p:txBody>
+              <a:bodyPr rtlCol="0" anchor="ctr"/>
+              <a:p>
+                <a:pPr algn="ctr" defTabSz="914400"/>
+                <a:r>
+                  <a:rPr kumimoji="0" lang="zh-CN" altLang="en-US" sz="1200" b="0" i="0" u="none" strike="noStrike" kern="0" cap="none" spc="0" normalizeH="0" baseline="0" noProof="0" dirty="0">
+                    <a:ln>
+                      <a:noFill/>
+                    </a:ln>
+                    <a:solidFill>
+                      <a:sysClr val="windowText" lastClr="000000"/>
+                    </a:solidFill>
+                    <a:effectLst/>
+                    <a:uLnTx/>
+                    <a:uFillTx/>
+                    <a:latin typeface="仿宋" panose="02010609060101010101" charset="-122"/>
+                    <a:ea typeface="仿宋" panose="02010609060101010101" charset="-122"/>
+                    <a:cs typeface="+mn-ea"/>
+                    <a:sym typeface="+mn-lt"/>
+                  </a:rPr>
+                  <a:t>券结算</a:t>
+                </a:r>
+                <a:endParaRPr kumimoji="0" lang="zh-CN" altLang="en-US" sz="1200" b="0" i="0" u="none" strike="noStrike" kern="0" cap="none" spc="0" normalizeH="0" baseline="0" noProof="0" dirty="0">
+                  <a:ln>
+                    <a:noFill/>
+                  </a:ln>
+                  <a:solidFill>
+                    <a:sysClr val="windowText" lastClr="000000"/>
+                  </a:solidFill>
+                  <a:effectLst/>
+                  <a:uLnTx/>
+                  <a:uFillTx/>
+                  <a:latin typeface="仿宋" panose="02010609060101010101" charset="-122"/>
+                  <a:ea typeface="仿宋" panose="02010609060101010101" charset="-122"/>
+                  <a:cs typeface="+mn-ea"/>
+                  <a:sym typeface="+mn-lt"/>
+                </a:endParaRPr>
+              </a:p>
+            </p:txBody>
+          </p:sp>
+          <p:sp>
+            <p:nvSpPr>
+              <p:cNvPr id="23" name="流程图: 过程 22"/>
+              <p:cNvSpPr/>
+              <p:nvPr/>
+            </p:nvSpPr>
+            <p:spPr>
+              <a:xfrm>
+                <a:off x="2741" y="5771"/>
+                <a:ext cx="4969" cy="968"/>
+              </a:xfrm>
+              <a:prstGeom prst="flowChartProcess">
+                <a:avLst/>
+              </a:prstGeom>
+              <a:solidFill>
+                <a:schemeClr val="accent5">
+                  <a:lumMod val="20000"/>
+                  <a:lumOff val="80000"/>
+                </a:schemeClr>
+              </a:solidFill>
+              <a:ln>
+                <a:noFill/>
+              </a:ln>
+            </p:spPr>
+            <p:style>
+              <a:lnRef idx="2">
+                <a:schemeClr val="accent1">
+                  <a:shade val="50000"/>
+                </a:schemeClr>
+              </a:lnRef>
+              <a:fillRef idx="1">
+                <a:schemeClr val="accent1"/>
+              </a:fillRef>
+              <a:effectRef idx="0">
+                <a:schemeClr val="accent1"/>
+              </a:effectRef>
+              <a:fontRef idx="minor">
+                <a:schemeClr val="lt1"/>
+              </a:fontRef>
+            </p:style>
+            <p:txBody>
+              <a:bodyPr rtlCol="0" anchor="ctr"/>
+              <a:p>
+                <a:pPr algn="ctr" defTabSz="914400"/>
+                <a:r>
+                  <a:rPr kumimoji="0" lang="zh-CN" altLang="en-US" sz="1200" b="0" i="0" u="none" strike="noStrike" kern="0" cap="none" spc="0" normalizeH="0" baseline="0" noProof="0" dirty="0">
+                    <a:ln>
+                      <a:noFill/>
+                    </a:ln>
+                    <a:solidFill>
+                      <a:sysClr val="windowText" lastClr="000000"/>
+                    </a:solidFill>
+                    <a:effectLst/>
+                    <a:uLnTx/>
+                    <a:uFillTx/>
+                    <a:latin typeface="仿宋" panose="02010609060101010101" charset="-122"/>
+                    <a:ea typeface="仿宋" panose="02010609060101010101" charset="-122"/>
+                    <a:cs typeface="+mn-ea"/>
+                    <a:sym typeface="+mn-lt"/>
+                  </a:rPr>
+                  <a:t>基础数据</a:t>
+                </a:r>
+                <a:endParaRPr kumimoji="0" lang="zh-CN" altLang="en-US" sz="1200" b="0" i="0" u="none" strike="noStrike" kern="0" cap="none" spc="0" normalizeH="0" baseline="0" noProof="0" dirty="0">
+                  <a:ln>
+                    <a:noFill/>
+                  </a:ln>
+                  <a:solidFill>
+                    <a:sysClr val="windowText" lastClr="000000"/>
+                  </a:solidFill>
+                  <a:effectLst/>
+                  <a:uLnTx/>
+                  <a:uFillTx/>
+                  <a:latin typeface="仿宋" panose="02010609060101010101" charset="-122"/>
+                  <a:ea typeface="仿宋" panose="02010609060101010101" charset="-122"/>
+                  <a:cs typeface="+mn-ea"/>
+                  <a:sym typeface="+mn-lt"/>
+                </a:endParaRPr>
+              </a:p>
+            </p:txBody>
+          </p:sp>
+          <p:sp>
+            <p:nvSpPr>
+              <p:cNvPr id="24" name="流程图: 过程 23"/>
+              <p:cNvSpPr/>
+              <p:nvPr/>
+            </p:nvSpPr>
+            <p:spPr>
+              <a:xfrm>
+                <a:off x="2740" y="3363"/>
+                <a:ext cx="786" cy="2236"/>
+              </a:xfrm>
+              <a:prstGeom prst="flowChartProcess">
+                <a:avLst/>
+              </a:prstGeom>
+              <a:solidFill>
+                <a:schemeClr val="accent5">
+                  <a:lumMod val="20000"/>
+                  <a:lumOff val="80000"/>
+                </a:schemeClr>
+              </a:solidFill>
+              <a:ln>
+                <a:noFill/>
+              </a:ln>
+            </p:spPr>
+            <p:style>
+              <a:lnRef idx="2">
+                <a:schemeClr val="accent1">
+                  <a:shade val="50000"/>
+                </a:schemeClr>
+              </a:lnRef>
+              <a:fillRef idx="1">
+                <a:schemeClr val="accent1"/>
+              </a:fillRef>
+              <a:effectRef idx="0">
+                <a:schemeClr val="accent1"/>
+              </a:effectRef>
+              <a:fontRef idx="minor">
+                <a:schemeClr val="lt1"/>
+              </a:fontRef>
+            </p:style>
+            <p:txBody>
+              <a:bodyPr rtlCol="0" anchor="ctr"/>
+              <a:p>
+                <a:pPr algn="ctr" defTabSz="914400"/>
+                <a:r>
+                  <a:rPr kumimoji="0" lang="zh-CN" altLang="en-US" sz="1200" b="0" i="0" u="none" strike="noStrike" kern="0" cap="none" spc="0" normalizeH="0" baseline="0" noProof="0" dirty="0">
+                    <a:ln>
+                      <a:noFill/>
+                    </a:ln>
+                    <a:solidFill>
+                      <a:sysClr val="windowText" lastClr="000000"/>
+                    </a:solidFill>
+                    <a:effectLst/>
+                    <a:uLnTx/>
+                    <a:uFillTx/>
+                    <a:latin typeface="仿宋" panose="02010609060101010101" charset="-122"/>
+                    <a:ea typeface="仿宋" panose="02010609060101010101" charset="-122"/>
+                    <a:cs typeface="+mn-ea"/>
+                    <a:sym typeface="+mn-lt"/>
+                  </a:rPr>
+                  <a:t>统一接单系统 </a:t>
+                </a:r>
+                <a:endParaRPr kumimoji="0" lang="en-US" altLang="zh-CN" sz="1200" b="0" i="0" u="none" strike="noStrike" kern="0" cap="none" spc="0" normalizeH="0" baseline="0" noProof="0" dirty="0">
+                  <a:ln>
+                    <a:noFill/>
+                  </a:ln>
+                  <a:solidFill>
+                    <a:sysClr val="windowText" lastClr="000000"/>
+                  </a:solidFill>
+                  <a:effectLst/>
+                  <a:uLnTx/>
+                  <a:uFillTx/>
+                  <a:latin typeface="仿宋" panose="02010609060101010101" charset="-122"/>
+                  <a:ea typeface="仿宋" panose="02010609060101010101" charset="-122"/>
+                  <a:cs typeface="+mn-ea"/>
+                  <a:sym typeface="+mn-lt"/>
+                </a:endParaRPr>
+              </a:p>
+            </p:txBody>
+          </p:sp>
+          <p:sp>
+            <p:nvSpPr>
+              <p:cNvPr id="25" name="流程图: 过程 24"/>
+              <p:cNvSpPr/>
+              <p:nvPr/>
+            </p:nvSpPr>
+            <p:spPr>
+              <a:xfrm>
+                <a:off x="2739" y="2238"/>
+                <a:ext cx="2103" cy="968"/>
+              </a:xfrm>
+              <a:prstGeom prst="flowChartProcess">
+                <a:avLst/>
+              </a:prstGeom>
+              <a:solidFill>
+                <a:schemeClr val="accent5">
+                  <a:lumMod val="20000"/>
+                  <a:lumOff val="80000"/>
+                </a:schemeClr>
+              </a:solidFill>
+              <a:ln>
+                <a:noFill/>
+              </a:ln>
+            </p:spPr>
+            <p:style>
+              <a:lnRef idx="2">
+                <a:schemeClr val="accent1">
+                  <a:shade val="50000"/>
+                </a:schemeClr>
+              </a:lnRef>
+              <a:fillRef idx="1">
+                <a:schemeClr val="accent1"/>
+              </a:fillRef>
+              <a:effectRef idx="0">
+                <a:schemeClr val="accent1"/>
+              </a:effectRef>
+              <a:fontRef idx="minor">
+                <a:schemeClr val="lt1"/>
+              </a:fontRef>
+            </p:style>
+            <p:txBody>
+              <a:bodyPr rtlCol="0" anchor="ctr"/>
+              <a:p>
+                <a:pPr algn="ctr" defTabSz="914400"/>
+                <a:r>
+                  <a:rPr kumimoji="0" lang="zh-CN" altLang="en-US" sz="1200" b="0" i="0" u="none" strike="noStrike" kern="0" cap="none" spc="0" normalizeH="0" baseline="0" noProof="0" dirty="0">
+                    <a:ln>
+                      <a:noFill/>
+                    </a:ln>
+                    <a:solidFill>
+                      <a:sysClr val="windowText" lastClr="000000"/>
+                    </a:solidFill>
+                    <a:effectLst/>
+                    <a:uLnTx/>
+                    <a:uFillTx/>
+                    <a:latin typeface="仿宋" panose="02010609060101010101" charset="-122"/>
+                    <a:ea typeface="仿宋" panose="02010609060101010101" charset="-122"/>
+                    <a:cs typeface="+mn-ea"/>
+                    <a:sym typeface="+mn-lt"/>
+                  </a:rPr>
+                  <a:t>清算系统</a:t>
+                </a:r>
+                <a:endParaRPr kumimoji="0" lang="zh-CN" altLang="en-US" sz="1200" b="0" i="0" u="none" strike="noStrike" kern="0" cap="none" spc="0" normalizeH="0" baseline="0" noProof="0" dirty="0">
+                  <a:ln>
+                    <a:noFill/>
+                  </a:ln>
+                  <a:solidFill>
+                    <a:sysClr val="windowText" lastClr="000000"/>
+                  </a:solidFill>
+                  <a:effectLst/>
+                  <a:uLnTx/>
+                  <a:uFillTx/>
+                  <a:latin typeface="仿宋" panose="02010609060101010101" charset="-122"/>
+                  <a:ea typeface="仿宋" panose="02010609060101010101" charset="-122"/>
+                  <a:cs typeface="+mn-ea"/>
+                  <a:sym typeface="+mn-lt"/>
+                </a:endParaRPr>
+              </a:p>
+            </p:txBody>
+          </p:sp>
+          <p:sp>
+            <p:nvSpPr>
+              <p:cNvPr id="26" name="流程图: 过程 25"/>
+              <p:cNvSpPr/>
+              <p:nvPr/>
+            </p:nvSpPr>
+            <p:spPr>
+              <a:xfrm>
+                <a:off x="3711" y="3363"/>
+                <a:ext cx="1404" cy="882"/>
+              </a:xfrm>
+              <a:prstGeom prst="flowChartProcess">
+                <a:avLst/>
+              </a:prstGeom>
+              <a:solidFill>
+                <a:schemeClr val="accent5">
+                  <a:lumMod val="20000"/>
+                  <a:lumOff val="80000"/>
+                </a:schemeClr>
+              </a:solidFill>
+              <a:ln>
+                <a:noFill/>
+              </a:ln>
+            </p:spPr>
+            <p:style>
+              <a:lnRef idx="2">
+                <a:schemeClr val="accent1">
+                  <a:shade val="50000"/>
+                </a:schemeClr>
+              </a:lnRef>
+              <a:fillRef idx="1">
+                <a:schemeClr val="accent1"/>
+              </a:fillRef>
+              <a:effectRef idx="0">
+                <a:schemeClr val="accent1"/>
+              </a:effectRef>
+              <a:fontRef idx="minor">
+                <a:schemeClr val="lt1"/>
+              </a:fontRef>
+            </p:style>
+            <p:txBody>
+              <a:bodyPr rtlCol="0" anchor="ctr"/>
+              <a:p>
+                <a:pPr algn="ctr" defTabSz="914400"/>
+                <a:r>
+                  <a:rPr lang="zh-CN" altLang="en-US" sz="1200" kern="0" noProof="0" dirty="0">
+                    <a:ln>
+                      <a:noFill/>
+                    </a:ln>
+                    <a:solidFill>
+                      <a:sysClr val="windowText" lastClr="000000"/>
+                    </a:solidFill>
+                    <a:effectLst/>
+                    <a:uLnTx/>
+                    <a:uFillTx/>
+                    <a:latin typeface="仿宋" panose="02010609060101010101" charset="-122"/>
+                    <a:ea typeface="仿宋" panose="02010609060101010101" charset="-122"/>
+                    <a:cs typeface="+mn-ea"/>
+                    <a:sym typeface="+mn-lt"/>
+                  </a:rPr>
+                  <a:t>订单结算</a:t>
+                </a:r>
+                <a:endParaRPr kumimoji="0" lang="zh-CN" altLang="en-US" sz="1200" b="0" i="0" u="none" strike="noStrike" kern="0" cap="none" spc="0" normalizeH="0" baseline="0" noProof="0" dirty="0">
+                  <a:ln>
+                    <a:noFill/>
+                  </a:ln>
+                  <a:solidFill>
+                    <a:sysClr val="windowText" lastClr="000000"/>
+                  </a:solidFill>
+                  <a:effectLst/>
+                  <a:uLnTx/>
+                  <a:uFillTx/>
+                  <a:latin typeface="仿宋" panose="02010609060101010101" charset="-122"/>
+                  <a:ea typeface="仿宋" panose="02010609060101010101" charset="-122"/>
+                  <a:cs typeface="+mn-ea"/>
+                  <a:sym typeface="+mn-lt"/>
+                </a:endParaRPr>
+              </a:p>
+            </p:txBody>
+          </p:sp>
+          <p:sp>
+            <p:nvSpPr>
+              <p:cNvPr id="27" name="流程图: 过程 26"/>
+              <p:cNvSpPr/>
+              <p:nvPr/>
+            </p:nvSpPr>
+            <p:spPr>
+              <a:xfrm>
+                <a:off x="6830" y="3415"/>
+                <a:ext cx="662" cy="2206"/>
+              </a:xfrm>
+              <a:prstGeom prst="flowChartProcess">
+                <a:avLst/>
+              </a:prstGeom>
+              <a:solidFill>
+                <a:schemeClr val="accent5">
+                  <a:lumMod val="20000"/>
+                  <a:lumOff val="80000"/>
+                </a:schemeClr>
+              </a:solidFill>
+              <a:ln>
+                <a:noFill/>
+              </a:ln>
+            </p:spPr>
+            <p:style>
+              <a:lnRef idx="2">
+                <a:schemeClr val="accent1">
+                  <a:shade val="50000"/>
+                </a:schemeClr>
+              </a:lnRef>
+              <a:fillRef idx="1">
+                <a:schemeClr val="accent1"/>
+              </a:fillRef>
+              <a:effectRef idx="0">
+                <a:schemeClr val="accent1"/>
+              </a:effectRef>
+              <a:fontRef idx="minor">
+                <a:schemeClr val="lt1"/>
+              </a:fontRef>
+            </p:style>
+            <p:txBody>
+              <a:bodyPr rtlCol="0" anchor="ctr"/>
+              <a:p>
+                <a:pPr algn="ctr" defTabSz="914400"/>
+                <a:r>
+                  <a:rPr kumimoji="0" lang="zh-CN" altLang="en-US" sz="1200" b="0" i="0" u="none" strike="noStrike" kern="0" cap="none" spc="0" normalizeH="0" baseline="0" noProof="0" dirty="0">
+                    <a:ln>
+                      <a:noFill/>
+                    </a:ln>
+                    <a:solidFill>
+                      <a:sysClr val="windowText" lastClr="000000"/>
+                    </a:solidFill>
+                    <a:effectLst/>
+                    <a:uLnTx/>
+                    <a:uFillTx/>
+                    <a:latin typeface="仿宋" panose="02010609060101010101" charset="-122"/>
+                    <a:ea typeface="仿宋" panose="02010609060101010101" charset="-122"/>
+                    <a:cs typeface="+mn-ea"/>
+                    <a:sym typeface="+mn-lt"/>
+                  </a:rPr>
+                  <a:t>付款系统</a:t>
+                </a:r>
+                <a:endParaRPr kumimoji="0" lang="zh-CN" altLang="en-US" sz="1200" b="0" i="0" u="none" strike="noStrike" kern="0" cap="none" spc="0" normalizeH="0" baseline="0" noProof="0" dirty="0">
+                  <a:ln>
+                    <a:noFill/>
+                  </a:ln>
+                  <a:solidFill>
+                    <a:sysClr val="windowText" lastClr="000000"/>
+                  </a:solidFill>
+                  <a:effectLst/>
+                  <a:uLnTx/>
+                  <a:uFillTx/>
+                  <a:latin typeface="仿宋" panose="02010609060101010101" charset="-122"/>
+                  <a:ea typeface="仿宋" panose="02010609060101010101" charset="-122"/>
+                  <a:cs typeface="+mn-ea"/>
+                  <a:sym typeface="+mn-lt"/>
+                </a:endParaRPr>
+              </a:p>
+            </p:txBody>
+          </p:sp>
+          <p:sp>
+            <p:nvSpPr>
+              <p:cNvPr id="28" name="流程图: 过程 27"/>
+              <p:cNvSpPr/>
+              <p:nvPr/>
+            </p:nvSpPr>
+            <p:spPr>
+              <a:xfrm>
+                <a:off x="875" y="2238"/>
+                <a:ext cx="1403" cy="4501"/>
+              </a:xfrm>
+              <a:prstGeom prst="flowChartProcess">
+                <a:avLst/>
+              </a:prstGeom>
+              <a:solidFill>
+                <a:schemeClr val="accent5">
+                  <a:lumMod val="20000"/>
+                  <a:lumOff val="80000"/>
+                </a:schemeClr>
+              </a:solidFill>
+              <a:ln>
+                <a:noFill/>
+              </a:ln>
+            </p:spPr>
+            <p:style>
+              <a:lnRef idx="2">
+                <a:schemeClr val="accent1">
+                  <a:shade val="50000"/>
+                </a:schemeClr>
+              </a:lnRef>
+              <a:fillRef idx="1">
+                <a:schemeClr val="accent1"/>
+              </a:fillRef>
+              <a:effectRef idx="0">
+                <a:schemeClr val="accent1"/>
+              </a:effectRef>
+              <a:fontRef idx="minor">
+                <a:schemeClr val="lt1"/>
+              </a:fontRef>
+            </p:style>
+            <p:txBody>
+              <a:bodyPr rtlCol="0" anchor="ctr"/>
+              <a:p>
+                <a:pPr algn="ctr" defTabSz="914400"/>
+                <a:r>
+                  <a:rPr kumimoji="0" lang="zh-CN" altLang="en-US" sz="1200" b="0" i="0" u="none" strike="noStrike" kern="0" cap="none" spc="0" normalizeH="0" baseline="0" noProof="0" dirty="0">
+                    <a:ln>
+                      <a:noFill/>
+                    </a:ln>
+                    <a:solidFill>
+                      <a:sysClr val="windowText" lastClr="000000"/>
+                    </a:solidFill>
+                    <a:effectLst/>
+                    <a:uLnTx/>
+                    <a:uFillTx/>
+                    <a:latin typeface="仿宋" panose="02010609060101010101" charset="-122"/>
+                    <a:ea typeface="仿宋" panose="02010609060101010101" charset="-122"/>
+                    <a:cs typeface="+mn-ea"/>
+                    <a:sym typeface="+mn-lt"/>
+                  </a:rPr>
+                  <a:t>交易系统</a:t>
+                </a:r>
+                <a:endParaRPr kumimoji="0" lang="zh-CN" altLang="en-US" sz="1200" b="0" i="0" u="none" strike="noStrike" kern="0" cap="none" spc="0" normalizeH="0" baseline="0" noProof="0" dirty="0">
+                  <a:ln>
+                    <a:noFill/>
+                  </a:ln>
+                  <a:solidFill>
+                    <a:sysClr val="windowText" lastClr="000000"/>
+                  </a:solidFill>
+                  <a:effectLst/>
+                  <a:uLnTx/>
+                  <a:uFillTx/>
+                  <a:latin typeface="仿宋" panose="02010609060101010101" charset="-122"/>
+                  <a:ea typeface="仿宋" panose="02010609060101010101" charset="-122"/>
+                  <a:cs typeface="+mn-ea"/>
+                  <a:sym typeface="+mn-lt"/>
+                </a:endParaRPr>
+              </a:p>
+            </p:txBody>
+          </p:sp>
+        </p:grpSp>
+        <p:sp>
+          <p:nvSpPr>
+            <p:cNvPr id="30" name="流程图: 过程 29"/>
+            <p:cNvSpPr/>
+            <p:nvPr/>
+          </p:nvSpPr>
+          <p:spPr>
+            <a:xfrm>
+              <a:off x="6662" y="2280"/>
+              <a:ext cx="1128" cy="968"/>
+            </a:xfrm>
+            <a:prstGeom prst="flowChartProcess">
+              <a:avLst/>
+            </a:prstGeom>
+            <a:solidFill>
+              <a:schemeClr val="accent5">
+                <a:lumMod val="20000"/>
+                <a:lumOff val="80000"/>
+              </a:schemeClr>
+            </a:solidFill>
+            <a:ln>
+              <a:noFill/>
+            </a:ln>
+          </p:spPr>
+          <p:style>
+            <a:lnRef idx="2">
+              <a:schemeClr val="accent1">
+                <a:shade val="50000"/>
+              </a:schemeClr>
+            </a:lnRef>
+            <a:fillRef idx="1">
+              <a:schemeClr val="accent1"/>
+            </a:fillRef>
+            <a:effectRef idx="0">
+              <a:schemeClr val="accent1"/>
+            </a:effectRef>
+            <a:fontRef idx="minor">
+              <a:schemeClr val="lt1"/>
+            </a:fontRef>
+          </p:style>
+          <p:txBody>
+            <a:bodyPr rtlCol="0" anchor="ctr"/>
+            <a:p>
+              <a:pPr algn="ctr" defTabSz="914400"/>
+              <a:r>
+                <a:rPr kumimoji="0" lang="zh-CN" altLang="en-US" sz="1200" b="0" i="0" u="none" strike="noStrike" kern="0" cap="none" spc="0" normalizeH="0" baseline="0" noProof="0" dirty="0">
+                  <a:ln>
+                    <a:noFill/>
+                  </a:ln>
+                  <a:solidFill>
+                    <a:sysClr val="windowText" lastClr="000000"/>
+                  </a:solidFill>
+                  <a:effectLst/>
+                  <a:uLnTx/>
+                  <a:uFillTx/>
+                  <a:latin typeface="仿宋" panose="02010609060101010101" charset="-122"/>
+                  <a:ea typeface="仿宋" panose="02010609060101010101" charset="-122"/>
+                  <a:cs typeface="+mn-ea"/>
+                  <a:sym typeface="+mn-lt"/>
+                </a:rPr>
+                <a:t>风控系统</a:t>
+              </a:r>
+              <a:endParaRPr kumimoji="0" lang="zh-CN" altLang="en-US" sz="1200" b="0" i="0" u="none" strike="noStrike" kern="0" cap="none" spc="0" normalizeH="0" baseline="0" noProof="0" dirty="0">
+                <a:ln>
+                  <a:noFill/>
+                </a:ln>
+                <a:solidFill>
+                  <a:sysClr val="windowText" lastClr="000000"/>
+                </a:solidFill>
+                <a:effectLst/>
+                <a:uLnTx/>
+                <a:uFillTx/>
+                <a:latin typeface="仿宋" panose="02010609060101010101" charset="-122"/>
+                <a:ea typeface="仿宋" panose="02010609060101010101" charset="-122"/>
+                <a:cs typeface="+mn-ea"/>
+                <a:sym typeface="+mn-lt"/>
+              </a:endParaRPr>
+            </a:p>
+          </p:txBody>
+        </p:sp>
+        <p:sp>
+          <p:nvSpPr>
+            <p:cNvPr id="31" name="流程图: 过程 30"/>
+            <p:cNvSpPr/>
+            <p:nvPr/>
+          </p:nvSpPr>
+          <p:spPr>
+            <a:xfrm>
+              <a:off x="5705" y="3406"/>
+              <a:ext cx="688" cy="2236"/>
+            </a:xfrm>
+            <a:prstGeom prst="flowChartProcess">
+              <a:avLst/>
+            </a:prstGeom>
+            <a:solidFill>
+              <a:schemeClr val="accent5">
+                <a:lumMod val="20000"/>
+                <a:lumOff val="80000"/>
+              </a:schemeClr>
+            </a:solidFill>
+            <a:ln>
+              <a:noFill/>
+            </a:ln>
+          </p:spPr>
+          <p:style>
+            <a:lnRef idx="2">
+              <a:schemeClr val="accent1">
+                <a:shade val="50000"/>
+              </a:schemeClr>
+            </a:lnRef>
+            <a:fillRef idx="1">
+              <a:schemeClr val="accent1"/>
+            </a:fillRef>
+            <a:effectRef idx="0">
+              <a:schemeClr val="accent1"/>
+            </a:effectRef>
+            <a:fontRef idx="minor">
+              <a:schemeClr val="lt1"/>
+            </a:fontRef>
+          </p:style>
+          <p:txBody>
+            <a:bodyPr rtlCol="0" anchor="ctr"/>
+            <a:p>
+              <a:pPr algn="ctr" defTabSz="914400"/>
+              <a:r>
+                <a:rPr kumimoji="0" lang="zh-CN" altLang="en-US" sz="1200" b="0" i="0" u="none" strike="noStrike" kern="0" cap="none" spc="0" normalizeH="0" baseline="0" noProof="0" dirty="0">
+                  <a:ln>
+                    <a:noFill/>
+                  </a:ln>
+                  <a:solidFill>
+                    <a:sysClr val="windowText" lastClr="000000"/>
+                  </a:solidFill>
+                  <a:effectLst/>
+                  <a:uLnTx/>
+                  <a:uFillTx/>
+                  <a:latin typeface="仿宋" panose="02010609060101010101" charset="-122"/>
+                  <a:ea typeface="仿宋" panose="02010609060101010101" charset="-122"/>
+                  <a:cs typeface="+mn-ea"/>
+                  <a:sym typeface="+mn-lt"/>
+                </a:rPr>
+                <a:t>统一对账系统</a:t>
+              </a:r>
+              <a:endParaRPr kumimoji="0" lang="zh-CN" altLang="en-US" sz="1200" b="0" i="0" u="none" strike="noStrike" kern="0" cap="none" spc="0" normalizeH="0" baseline="0" noProof="0" dirty="0">
+                <a:ln>
+                  <a:noFill/>
+                </a:ln>
+                <a:solidFill>
+                  <a:sysClr val="windowText" lastClr="000000"/>
+                </a:solidFill>
+                <a:effectLst/>
+                <a:uLnTx/>
+                <a:uFillTx/>
+                <a:latin typeface="仿宋" panose="02010609060101010101" charset="-122"/>
+                <a:ea typeface="仿宋" panose="02010609060101010101" charset="-122"/>
+                <a:cs typeface="+mn-ea"/>
+                <a:sym typeface="+mn-lt"/>
+              </a:endParaRPr>
+            </a:p>
+          </p:txBody>
+        </p:sp>
+        <p:sp>
+          <p:nvSpPr>
+            <p:cNvPr id="32" name="流程图: 过程 31"/>
+            <p:cNvSpPr/>
+            <p:nvPr/>
+          </p:nvSpPr>
+          <p:spPr>
+            <a:xfrm>
+              <a:off x="5095" y="2280"/>
+              <a:ext cx="1297" cy="968"/>
+            </a:xfrm>
+            <a:prstGeom prst="flowChartProcess">
+              <a:avLst/>
+            </a:prstGeom>
+            <a:solidFill>
+              <a:schemeClr val="accent5">
+                <a:lumMod val="20000"/>
+                <a:lumOff val="80000"/>
+              </a:schemeClr>
+            </a:solidFill>
+            <a:ln>
+              <a:noFill/>
+            </a:ln>
+          </p:spPr>
+          <p:style>
+            <a:lnRef idx="2">
+              <a:schemeClr val="accent1">
+                <a:shade val="50000"/>
+              </a:schemeClr>
+            </a:lnRef>
+            <a:fillRef idx="1">
+              <a:schemeClr val="accent1"/>
+            </a:fillRef>
+            <a:effectRef idx="0">
+              <a:schemeClr val="accent1"/>
+            </a:effectRef>
+            <a:fontRef idx="minor">
+              <a:schemeClr val="lt1"/>
+            </a:fontRef>
+          </p:style>
+          <p:txBody>
+            <a:bodyPr rtlCol="0" anchor="ctr"/>
+            <a:p>
+              <a:pPr algn="ctr" defTabSz="914400"/>
+              <a:r>
+                <a:rPr kumimoji="0" lang="zh-CN" altLang="en-US" sz="1200" b="0" i="0" u="none" strike="noStrike" kern="0" cap="none" spc="0" normalizeH="0" baseline="0" noProof="0" dirty="0">
+                  <a:ln>
+                    <a:noFill/>
+                  </a:ln>
+                  <a:solidFill>
+                    <a:sysClr val="windowText" lastClr="000000"/>
+                  </a:solidFill>
+                  <a:effectLst/>
+                  <a:uLnTx/>
+                  <a:uFillTx/>
+                  <a:latin typeface="仿宋" panose="02010609060101010101" charset="-122"/>
+                  <a:ea typeface="仿宋" panose="02010609060101010101" charset="-122"/>
+                  <a:cs typeface="+mn-ea"/>
+                  <a:sym typeface="+mn-lt"/>
+                </a:rPr>
+                <a:t>调账系统</a:t>
+              </a:r>
+              <a:endParaRPr kumimoji="0" lang="zh-CN" altLang="en-US" sz="1200" b="0" i="0" u="none" strike="noStrike" kern="0" cap="none" spc="0" normalizeH="0" baseline="0" noProof="0" dirty="0">
+                <a:ln>
+                  <a:noFill/>
+                </a:ln>
+                <a:solidFill>
+                  <a:sysClr val="windowText" lastClr="000000"/>
+                </a:solidFill>
+                <a:effectLst/>
+                <a:uLnTx/>
+                <a:uFillTx/>
+                <a:latin typeface="仿宋" panose="02010609060101010101" charset="-122"/>
+                <a:ea typeface="仿宋" panose="02010609060101010101" charset="-122"/>
+                <a:cs typeface="+mn-ea"/>
+                <a:sym typeface="+mn-lt"/>
+              </a:endParaRPr>
+            </a:p>
+          </p:txBody>
+        </p:sp>
+      </p:grpSp>
+      <p:sp>
+        <p:nvSpPr>
+          <p:cNvPr id="33" name="流程图: 过程 32"/>
+          <p:cNvSpPr/>
+          <p:nvPr/>
+        </p:nvSpPr>
         <p:spPr>
           <a:xfrm>
-            <a:off x="213360" y="1163955"/>
-            <a:ext cx="8638540" cy="3338195"/>
+            <a:off x="1452245" y="1483360"/>
+            <a:ext cx="927100" cy="636905"/>
           </a:xfrm>
-          <a:prstGeom prst="rect">
+          <a:prstGeom prst="flowChartProcess">
             <a:avLst/>
           </a:prstGeom>
+          <a:solidFill>
+            <a:schemeClr val="accent5">
+              <a:lumMod val="20000"/>
+              <a:lumOff val="80000"/>
+            </a:schemeClr>
+          </a:solidFill>
+          <a:ln>
+            <a:noFill/>
+          </a:ln>
         </p:spPr>
-      </p:pic>
+        <p:style>
+          <a:lnRef idx="2">
+            <a:schemeClr val="accent1">
+              <a:shade val="50000"/>
+            </a:schemeClr>
+          </a:lnRef>
+          <a:fillRef idx="1">
+            <a:schemeClr val="accent1"/>
+          </a:fillRef>
+          <a:effectRef idx="0">
+            <a:schemeClr val="accent1"/>
+          </a:effectRef>
+          <a:fontRef idx="minor">
+            <a:schemeClr val="lt1"/>
+          </a:fontRef>
+        </p:style>
+        <p:txBody>
+          <a:bodyPr rtlCol="0" anchor="ctr"/>
+          <a:p>
+            <a:pPr algn="ctr" defTabSz="914400"/>
+            <a:r>
+              <a:rPr kumimoji="0" lang="zh-CN" altLang="en-US" sz="1200" b="0" i="0" u="none" strike="noStrike" kern="0" cap="none" spc="0" normalizeH="0" baseline="0" noProof="0" dirty="0">
+                <a:ln>
+                  <a:noFill/>
+                </a:ln>
+                <a:solidFill>
+                  <a:sysClr val="windowText" lastClr="000000"/>
+                </a:solidFill>
+                <a:effectLst/>
+                <a:uLnTx/>
+                <a:uFillTx/>
+                <a:latin typeface="仿宋" panose="02010609060101010101" charset="-122"/>
+                <a:ea typeface="仿宋" panose="02010609060101010101" charset="-122"/>
+                <a:cs typeface="+mn-ea"/>
+                <a:sym typeface="+mn-lt"/>
+              </a:rPr>
+              <a:t>清算系统</a:t>
+            </a:r>
+            <a:endParaRPr kumimoji="0" lang="zh-CN" altLang="en-US" sz="1200" b="0" i="0" u="none" strike="noStrike" kern="0" cap="none" spc="0" normalizeH="0" baseline="0" noProof="0" dirty="0">
+              <a:ln>
+                <a:noFill/>
+              </a:ln>
+              <a:solidFill>
+                <a:sysClr val="windowText" lastClr="000000"/>
+              </a:solidFill>
+              <a:effectLst/>
+              <a:uLnTx/>
+              <a:uFillTx/>
+              <a:latin typeface="仿宋" panose="02010609060101010101" charset="-122"/>
+              <a:ea typeface="仿宋" panose="02010609060101010101" charset="-122"/>
+              <a:cs typeface="+mn-ea"/>
+              <a:sym typeface="+mn-lt"/>
+            </a:endParaRPr>
+          </a:p>
+        </p:txBody>
+      </p:sp>
+      <p:sp>
+        <p:nvSpPr>
+          <p:cNvPr id="35" name="流程图: 过程 34"/>
+          <p:cNvSpPr/>
+          <p:nvPr/>
+        </p:nvSpPr>
+        <p:spPr>
+          <a:xfrm>
+            <a:off x="2616200" y="1483360"/>
+            <a:ext cx="768985" cy="636905"/>
+          </a:xfrm>
+          <a:prstGeom prst="flowChartProcess">
+            <a:avLst/>
+          </a:prstGeom>
+          <a:solidFill>
+            <a:schemeClr val="accent5">
+              <a:lumMod val="20000"/>
+              <a:lumOff val="80000"/>
+            </a:schemeClr>
+          </a:solidFill>
+          <a:ln>
+            <a:noFill/>
+          </a:ln>
+        </p:spPr>
+        <p:style>
+          <a:lnRef idx="2">
+            <a:schemeClr val="accent1">
+              <a:shade val="50000"/>
+            </a:schemeClr>
+          </a:lnRef>
+          <a:fillRef idx="1">
+            <a:schemeClr val="accent1"/>
+          </a:fillRef>
+          <a:effectRef idx="0">
+            <a:schemeClr val="accent1"/>
+          </a:effectRef>
+          <a:fontRef idx="minor">
+            <a:schemeClr val="lt1"/>
+          </a:fontRef>
+        </p:style>
+        <p:txBody>
+          <a:bodyPr rtlCol="0" anchor="ctr"/>
+          <a:p>
+            <a:pPr algn="ctr" defTabSz="914400"/>
+            <a:r>
+              <a:rPr kumimoji="0" lang="zh-CN" altLang="en-US" sz="1200" b="0" i="0" u="none" strike="noStrike" kern="0" cap="none" spc="0" normalizeH="0" baseline="0" noProof="0" dirty="0">
+                <a:ln>
+                  <a:noFill/>
+                </a:ln>
+                <a:solidFill>
+                  <a:sysClr val="windowText" lastClr="000000"/>
+                </a:solidFill>
+                <a:effectLst/>
+                <a:uLnTx/>
+                <a:uFillTx/>
+                <a:latin typeface="仿宋" panose="02010609060101010101" charset="-122"/>
+                <a:ea typeface="仿宋" panose="02010609060101010101" charset="-122"/>
+                <a:cs typeface="+mn-ea"/>
+                <a:sym typeface="+mn-lt"/>
+              </a:rPr>
+              <a:t>调账</a:t>
+            </a:r>
+            <a:endParaRPr kumimoji="0" lang="zh-CN" altLang="en-US" sz="1200" b="0" i="0" u="none" strike="noStrike" kern="0" cap="none" spc="0" normalizeH="0" baseline="0" noProof="0" dirty="0">
+              <a:ln>
+                <a:noFill/>
+              </a:ln>
+              <a:solidFill>
+                <a:sysClr val="windowText" lastClr="000000"/>
+              </a:solidFill>
+              <a:effectLst/>
+              <a:uLnTx/>
+              <a:uFillTx/>
+              <a:latin typeface="仿宋" panose="02010609060101010101" charset="-122"/>
+              <a:ea typeface="仿宋" panose="02010609060101010101" charset="-122"/>
+              <a:cs typeface="+mn-ea"/>
+              <a:sym typeface="+mn-lt"/>
+            </a:endParaRPr>
+          </a:p>
+        </p:txBody>
+      </p:sp>
+      <p:sp>
+        <p:nvSpPr>
+          <p:cNvPr id="36" name="流程图: 过程 35"/>
+          <p:cNvSpPr/>
+          <p:nvPr/>
+        </p:nvSpPr>
+        <p:spPr>
+          <a:xfrm>
+            <a:off x="3573145" y="1483360"/>
+            <a:ext cx="570865" cy="636905"/>
+          </a:xfrm>
+          <a:prstGeom prst="flowChartProcess">
+            <a:avLst/>
+          </a:prstGeom>
+          <a:solidFill>
+            <a:schemeClr val="accent5">
+              <a:lumMod val="20000"/>
+              <a:lumOff val="80000"/>
+            </a:schemeClr>
+          </a:solidFill>
+          <a:ln>
+            <a:noFill/>
+          </a:ln>
+        </p:spPr>
+        <p:style>
+          <a:lnRef idx="2">
+            <a:schemeClr val="accent1">
+              <a:shade val="50000"/>
+            </a:schemeClr>
+          </a:lnRef>
+          <a:fillRef idx="1">
+            <a:schemeClr val="accent1"/>
+          </a:fillRef>
+          <a:effectRef idx="0">
+            <a:schemeClr val="accent1"/>
+          </a:effectRef>
+          <a:fontRef idx="minor">
+            <a:schemeClr val="lt1"/>
+          </a:fontRef>
+        </p:style>
+        <p:txBody>
+          <a:bodyPr rtlCol="0" anchor="ctr"/>
+          <a:p>
+            <a:pPr algn="ctr" defTabSz="914400"/>
+            <a:r>
+              <a:rPr kumimoji="0" lang="zh-CN" altLang="en-US" sz="1200" b="0" i="0" u="none" strike="noStrike" kern="0" cap="none" spc="0" normalizeH="0" baseline="0" noProof="0" dirty="0">
+                <a:ln>
+                  <a:noFill/>
+                </a:ln>
+                <a:solidFill>
+                  <a:sysClr val="windowText" lastClr="000000"/>
+                </a:solidFill>
+                <a:effectLst/>
+                <a:uLnTx/>
+                <a:uFillTx/>
+                <a:latin typeface="仿宋" panose="02010609060101010101" charset="-122"/>
+                <a:ea typeface="仿宋" panose="02010609060101010101" charset="-122"/>
+                <a:cs typeface="+mn-ea"/>
+                <a:sym typeface="+mn-lt"/>
+              </a:rPr>
+              <a:t>风控</a:t>
+            </a:r>
+            <a:endParaRPr kumimoji="0" lang="zh-CN" altLang="en-US" sz="1200" b="0" i="0" u="none" strike="noStrike" kern="0" cap="none" spc="0" normalizeH="0" baseline="0" noProof="0" dirty="0">
+              <a:ln>
+                <a:noFill/>
+              </a:ln>
+              <a:solidFill>
+                <a:sysClr val="windowText" lastClr="000000"/>
+              </a:solidFill>
+              <a:effectLst/>
+              <a:uLnTx/>
+              <a:uFillTx/>
+              <a:latin typeface="仿宋" panose="02010609060101010101" charset="-122"/>
+              <a:ea typeface="仿宋" panose="02010609060101010101" charset="-122"/>
+              <a:cs typeface="+mn-ea"/>
+              <a:sym typeface="+mn-lt"/>
+            </a:endParaRPr>
+          </a:p>
+        </p:txBody>
+      </p:sp>
+      <p:sp>
+        <p:nvSpPr>
+          <p:cNvPr id="37" name="流程图: 过程 36"/>
+          <p:cNvSpPr/>
+          <p:nvPr/>
+        </p:nvSpPr>
+        <p:spPr>
+          <a:xfrm>
+            <a:off x="2615565" y="2273300"/>
+            <a:ext cx="632460" cy="1299210"/>
+          </a:xfrm>
+          <a:prstGeom prst="flowChartProcess">
+            <a:avLst/>
+          </a:prstGeom>
+          <a:solidFill>
+            <a:schemeClr val="accent5">
+              <a:lumMod val="20000"/>
+              <a:lumOff val="80000"/>
+            </a:schemeClr>
+          </a:solidFill>
+          <a:ln>
+            <a:noFill/>
+          </a:ln>
+        </p:spPr>
+        <p:style>
+          <a:lnRef idx="2">
+            <a:schemeClr val="accent1">
+              <a:shade val="50000"/>
+            </a:schemeClr>
+          </a:lnRef>
+          <a:fillRef idx="1">
+            <a:schemeClr val="accent1"/>
+          </a:fillRef>
+          <a:effectRef idx="0">
+            <a:schemeClr val="accent1"/>
+          </a:effectRef>
+          <a:fontRef idx="minor">
+            <a:schemeClr val="lt1"/>
+          </a:fontRef>
+        </p:style>
+        <p:txBody>
+          <a:bodyPr rtlCol="0" anchor="ctr"/>
+          <a:p>
+            <a:pPr algn="ctr" defTabSz="914400"/>
+            <a:r>
+              <a:rPr kumimoji="0" lang="zh-CN" altLang="en-US" sz="1200" b="0" i="0" u="none" strike="noStrike" kern="0" cap="none" spc="0" normalizeH="0" baseline="0" noProof="0" dirty="0">
+                <a:ln>
+                  <a:noFill/>
+                </a:ln>
+                <a:solidFill>
+                  <a:sysClr val="windowText" lastClr="000000"/>
+                </a:solidFill>
+                <a:effectLst/>
+                <a:uLnTx/>
+                <a:uFillTx/>
+                <a:latin typeface="仿宋" panose="02010609060101010101" charset="-122"/>
+                <a:ea typeface="仿宋" panose="02010609060101010101" charset="-122"/>
+                <a:cs typeface="+mn-ea"/>
+                <a:sym typeface="+mn-lt"/>
+              </a:rPr>
+              <a:t>解耦系统</a:t>
+            </a:r>
+            <a:endParaRPr kumimoji="0" lang="zh-CN" altLang="en-US" sz="1200" b="0" i="0" u="none" strike="noStrike" kern="0" cap="none" spc="0" normalizeH="0" baseline="0" noProof="0" dirty="0">
+              <a:ln>
+                <a:noFill/>
+              </a:ln>
+              <a:solidFill>
+                <a:sysClr val="windowText" lastClr="000000"/>
+              </a:solidFill>
+              <a:effectLst/>
+              <a:uLnTx/>
+              <a:uFillTx/>
+              <a:latin typeface="仿宋" panose="02010609060101010101" charset="-122"/>
+              <a:ea typeface="仿宋" panose="02010609060101010101" charset="-122"/>
+              <a:cs typeface="+mn-ea"/>
+              <a:sym typeface="+mn-lt"/>
+            </a:endParaRPr>
+          </a:p>
+        </p:txBody>
+      </p:sp>
     </p:spTree>
   </p:cSld>
   <p:clrMapOvr>
@@ -5039,7 +6642,7 @@
         <p:spPr>
           <a:xfrm>
             <a:off x="539750" y="1449070"/>
-            <a:ext cx="6962140" cy="1753235"/>
+            <a:ext cx="6962140" cy="645160"/>
           </a:xfrm>
           <a:prstGeom prst="rect">
             <a:avLst/>
@@ -5069,62 +6672,766 @@
           </a:bodyPr>
           <a:lstStyle/>
           <a:p>
-            <a:r>
-              <a:rPr lang="zh-CN" altLang="en-US" dirty="0" smtClean="0">
-                <a:latin typeface="仿宋" panose="02010609060101010101" charset="-122"/>
-                <a:ea typeface="仿宋" panose="02010609060101010101" charset="-122"/>
-              </a:rPr>
-              <a:t>上述架构的问题，就是结算，清算，对账，调账，付款各系统都对解耦账系统，</a:t>
-            </a:r>
             <a:endParaRPr lang="zh-CN" altLang="en-US" dirty="0" smtClean="0">
               <a:latin typeface="仿宋" panose="02010609060101010101" charset="-122"/>
               <a:ea typeface="仿宋" panose="02010609060101010101" charset="-122"/>
             </a:endParaRPr>
           </a:p>
           <a:p>
-            <a:r>
-              <a:rPr lang="zh-CN" altLang="en-US" dirty="0" smtClean="0">
+            <a:endParaRPr lang="zh-CN" altLang="en-US" dirty="0" smtClean="0"/>
+          </a:p>
+        </p:txBody>
+      </p:sp>
+      <p:grpSp>
+        <p:nvGrpSpPr>
+          <p:cNvPr id="20" name="组合 19"/>
+          <p:cNvGrpSpPr/>
+          <p:nvPr/>
+        </p:nvGrpSpPr>
+        <p:grpSpPr>
+          <a:xfrm>
+            <a:off x="1437202" y="1303655"/>
+            <a:ext cx="3986968" cy="2962910"/>
+            <a:chOff x="892" y="2280"/>
+            <a:chExt cx="6898" cy="4502"/>
+          </a:xfrm>
+        </p:grpSpPr>
+        <p:grpSp>
+          <p:nvGrpSpPr>
+            <p:cNvPr id="21" name="组合 20"/>
+            <p:cNvGrpSpPr/>
+            <p:nvPr/>
+          </p:nvGrpSpPr>
+          <p:grpSpPr>
+            <a:xfrm>
+              <a:off x="892" y="2281"/>
+              <a:ext cx="6883" cy="4501"/>
+              <a:chOff x="827" y="2238"/>
+              <a:chExt cx="6883" cy="4501"/>
+            </a:xfrm>
+          </p:grpSpPr>
+          <p:sp>
+            <p:nvSpPr>
+              <p:cNvPr id="23" name="流程图: 过程 22"/>
+              <p:cNvSpPr/>
+              <p:nvPr/>
+            </p:nvSpPr>
+            <p:spPr>
+              <a:xfrm>
+                <a:off x="2741" y="5771"/>
+                <a:ext cx="4969" cy="968"/>
+              </a:xfrm>
+              <a:prstGeom prst="flowChartProcess">
+                <a:avLst/>
+              </a:prstGeom>
+              <a:solidFill>
+                <a:schemeClr val="accent5">
+                  <a:lumMod val="20000"/>
+                  <a:lumOff val="80000"/>
+                </a:schemeClr>
+              </a:solidFill>
+              <a:ln>
+                <a:noFill/>
+              </a:ln>
+            </p:spPr>
+            <p:style>
+              <a:lnRef idx="2">
+                <a:schemeClr val="accent1">
+                  <a:shade val="50000"/>
+                </a:schemeClr>
+              </a:lnRef>
+              <a:fillRef idx="1">
+                <a:schemeClr val="accent1"/>
+              </a:fillRef>
+              <a:effectRef idx="0">
+                <a:schemeClr val="accent1"/>
+              </a:effectRef>
+              <a:fontRef idx="minor">
+                <a:schemeClr val="lt1"/>
+              </a:fontRef>
+            </p:style>
+            <p:txBody>
+              <a:bodyPr rtlCol="0" anchor="ctr"/>
+              <a:p>
+                <a:pPr algn="ctr" defTabSz="914400"/>
+                <a:r>
+                  <a:rPr kumimoji="0" lang="zh-CN" altLang="en-US" sz="1200" b="0" i="0" u="none" strike="noStrike" kern="0" cap="none" spc="0" normalizeH="0" baseline="0" noProof="0" dirty="0">
+                    <a:ln>
+                      <a:noFill/>
+                    </a:ln>
+                    <a:solidFill>
+                      <a:sysClr val="windowText" lastClr="000000"/>
+                    </a:solidFill>
+                    <a:effectLst/>
+                    <a:uLnTx/>
+                    <a:uFillTx/>
+                    <a:latin typeface="仿宋" panose="02010609060101010101" charset="-122"/>
+                    <a:ea typeface="仿宋" panose="02010609060101010101" charset="-122"/>
+                    <a:cs typeface="+mn-ea"/>
+                    <a:sym typeface="+mn-lt"/>
+                  </a:rPr>
+                  <a:t>基础数据</a:t>
+                </a:r>
+                <a:endParaRPr kumimoji="0" lang="zh-CN" altLang="en-US" sz="1200" b="0" i="0" u="none" strike="noStrike" kern="0" cap="none" spc="0" normalizeH="0" baseline="0" noProof="0" dirty="0">
+                  <a:ln>
+                    <a:noFill/>
+                  </a:ln>
+                  <a:solidFill>
+                    <a:sysClr val="windowText" lastClr="000000"/>
+                  </a:solidFill>
+                  <a:effectLst/>
+                  <a:uLnTx/>
+                  <a:uFillTx/>
+                  <a:latin typeface="仿宋" panose="02010609060101010101" charset="-122"/>
+                  <a:ea typeface="仿宋" panose="02010609060101010101" charset="-122"/>
+                  <a:cs typeface="+mn-ea"/>
+                  <a:sym typeface="+mn-lt"/>
+                </a:endParaRPr>
+              </a:p>
+            </p:txBody>
+          </p:sp>
+          <p:sp>
+            <p:nvSpPr>
+              <p:cNvPr id="24" name="流程图: 过程 23"/>
+              <p:cNvSpPr/>
+              <p:nvPr/>
+            </p:nvSpPr>
+            <p:spPr>
+              <a:xfrm>
+                <a:off x="2740" y="3363"/>
+                <a:ext cx="786" cy="2236"/>
+              </a:xfrm>
+              <a:prstGeom prst="flowChartProcess">
+                <a:avLst/>
+              </a:prstGeom>
+              <a:solidFill>
+                <a:schemeClr val="accent5">
+                  <a:lumMod val="20000"/>
+                  <a:lumOff val="80000"/>
+                </a:schemeClr>
+              </a:solidFill>
+              <a:ln>
+                <a:noFill/>
+              </a:ln>
+            </p:spPr>
+            <p:style>
+              <a:lnRef idx="2">
+                <a:schemeClr val="accent1">
+                  <a:shade val="50000"/>
+                </a:schemeClr>
+              </a:lnRef>
+              <a:fillRef idx="1">
+                <a:schemeClr val="accent1"/>
+              </a:fillRef>
+              <a:effectRef idx="0">
+                <a:schemeClr val="accent1"/>
+              </a:effectRef>
+              <a:fontRef idx="minor">
+                <a:schemeClr val="lt1"/>
+              </a:fontRef>
+            </p:style>
+            <p:txBody>
+              <a:bodyPr rtlCol="0" anchor="ctr"/>
+              <a:p>
+                <a:pPr algn="ctr" defTabSz="914400"/>
+                <a:r>
+                  <a:rPr kumimoji="0" lang="zh-CN" altLang="en-US" sz="1200" b="0" i="0" u="none" strike="noStrike" kern="0" cap="none" spc="0" normalizeH="0" baseline="0" noProof="0" dirty="0">
+                    <a:ln>
+                      <a:noFill/>
+                    </a:ln>
+                    <a:solidFill>
+                      <a:sysClr val="windowText" lastClr="000000"/>
+                    </a:solidFill>
+                    <a:effectLst/>
+                    <a:uLnTx/>
+                    <a:uFillTx/>
+                    <a:latin typeface="仿宋" panose="02010609060101010101" charset="-122"/>
+                    <a:ea typeface="仿宋" panose="02010609060101010101" charset="-122"/>
+                    <a:cs typeface="+mn-ea"/>
+                    <a:sym typeface="+mn-lt"/>
+                  </a:rPr>
+                  <a:t>统一接单系统 </a:t>
+                </a:r>
+                <a:endParaRPr kumimoji="0" lang="en-US" altLang="zh-CN" sz="1200" b="0" i="0" u="none" strike="noStrike" kern="0" cap="none" spc="0" normalizeH="0" baseline="0" noProof="0" dirty="0">
+                  <a:ln>
+                    <a:noFill/>
+                  </a:ln>
+                  <a:solidFill>
+                    <a:sysClr val="windowText" lastClr="000000"/>
+                  </a:solidFill>
+                  <a:effectLst/>
+                  <a:uLnTx/>
+                  <a:uFillTx/>
+                  <a:latin typeface="仿宋" panose="02010609060101010101" charset="-122"/>
+                  <a:ea typeface="仿宋" panose="02010609060101010101" charset="-122"/>
+                  <a:cs typeface="+mn-ea"/>
+                  <a:sym typeface="+mn-lt"/>
+                </a:endParaRPr>
+              </a:p>
+            </p:txBody>
+          </p:sp>
+          <p:sp>
+            <p:nvSpPr>
+              <p:cNvPr id="25" name="流程图: 过程 24"/>
+              <p:cNvSpPr/>
+              <p:nvPr/>
+            </p:nvSpPr>
+            <p:spPr>
+              <a:xfrm>
+                <a:off x="2739" y="2238"/>
+                <a:ext cx="2103" cy="968"/>
+              </a:xfrm>
+              <a:prstGeom prst="flowChartProcess">
+                <a:avLst/>
+              </a:prstGeom>
+              <a:solidFill>
+                <a:schemeClr val="accent5">
+                  <a:lumMod val="20000"/>
+                  <a:lumOff val="80000"/>
+                </a:schemeClr>
+              </a:solidFill>
+              <a:ln>
+                <a:noFill/>
+              </a:ln>
+            </p:spPr>
+            <p:style>
+              <a:lnRef idx="2">
+                <a:schemeClr val="accent1">
+                  <a:shade val="50000"/>
+                </a:schemeClr>
+              </a:lnRef>
+              <a:fillRef idx="1">
+                <a:schemeClr val="accent1"/>
+              </a:fillRef>
+              <a:effectRef idx="0">
+                <a:schemeClr val="accent1"/>
+              </a:effectRef>
+              <a:fontRef idx="minor">
+                <a:schemeClr val="lt1"/>
+              </a:fontRef>
+            </p:style>
+            <p:txBody>
+              <a:bodyPr rtlCol="0" anchor="ctr"/>
+              <a:p>
+                <a:pPr algn="ctr" defTabSz="914400"/>
+                <a:r>
+                  <a:rPr kumimoji="0" lang="zh-CN" altLang="en-US" sz="1200" b="0" i="0" u="none" strike="noStrike" kern="0" cap="none" spc="0" normalizeH="0" baseline="0" noProof="0" dirty="0">
+                    <a:ln>
+                      <a:noFill/>
+                    </a:ln>
+                    <a:solidFill>
+                      <a:sysClr val="windowText" lastClr="000000"/>
+                    </a:solidFill>
+                    <a:effectLst/>
+                    <a:uLnTx/>
+                    <a:uFillTx/>
+                    <a:latin typeface="仿宋" panose="02010609060101010101" charset="-122"/>
+                    <a:ea typeface="仿宋" panose="02010609060101010101" charset="-122"/>
+                    <a:cs typeface="+mn-ea"/>
+                    <a:sym typeface="+mn-lt"/>
+                  </a:rPr>
+                  <a:t>清算系统</a:t>
+                </a:r>
+                <a:endParaRPr kumimoji="0" lang="zh-CN" altLang="en-US" sz="1200" b="0" i="0" u="none" strike="noStrike" kern="0" cap="none" spc="0" normalizeH="0" baseline="0" noProof="0" dirty="0">
+                  <a:ln>
+                    <a:noFill/>
+                  </a:ln>
+                  <a:solidFill>
+                    <a:sysClr val="windowText" lastClr="000000"/>
+                  </a:solidFill>
+                  <a:effectLst/>
+                  <a:uLnTx/>
+                  <a:uFillTx/>
+                  <a:latin typeface="仿宋" panose="02010609060101010101" charset="-122"/>
+                  <a:ea typeface="仿宋" panose="02010609060101010101" charset="-122"/>
+                  <a:cs typeface="+mn-ea"/>
+                  <a:sym typeface="+mn-lt"/>
+                </a:endParaRPr>
+              </a:p>
+            </p:txBody>
+          </p:sp>
+          <p:sp>
+            <p:nvSpPr>
+              <p:cNvPr id="26" name="流程图: 过程 25"/>
+              <p:cNvSpPr/>
+              <p:nvPr/>
+            </p:nvSpPr>
+            <p:spPr>
+              <a:xfrm>
+                <a:off x="3711" y="3363"/>
+                <a:ext cx="1404" cy="882"/>
+              </a:xfrm>
+              <a:prstGeom prst="flowChartProcess">
+                <a:avLst/>
+              </a:prstGeom>
+              <a:solidFill>
+                <a:schemeClr val="accent5">
+                  <a:lumMod val="20000"/>
+                  <a:lumOff val="80000"/>
+                </a:schemeClr>
+              </a:solidFill>
+              <a:ln>
+                <a:noFill/>
+              </a:ln>
+            </p:spPr>
+            <p:style>
+              <a:lnRef idx="2">
+                <a:schemeClr val="accent1">
+                  <a:shade val="50000"/>
+                </a:schemeClr>
+              </a:lnRef>
+              <a:fillRef idx="1">
+                <a:schemeClr val="accent1"/>
+              </a:fillRef>
+              <a:effectRef idx="0">
+                <a:schemeClr val="accent1"/>
+              </a:effectRef>
+              <a:fontRef idx="minor">
+                <a:schemeClr val="lt1"/>
+              </a:fontRef>
+            </p:style>
+            <p:txBody>
+              <a:bodyPr rtlCol="0" anchor="ctr"/>
+              <a:p>
+                <a:pPr algn="ctr" defTabSz="914400"/>
+                <a:r>
+                  <a:rPr lang="zh-CN" altLang="en-US" sz="1200" kern="0" noProof="0" dirty="0">
+                    <a:ln>
+                      <a:noFill/>
+                    </a:ln>
+                    <a:solidFill>
+                      <a:sysClr val="windowText" lastClr="000000"/>
+                    </a:solidFill>
+                    <a:effectLst/>
+                    <a:uLnTx/>
+                    <a:uFillTx/>
+                    <a:latin typeface="仿宋" panose="02010609060101010101" charset="-122"/>
+                    <a:ea typeface="仿宋" panose="02010609060101010101" charset="-122"/>
+                    <a:cs typeface="+mn-ea"/>
+                    <a:sym typeface="+mn-lt"/>
+                  </a:rPr>
+                  <a:t>订单结算</a:t>
+                </a:r>
+                <a:endParaRPr kumimoji="0" lang="zh-CN" altLang="en-US" sz="1200" b="0" i="0" u="none" strike="noStrike" kern="0" cap="none" spc="0" normalizeH="0" baseline="0" noProof="0" dirty="0">
+                  <a:ln>
+                    <a:noFill/>
+                  </a:ln>
+                  <a:solidFill>
+                    <a:sysClr val="windowText" lastClr="000000"/>
+                  </a:solidFill>
+                  <a:effectLst/>
+                  <a:uLnTx/>
+                  <a:uFillTx/>
+                  <a:latin typeface="仿宋" panose="02010609060101010101" charset="-122"/>
+                  <a:ea typeface="仿宋" panose="02010609060101010101" charset="-122"/>
+                  <a:cs typeface="+mn-ea"/>
+                  <a:sym typeface="+mn-lt"/>
+                </a:endParaRPr>
+              </a:p>
+            </p:txBody>
+          </p:sp>
+          <p:sp>
+            <p:nvSpPr>
+              <p:cNvPr id="27" name="流程图: 过程 26"/>
+              <p:cNvSpPr/>
+              <p:nvPr/>
+            </p:nvSpPr>
+            <p:spPr>
+              <a:xfrm>
+                <a:off x="6830" y="3415"/>
+                <a:ext cx="662" cy="2206"/>
+              </a:xfrm>
+              <a:prstGeom prst="flowChartProcess">
+                <a:avLst/>
+              </a:prstGeom>
+              <a:solidFill>
+                <a:schemeClr val="accent5">
+                  <a:lumMod val="20000"/>
+                  <a:lumOff val="80000"/>
+                </a:schemeClr>
+              </a:solidFill>
+              <a:ln>
+                <a:noFill/>
+              </a:ln>
+            </p:spPr>
+            <p:style>
+              <a:lnRef idx="2">
+                <a:schemeClr val="accent1">
+                  <a:shade val="50000"/>
+                </a:schemeClr>
+              </a:lnRef>
+              <a:fillRef idx="1">
+                <a:schemeClr val="accent1"/>
+              </a:fillRef>
+              <a:effectRef idx="0">
+                <a:schemeClr val="accent1"/>
+              </a:effectRef>
+              <a:fontRef idx="minor">
+                <a:schemeClr val="lt1"/>
+              </a:fontRef>
+            </p:style>
+            <p:txBody>
+              <a:bodyPr rtlCol="0" anchor="ctr"/>
+              <a:p>
+                <a:pPr algn="ctr" defTabSz="914400"/>
+                <a:r>
+                  <a:rPr kumimoji="0" lang="zh-CN" altLang="en-US" sz="1200" b="0" i="0" u="none" strike="noStrike" kern="0" cap="none" spc="0" normalizeH="0" baseline="0" noProof="0" dirty="0">
+                    <a:ln>
+                      <a:noFill/>
+                    </a:ln>
+                    <a:solidFill>
+                      <a:sysClr val="windowText" lastClr="000000"/>
+                    </a:solidFill>
+                    <a:effectLst/>
+                    <a:uLnTx/>
+                    <a:uFillTx/>
+                    <a:latin typeface="仿宋" panose="02010609060101010101" charset="-122"/>
+                    <a:ea typeface="仿宋" panose="02010609060101010101" charset="-122"/>
+                    <a:cs typeface="+mn-ea"/>
+                    <a:sym typeface="+mn-lt"/>
+                  </a:rPr>
+                  <a:t>付款系统</a:t>
+                </a:r>
+                <a:endParaRPr kumimoji="0" lang="zh-CN" altLang="en-US" sz="1200" b="0" i="0" u="none" strike="noStrike" kern="0" cap="none" spc="0" normalizeH="0" baseline="0" noProof="0" dirty="0">
+                  <a:ln>
+                    <a:noFill/>
+                  </a:ln>
+                  <a:solidFill>
+                    <a:sysClr val="windowText" lastClr="000000"/>
+                  </a:solidFill>
+                  <a:effectLst/>
+                  <a:uLnTx/>
+                  <a:uFillTx/>
+                  <a:latin typeface="仿宋" panose="02010609060101010101" charset="-122"/>
+                  <a:ea typeface="仿宋" panose="02010609060101010101" charset="-122"/>
+                  <a:cs typeface="+mn-ea"/>
+                  <a:sym typeface="+mn-lt"/>
+                </a:endParaRPr>
+              </a:p>
+            </p:txBody>
+          </p:sp>
+          <p:sp>
+            <p:nvSpPr>
+              <p:cNvPr id="28" name="流程图: 过程 27"/>
+              <p:cNvSpPr/>
+              <p:nvPr/>
+            </p:nvSpPr>
+            <p:spPr>
+              <a:xfrm>
+                <a:off x="827" y="3605"/>
+                <a:ext cx="1403" cy="1277"/>
+              </a:xfrm>
+              <a:prstGeom prst="flowChartProcess">
+                <a:avLst/>
+              </a:prstGeom>
+              <a:solidFill>
+                <a:schemeClr val="accent5">
+                  <a:lumMod val="20000"/>
+                  <a:lumOff val="80000"/>
+                </a:schemeClr>
+              </a:solidFill>
+              <a:ln>
+                <a:noFill/>
+              </a:ln>
+            </p:spPr>
+            <p:style>
+              <a:lnRef idx="2">
+                <a:schemeClr val="accent1">
+                  <a:shade val="50000"/>
+                </a:schemeClr>
+              </a:lnRef>
+              <a:fillRef idx="1">
+                <a:schemeClr val="accent1"/>
+              </a:fillRef>
+              <a:effectRef idx="0">
+                <a:schemeClr val="accent1"/>
+              </a:effectRef>
+              <a:fontRef idx="minor">
+                <a:schemeClr val="lt1"/>
+              </a:fontRef>
+            </p:style>
+            <p:txBody>
+              <a:bodyPr rtlCol="0" anchor="ctr"/>
+              <a:p>
+                <a:pPr algn="ctr" defTabSz="914400"/>
+                <a:r>
+                  <a:rPr kumimoji="0" lang="zh-CN" altLang="en-US" sz="1200" b="0" i="0" u="none" strike="noStrike" kern="0" cap="none" spc="0" normalizeH="0" baseline="0" noProof="0" dirty="0">
+                    <a:ln>
+                      <a:noFill/>
+                    </a:ln>
+                    <a:solidFill>
+                      <a:sysClr val="windowText" lastClr="000000"/>
+                    </a:solidFill>
+                    <a:effectLst/>
+                    <a:uLnTx/>
+                    <a:uFillTx/>
+                    <a:latin typeface="仿宋" panose="02010609060101010101" charset="-122"/>
+                    <a:ea typeface="仿宋" panose="02010609060101010101" charset="-122"/>
+                    <a:cs typeface="+mn-ea"/>
+                    <a:sym typeface="+mn-lt"/>
+                  </a:rPr>
+                  <a:t>交易系统</a:t>
+                </a:r>
+                <a:endParaRPr kumimoji="0" lang="zh-CN" altLang="en-US" sz="1200" b="0" i="0" u="none" strike="noStrike" kern="0" cap="none" spc="0" normalizeH="0" baseline="0" noProof="0" dirty="0">
+                  <a:ln>
+                    <a:noFill/>
+                  </a:ln>
+                  <a:solidFill>
+                    <a:sysClr val="windowText" lastClr="000000"/>
+                  </a:solidFill>
+                  <a:effectLst/>
+                  <a:uLnTx/>
+                  <a:uFillTx/>
+                  <a:latin typeface="仿宋" panose="02010609060101010101" charset="-122"/>
+                  <a:ea typeface="仿宋" panose="02010609060101010101" charset="-122"/>
+                  <a:cs typeface="+mn-ea"/>
+                  <a:sym typeface="+mn-lt"/>
+                </a:endParaRPr>
+              </a:p>
+            </p:txBody>
+          </p:sp>
+        </p:grpSp>
+        <p:sp>
+          <p:nvSpPr>
+            <p:cNvPr id="30" name="流程图: 过程 29"/>
+            <p:cNvSpPr/>
+            <p:nvPr/>
+          </p:nvSpPr>
+          <p:spPr>
+            <a:xfrm>
+              <a:off x="6662" y="2280"/>
+              <a:ext cx="1128" cy="968"/>
+            </a:xfrm>
+            <a:prstGeom prst="flowChartProcess">
+              <a:avLst/>
+            </a:prstGeom>
+            <a:solidFill>
+              <a:schemeClr val="accent5">
+                <a:lumMod val="20000"/>
+                <a:lumOff val="80000"/>
+              </a:schemeClr>
+            </a:solidFill>
+            <a:ln>
+              <a:noFill/>
+            </a:ln>
+          </p:spPr>
+          <p:style>
+            <a:lnRef idx="2">
+              <a:schemeClr val="accent1">
+                <a:shade val="50000"/>
+              </a:schemeClr>
+            </a:lnRef>
+            <a:fillRef idx="1">
+              <a:schemeClr val="accent1"/>
+            </a:fillRef>
+            <a:effectRef idx="0">
+              <a:schemeClr val="accent1"/>
+            </a:effectRef>
+            <a:fontRef idx="minor">
+              <a:schemeClr val="lt1"/>
+            </a:fontRef>
+          </p:style>
+          <p:txBody>
+            <a:bodyPr rtlCol="0" anchor="ctr"/>
+            <a:p>
+              <a:pPr algn="ctr" defTabSz="914400"/>
+              <a:r>
+                <a:rPr kumimoji="0" lang="zh-CN" altLang="en-US" sz="1200" b="0" i="0" u="none" strike="noStrike" kern="0" cap="none" spc="0" normalizeH="0" baseline="0" noProof="0" dirty="0">
+                  <a:ln>
+                    <a:noFill/>
+                  </a:ln>
+                  <a:solidFill>
+                    <a:sysClr val="windowText" lastClr="000000"/>
+                  </a:solidFill>
+                  <a:effectLst/>
+                  <a:uLnTx/>
+                  <a:uFillTx/>
+                  <a:latin typeface="仿宋" panose="02010609060101010101" charset="-122"/>
+                  <a:ea typeface="仿宋" panose="02010609060101010101" charset="-122"/>
+                  <a:cs typeface="+mn-ea"/>
+                  <a:sym typeface="+mn-lt"/>
+                </a:rPr>
+                <a:t>风控系统</a:t>
+              </a:r>
+              <a:endParaRPr kumimoji="0" lang="zh-CN" altLang="en-US" sz="1200" b="0" i="0" u="none" strike="noStrike" kern="0" cap="none" spc="0" normalizeH="0" baseline="0" noProof="0" dirty="0">
+                <a:ln>
+                  <a:noFill/>
+                </a:ln>
+                <a:solidFill>
+                  <a:sysClr val="windowText" lastClr="000000"/>
+                </a:solidFill>
+                <a:effectLst/>
+                <a:uLnTx/>
+                <a:uFillTx/>
                 <a:latin typeface="仿宋" panose="02010609060101010101" charset="-122"/>
                 <a:ea typeface="仿宋" panose="02010609060101010101" charset="-122"/>
-              </a:rPr>
-              <a:t>调账系统就成了瓶颈所在，各项目边界不清楚，</a:t>
-            </a:r>
-            <a:endParaRPr lang="zh-CN" altLang="en-US" dirty="0" smtClean="0">
-              <a:latin typeface="仿宋" panose="02010609060101010101" charset="-122"/>
-              <a:ea typeface="仿宋" panose="02010609060101010101" charset="-122"/>
-            </a:endParaRPr>
-          </a:p>
-          <a:p>
-            <a:r>
-              <a:rPr lang="zh-CN" altLang="en-US" dirty="0" smtClean="0">
+                <a:cs typeface="+mn-ea"/>
+                <a:sym typeface="+mn-lt"/>
+              </a:endParaRPr>
+            </a:p>
+          </p:txBody>
+        </p:sp>
+        <p:sp>
+          <p:nvSpPr>
+            <p:cNvPr id="31" name="流程图: 过程 30"/>
+            <p:cNvSpPr/>
+            <p:nvPr/>
+          </p:nvSpPr>
+          <p:spPr>
+            <a:xfrm>
+              <a:off x="5705" y="3406"/>
+              <a:ext cx="688" cy="2236"/>
+            </a:xfrm>
+            <a:prstGeom prst="flowChartProcess">
+              <a:avLst/>
+            </a:prstGeom>
+            <a:solidFill>
+              <a:schemeClr val="accent5">
+                <a:lumMod val="20000"/>
+                <a:lumOff val="80000"/>
+              </a:schemeClr>
+            </a:solidFill>
+            <a:ln>
+              <a:noFill/>
+            </a:ln>
+          </p:spPr>
+          <p:style>
+            <a:lnRef idx="2">
+              <a:schemeClr val="accent1">
+                <a:shade val="50000"/>
+              </a:schemeClr>
+            </a:lnRef>
+            <a:fillRef idx="1">
+              <a:schemeClr val="accent1"/>
+            </a:fillRef>
+            <a:effectRef idx="0">
+              <a:schemeClr val="accent1"/>
+            </a:effectRef>
+            <a:fontRef idx="minor">
+              <a:schemeClr val="lt1"/>
+            </a:fontRef>
+          </p:style>
+          <p:txBody>
+            <a:bodyPr rtlCol="0" anchor="ctr"/>
+            <a:p>
+              <a:pPr algn="ctr" defTabSz="914400"/>
+              <a:r>
+                <a:rPr kumimoji="0" lang="zh-CN" altLang="en-US" sz="1200" b="0" i="0" u="none" strike="noStrike" kern="0" cap="none" spc="0" normalizeH="0" baseline="0" noProof="0" dirty="0">
+                  <a:ln>
+                    <a:noFill/>
+                  </a:ln>
+                  <a:solidFill>
+                    <a:sysClr val="windowText" lastClr="000000"/>
+                  </a:solidFill>
+                  <a:effectLst/>
+                  <a:uLnTx/>
+                  <a:uFillTx/>
+                  <a:latin typeface="仿宋" panose="02010609060101010101" charset="-122"/>
+                  <a:ea typeface="仿宋" panose="02010609060101010101" charset="-122"/>
+                  <a:cs typeface="+mn-ea"/>
+                  <a:sym typeface="+mn-lt"/>
+                </a:rPr>
+                <a:t>统一对账系统</a:t>
+              </a:r>
+              <a:endParaRPr kumimoji="0" lang="zh-CN" altLang="en-US" sz="1200" b="0" i="0" u="none" strike="noStrike" kern="0" cap="none" spc="0" normalizeH="0" baseline="0" noProof="0" dirty="0">
+                <a:ln>
+                  <a:noFill/>
+                </a:ln>
+                <a:solidFill>
+                  <a:sysClr val="windowText" lastClr="000000"/>
+                </a:solidFill>
+                <a:effectLst/>
+                <a:uLnTx/>
+                <a:uFillTx/>
                 <a:latin typeface="仿宋" panose="02010609060101010101" charset="-122"/>
                 <a:ea typeface="仿宋" panose="02010609060101010101" charset="-122"/>
-              </a:rPr>
-              <a:t>一个系统有修改解耦系统会影响其他系统，</a:t>
-            </a:r>
-            <a:endParaRPr lang="zh-CN" altLang="en-US" dirty="0" smtClean="0">
-              <a:latin typeface="仿宋" panose="02010609060101010101" charset="-122"/>
-              <a:ea typeface="仿宋" panose="02010609060101010101" charset="-122"/>
-            </a:endParaRPr>
-          </a:p>
-          <a:p>
-            <a:r>
-              <a:rPr lang="zh-CN" altLang="en-US" dirty="0" smtClean="0">
+                <a:cs typeface="+mn-ea"/>
+                <a:sym typeface="+mn-lt"/>
+              </a:endParaRPr>
+            </a:p>
+          </p:txBody>
+        </p:sp>
+        <p:sp>
+          <p:nvSpPr>
+            <p:cNvPr id="32" name="流程图: 过程 31"/>
+            <p:cNvSpPr/>
+            <p:nvPr/>
+          </p:nvSpPr>
+          <p:spPr>
+            <a:xfrm>
+              <a:off x="5095" y="2280"/>
+              <a:ext cx="1297" cy="968"/>
+            </a:xfrm>
+            <a:prstGeom prst="flowChartProcess">
+              <a:avLst/>
+            </a:prstGeom>
+            <a:solidFill>
+              <a:schemeClr val="accent5">
+                <a:lumMod val="20000"/>
+                <a:lumOff val="80000"/>
+              </a:schemeClr>
+            </a:solidFill>
+            <a:ln>
+              <a:noFill/>
+            </a:ln>
+          </p:spPr>
+          <p:style>
+            <a:lnRef idx="2">
+              <a:schemeClr val="accent1">
+                <a:shade val="50000"/>
+              </a:schemeClr>
+            </a:lnRef>
+            <a:fillRef idx="1">
+              <a:schemeClr val="accent1"/>
+            </a:fillRef>
+            <a:effectRef idx="0">
+              <a:schemeClr val="accent1"/>
+            </a:effectRef>
+            <a:fontRef idx="minor">
+              <a:schemeClr val="lt1"/>
+            </a:fontRef>
+          </p:style>
+          <p:txBody>
+            <a:bodyPr rtlCol="0" anchor="ctr"/>
+            <a:p>
+              <a:pPr algn="ctr" defTabSz="914400"/>
+              <a:r>
+                <a:rPr kumimoji="0" lang="zh-CN" altLang="en-US" sz="1200" b="0" i="0" u="none" strike="noStrike" kern="0" cap="none" spc="0" normalizeH="0" baseline="0" noProof="0" dirty="0">
+                  <a:ln>
+                    <a:noFill/>
+                  </a:ln>
+                  <a:solidFill>
+                    <a:sysClr val="windowText" lastClr="000000"/>
+                  </a:solidFill>
+                  <a:effectLst/>
+                  <a:uLnTx/>
+                  <a:uFillTx/>
+                  <a:latin typeface="仿宋" panose="02010609060101010101" charset="-122"/>
+                  <a:ea typeface="仿宋" panose="02010609060101010101" charset="-122"/>
+                  <a:cs typeface="+mn-ea"/>
+                  <a:sym typeface="+mn-lt"/>
+                </a:rPr>
+                <a:t>调账系统</a:t>
+              </a:r>
+              <a:endParaRPr kumimoji="0" lang="zh-CN" altLang="en-US" sz="1200" b="0" i="0" u="none" strike="noStrike" kern="0" cap="none" spc="0" normalizeH="0" baseline="0" noProof="0" dirty="0">
+                <a:ln>
+                  <a:noFill/>
+                </a:ln>
+                <a:solidFill>
+                  <a:sysClr val="windowText" lastClr="000000"/>
+                </a:solidFill>
+                <a:effectLst/>
+                <a:uLnTx/>
+                <a:uFillTx/>
                 <a:latin typeface="仿宋" panose="02010609060101010101" charset="-122"/>
                 <a:ea typeface="仿宋" panose="02010609060101010101" charset="-122"/>
-              </a:rPr>
-              <a:t>每个系统功能太多，改一点整个系统要上线，瓶颈需要更多资源</a:t>
-            </a:r>
-            <a:endParaRPr lang="zh-CN" altLang="en-US" dirty="0" smtClean="0">
-              <a:latin typeface="仿宋" panose="02010609060101010101" charset="-122"/>
-              <a:ea typeface="仿宋" panose="02010609060101010101" charset="-122"/>
-            </a:endParaRPr>
-          </a:p>
-          <a:p>
-            <a:endParaRPr lang="zh-CN" altLang="en-US" dirty="0" smtClean="0"/>
-          </a:p>
-        </p:txBody>
-      </p:sp>
+                <a:cs typeface="+mn-ea"/>
+                <a:sym typeface="+mn-lt"/>
+              </a:endParaRPr>
+            </a:p>
+          </p:txBody>
+        </p:sp>
+      </p:grpSp>
     </p:spTree>
   </p:cSld>
   <p:clrMapOvr>
@@ -5203,30 +7510,136 @@
           </a:p>
         </p:txBody>
       </p:sp>
-      <p:pic>
-        <p:nvPicPr>
-          <p:cNvPr id="4" name="图片 3" descr="QQ截图20170604223625"/>
-          <p:cNvPicPr>
-            <a:picLocks noChangeAspect="1"/>
-          </p:cNvPicPr>
+      <p:sp>
+        <p:nvSpPr>
+          <p:cNvPr id="5" name="文本框 4"/>
+          <p:cNvSpPr txBox="1"/>
           <p:nvPr/>
-        </p:nvPicPr>
-        <p:blipFill>
-          <a:blip r:embed="rId1"/>
-          <a:stretch>
-            <a:fillRect/>
-          </a:stretch>
-        </p:blipFill>
+        </p:nvSpPr>
         <p:spPr>
           <a:xfrm>
-            <a:off x="285750" y="934085"/>
-            <a:ext cx="8571865" cy="3639185"/>
+            <a:off x="1349375" y="1642110"/>
+            <a:ext cx="4374515" cy="2245360"/>
           </a:xfrm>
           <a:prstGeom prst="rect">
             <a:avLst/>
           </a:prstGeom>
+          <a:noFill/>
         </p:spPr>
-      </p:pic>
+        <p:txBody>
+          <a:bodyPr wrap="square" rtlCol="0">
+            <a:spAutoFit/>
+          </a:bodyPr>
+          <a:p>
+            <a:r>
+              <a:rPr lang="en-US" altLang="zh-CN" sz="1400">
+                <a:latin typeface="+mj-ea"/>
+                <a:ea typeface="+mj-ea"/>
+                <a:sym typeface="+mn-ea"/>
+              </a:rPr>
+              <a:t>1 .</a:t>
+            </a:r>
+            <a:r>
+              <a:rPr lang="zh-CN" altLang="en-US" sz="1400">
+                <a:latin typeface="+mj-ea"/>
+                <a:ea typeface="+mj-ea"/>
+                <a:sym typeface="+mn-ea"/>
+              </a:rPr>
+              <a:t>对账生成付款单，开始是单线程处理数据，生成付款单，后来改成多线程，加上数据两次查询验证数据完整性，提高了生成速度，同时为了防止未完成任务太多都放在队列，重写了线程池，同时将商品信息改成异步存储。</a:t>
+            </a:r>
+            <a:endParaRPr lang="zh-CN" altLang="en-US" sz="1400">
+              <a:latin typeface="+mj-ea"/>
+              <a:ea typeface="+mj-ea"/>
+            </a:endParaRPr>
+          </a:p>
+          <a:p>
+            <a:r>
+              <a:rPr lang="en-US" altLang="zh-CN" sz="1400">
+                <a:latin typeface="+mj-ea"/>
+                <a:ea typeface="+mj-ea"/>
+                <a:sym typeface="+mn-ea"/>
+              </a:rPr>
+              <a:t>2.</a:t>
+            </a:r>
+            <a:r>
+              <a:rPr lang="zh-CN" altLang="en-US" sz="1400">
+                <a:latin typeface="+mj-ea"/>
+                <a:ea typeface="+mj-ea"/>
+                <a:sym typeface="+mn-ea"/>
+              </a:rPr>
+              <a:t>生成对账邮件，提高</a:t>
+            </a:r>
+            <a:r>
+              <a:rPr lang="en-US" altLang="zh-CN" sz="1400">
+                <a:latin typeface="+mj-ea"/>
+                <a:ea typeface="+mj-ea"/>
+                <a:sym typeface="+mn-ea"/>
+              </a:rPr>
+              <a:t>excel</a:t>
+            </a:r>
+            <a:r>
+              <a:rPr lang="zh-CN" altLang="en-US" sz="1400">
+                <a:latin typeface="+mj-ea"/>
+                <a:ea typeface="+mj-ea"/>
+                <a:sym typeface="+mn-ea"/>
+              </a:rPr>
+              <a:t>生成速度，利用</a:t>
+            </a:r>
+            <a:r>
+              <a:rPr lang="en-US" altLang="zh-CN" sz="1400">
+                <a:latin typeface="+mj-ea"/>
+                <a:ea typeface="+mj-ea"/>
+                <a:sym typeface="+mn-ea"/>
+              </a:rPr>
+              <a:t>threadlocal </a:t>
+            </a:r>
+            <a:r>
+              <a:rPr lang="zh-CN" altLang="en-US" sz="1400">
+                <a:latin typeface="+mj-ea"/>
+                <a:ea typeface="+mj-ea"/>
+                <a:sym typeface="+mn-ea"/>
+              </a:rPr>
+              <a:t>记录</a:t>
+            </a:r>
+            <a:r>
+              <a:rPr lang="en-US" altLang="zh-CN" sz="1400">
+                <a:latin typeface="+mj-ea"/>
+                <a:ea typeface="+mj-ea"/>
+                <a:sym typeface="+mn-ea"/>
+              </a:rPr>
+              <a:t>index,</a:t>
+            </a:r>
+            <a:r>
+              <a:rPr lang="zh-CN" altLang="en-US" sz="1400">
+                <a:latin typeface="+mj-ea"/>
+                <a:ea typeface="+mj-ea"/>
+                <a:sym typeface="+mn-ea"/>
+              </a:rPr>
+              <a:t>改单线程为多线程，提高了速度，为了防止内存溢出限制了数据条数，查询总条数改成第几条数据的存在</a:t>
+            </a:r>
+            <a:endParaRPr lang="zh-CN" altLang="en-US" sz="1400">
+              <a:latin typeface="+mj-ea"/>
+              <a:ea typeface="+mj-ea"/>
+              <a:sym typeface="+mn-ea"/>
+            </a:endParaRPr>
+          </a:p>
+          <a:p>
+            <a:r>
+              <a:rPr lang="en-US" altLang="zh-CN" sz="1400"/>
+              <a:t>3.</a:t>
+            </a:r>
+            <a:r>
+              <a:rPr lang="zh-CN" altLang="en-US" sz="1400"/>
+              <a:t>对账</a:t>
+            </a:r>
+            <a:r>
+              <a:rPr lang="zh-CN" altLang="en-US" sz="1400"/>
+              <a:t>查询较多，数据开始</a:t>
+            </a:r>
+            <a:endParaRPr lang="zh-CN" altLang="en-US" sz="1400"/>
+          </a:p>
+        </p:txBody>
+      </p:sp>
     </p:spTree>
   </p:cSld>
   <p:clrMapOvr>
